--- a/drafts/memristors/memristor.pptx
+++ b/drafts/memristors/memristor.pptx
@@ -6,22 +6,29 @@
   </p:sldMasterIdLst>
   <p:sldIdLst>
     <p:sldId id="264" r:id="rId2"/>
-    <p:sldId id="265" r:id="rId3"/>
-    <p:sldId id="257" r:id="rId4"/>
-    <p:sldId id="259" r:id="rId5"/>
-    <p:sldId id="266" r:id="rId6"/>
-    <p:sldId id="260" r:id="rId7"/>
-    <p:sldId id="262" r:id="rId8"/>
-    <p:sldId id="268" r:id="rId9"/>
-    <p:sldId id="269" r:id="rId10"/>
-    <p:sldId id="258" r:id="rId11"/>
-    <p:sldId id="267" r:id="rId12"/>
-    <p:sldId id="270" r:id="rId13"/>
-    <p:sldId id="261" r:id="rId14"/>
-    <p:sldId id="272" r:id="rId15"/>
-    <p:sldId id="274" r:id="rId16"/>
-    <p:sldId id="273" r:id="rId17"/>
-    <p:sldId id="275" r:id="rId18"/>
+    <p:sldId id="277" r:id="rId3"/>
+    <p:sldId id="261" r:id="rId4"/>
+    <p:sldId id="272" r:id="rId5"/>
+    <p:sldId id="278" r:id="rId6"/>
+    <p:sldId id="274" r:id="rId7"/>
+    <p:sldId id="279" r:id="rId8"/>
+    <p:sldId id="273" r:id="rId9"/>
+    <p:sldId id="275" r:id="rId10"/>
+    <p:sldId id="280" r:id="rId11"/>
+    <p:sldId id="281" r:id="rId12"/>
+    <p:sldId id="282" r:id="rId13"/>
+    <p:sldId id="283" r:id="rId14"/>
+    <p:sldId id="276" r:id="rId15"/>
+    <p:sldId id="265" r:id="rId16"/>
+    <p:sldId id="257" r:id="rId17"/>
+    <p:sldId id="259" r:id="rId18"/>
+    <p:sldId id="266" r:id="rId19"/>
+    <p:sldId id="260" r:id="rId20"/>
+    <p:sldId id="262" r:id="rId21"/>
+    <p:sldId id="268" r:id="rId22"/>
+    <p:sldId id="269" r:id="rId23"/>
+    <p:sldId id="258" r:id="rId24"/>
+    <p:sldId id="267" r:id="rId25"/>
   </p:sldIdLst>
   <p:sldSz cx="12192000" cy="6858000"/>
   <p:notesSz cx="6858000" cy="9144000"/>
@@ -142,13 +149,799 @@
 <file path=ppt/revisionInfo.xml><?xml version="1.0" encoding="utf-8"?>
 <p1510:revInfo xmlns:a="http://schemas.openxmlformats.org/drawingml/2006/main" xmlns:r="http://schemas.openxmlformats.org/officeDocument/2006/relationships" xmlns:p1510="http://schemas.microsoft.com/office/powerpoint/2015/10/main">
   <p1510:revLst>
-    <p1510:client id="{D3B7CDEC-4FAF-45D3-B00E-90C001A56CF8}" v="542" dt="2023-09-27T20:31:52.423"/>
+    <p1510:client id="{2BBA3BD7-2E20-4F70-8011-B481277125F2}" v="509" dt="2023-10-05T19:44:30.453"/>
   </p1510:revLst>
 </p1510:revInfo>
 </file>
 
 <file path=ppt/changesInfos/changesInfo1.xml><?xml version="1.0" encoding="utf-8"?>
 <pc:chgInfo xmlns:a="http://schemas.openxmlformats.org/drawingml/2006/main" xmlns:r="http://schemas.openxmlformats.org/officeDocument/2006/relationships" xmlns:ac="http://schemas.microsoft.com/office/drawing/2013/main/command" xmlns:pc="http://schemas.microsoft.com/office/powerpoint/2013/main/command">
+  <pc:docChgLst>
+    <pc:chgData name="Quang-Nguyen Vo-Huynh" userId="6a1b2bcfbbb34c0c" providerId="LiveId" clId="{2BBA3BD7-2E20-4F70-8011-B481277125F2}"/>
+    <pc:docChg chg="undo custSel addSld delSld modSld sldOrd">
+      <pc:chgData name="Quang-Nguyen Vo-Huynh" userId="6a1b2bcfbbb34c0c" providerId="LiveId" clId="{2BBA3BD7-2E20-4F70-8011-B481277125F2}" dt="2023-10-06T15:46:47.742" v="1559" actId="1036"/>
+      <pc:docMkLst>
+        <pc:docMk/>
+      </pc:docMkLst>
+      <pc:sldChg chg="addSp modSp mod setBg">
+        <pc:chgData name="Quang-Nguyen Vo-Huynh" userId="6a1b2bcfbbb34c0c" providerId="LiveId" clId="{2BBA3BD7-2E20-4F70-8011-B481277125F2}" dt="2023-10-05T19:45:26.041" v="1556" actId="20577"/>
+        <pc:sldMkLst>
+          <pc:docMk/>
+          <pc:sldMk cId="1045490457" sldId="257"/>
+        </pc:sldMkLst>
+        <pc:spChg chg="add mod">
+          <ac:chgData name="Quang-Nguyen Vo-Huynh" userId="6a1b2bcfbbb34c0c" providerId="LiveId" clId="{2BBA3BD7-2E20-4F70-8011-B481277125F2}" dt="2023-10-05T19:45:26.041" v="1556" actId="20577"/>
+          <ac:spMkLst>
+            <pc:docMk/>
+            <pc:sldMk cId="1045490457" sldId="257"/>
+            <ac:spMk id="2" creationId="{D898EE50-4C80-717D-A194-640DF74760A5}"/>
+          </ac:spMkLst>
+        </pc:spChg>
+      </pc:sldChg>
+      <pc:sldChg chg="setBg">
+        <pc:chgData name="Quang-Nguyen Vo-Huynh" userId="6a1b2bcfbbb34c0c" providerId="LiveId" clId="{2BBA3BD7-2E20-4F70-8011-B481277125F2}" dt="2023-10-05T15:46:03.963" v="291"/>
+        <pc:sldMkLst>
+          <pc:docMk/>
+          <pc:sldMk cId="1663129815" sldId="258"/>
+        </pc:sldMkLst>
+      </pc:sldChg>
+      <pc:sldChg chg="setBg">
+        <pc:chgData name="Quang-Nguyen Vo-Huynh" userId="6a1b2bcfbbb34c0c" providerId="LiveId" clId="{2BBA3BD7-2E20-4F70-8011-B481277125F2}" dt="2023-10-05T15:46:03.963" v="291"/>
+        <pc:sldMkLst>
+          <pc:docMk/>
+          <pc:sldMk cId="1779087438" sldId="259"/>
+        </pc:sldMkLst>
+      </pc:sldChg>
+      <pc:sldChg chg="setBg">
+        <pc:chgData name="Quang-Nguyen Vo-Huynh" userId="6a1b2bcfbbb34c0c" providerId="LiveId" clId="{2BBA3BD7-2E20-4F70-8011-B481277125F2}" dt="2023-10-05T15:46:03.963" v="291"/>
+        <pc:sldMkLst>
+          <pc:docMk/>
+          <pc:sldMk cId="1304093165" sldId="260"/>
+        </pc:sldMkLst>
+      </pc:sldChg>
+      <pc:sldChg chg="del">
+        <pc:chgData name="Quang-Nguyen Vo-Huynh" userId="6a1b2bcfbbb34c0c" providerId="LiveId" clId="{2BBA3BD7-2E20-4F70-8011-B481277125F2}" dt="2023-10-05T02:37:10.618" v="46" actId="2696"/>
+        <pc:sldMkLst>
+          <pc:docMk/>
+          <pc:sldMk cId="756621199" sldId="261"/>
+        </pc:sldMkLst>
+      </pc:sldChg>
+      <pc:sldChg chg="addSp modSp add mod setBg">
+        <pc:chgData name="Quang-Nguyen Vo-Huynh" userId="6a1b2bcfbbb34c0c" providerId="LiveId" clId="{2BBA3BD7-2E20-4F70-8011-B481277125F2}" dt="2023-10-05T19:29:12.099" v="1088" actId="1076"/>
+        <pc:sldMkLst>
+          <pc:docMk/>
+          <pc:sldMk cId="2008436367" sldId="261"/>
+        </pc:sldMkLst>
+        <pc:spChg chg="add mod">
+          <ac:chgData name="Quang-Nguyen Vo-Huynh" userId="6a1b2bcfbbb34c0c" providerId="LiveId" clId="{2BBA3BD7-2E20-4F70-8011-B481277125F2}" dt="2023-10-05T19:29:12.099" v="1088" actId="1076"/>
+          <ac:spMkLst>
+            <pc:docMk/>
+            <pc:sldMk cId="2008436367" sldId="261"/>
+            <ac:spMk id="2" creationId="{57C4F96A-CF57-2FE1-0370-4623E6586D8A}"/>
+          </ac:spMkLst>
+        </pc:spChg>
+      </pc:sldChg>
+      <pc:sldChg chg="setBg">
+        <pc:chgData name="Quang-Nguyen Vo-Huynh" userId="6a1b2bcfbbb34c0c" providerId="LiveId" clId="{2BBA3BD7-2E20-4F70-8011-B481277125F2}" dt="2023-10-05T15:46:03.963" v="291"/>
+        <pc:sldMkLst>
+          <pc:docMk/>
+          <pc:sldMk cId="3019877112" sldId="262"/>
+        </pc:sldMkLst>
+      </pc:sldChg>
+      <pc:sldChg chg="modSp mod">
+        <pc:chgData name="Quang-Nguyen Vo-Huynh" userId="6a1b2bcfbbb34c0c" providerId="LiveId" clId="{2BBA3BD7-2E20-4F70-8011-B481277125F2}" dt="2023-10-05T02:36:30.405" v="18" actId="20577"/>
+        <pc:sldMkLst>
+          <pc:docMk/>
+          <pc:sldMk cId="2301738303" sldId="264"/>
+        </pc:sldMkLst>
+        <pc:spChg chg="mod">
+          <ac:chgData name="Quang-Nguyen Vo-Huynh" userId="6a1b2bcfbbb34c0c" providerId="LiveId" clId="{2BBA3BD7-2E20-4F70-8011-B481277125F2}" dt="2023-10-05T02:36:30.405" v="18" actId="20577"/>
+          <ac:spMkLst>
+            <pc:docMk/>
+            <pc:sldMk cId="2301738303" sldId="264"/>
+            <ac:spMk id="6" creationId="{1851FAA6-B02C-0841-8093-DB5B5E2D753C}"/>
+          </ac:spMkLst>
+        </pc:spChg>
+      </pc:sldChg>
+      <pc:sldChg chg="addSp delSp modSp mod modClrScheme chgLayout">
+        <pc:chgData name="Quang-Nguyen Vo-Huynh" userId="6a1b2bcfbbb34c0c" providerId="LiveId" clId="{2BBA3BD7-2E20-4F70-8011-B481277125F2}" dt="2023-10-05T02:37:51.072" v="52" actId="700"/>
+        <pc:sldMkLst>
+          <pc:docMk/>
+          <pc:sldMk cId="4050679127" sldId="265"/>
+        </pc:sldMkLst>
+        <pc:spChg chg="add del mod ord">
+          <ac:chgData name="Quang-Nguyen Vo-Huynh" userId="6a1b2bcfbbb34c0c" providerId="LiveId" clId="{2BBA3BD7-2E20-4F70-8011-B481277125F2}" dt="2023-10-05T02:37:51.072" v="52" actId="700"/>
+          <ac:spMkLst>
+            <pc:docMk/>
+            <pc:sldMk cId="4050679127" sldId="265"/>
+            <ac:spMk id="2" creationId="{D8998E78-58C7-9E3A-D814-4DD91A7E942E}"/>
+          </ac:spMkLst>
+        </pc:spChg>
+        <pc:spChg chg="add del mod ord">
+          <ac:chgData name="Quang-Nguyen Vo-Huynh" userId="6a1b2bcfbbb34c0c" providerId="LiveId" clId="{2BBA3BD7-2E20-4F70-8011-B481277125F2}" dt="2023-10-05T02:37:51.072" v="52" actId="700"/>
+          <ac:spMkLst>
+            <pc:docMk/>
+            <pc:sldMk cId="4050679127" sldId="265"/>
+            <ac:spMk id="3" creationId="{49F0A7EC-0987-DF2F-9455-43E6563A7E35}"/>
+          </ac:spMkLst>
+        </pc:spChg>
+      </pc:sldChg>
+      <pc:sldChg chg="setBg">
+        <pc:chgData name="Quang-Nguyen Vo-Huynh" userId="6a1b2bcfbbb34c0c" providerId="LiveId" clId="{2BBA3BD7-2E20-4F70-8011-B481277125F2}" dt="2023-10-05T15:46:03.963" v="291"/>
+        <pc:sldMkLst>
+          <pc:docMk/>
+          <pc:sldMk cId="3196747931" sldId="266"/>
+        </pc:sldMkLst>
+      </pc:sldChg>
+      <pc:sldChg chg="addSp modSp mod setBg">
+        <pc:chgData name="Quang-Nguyen Vo-Huynh" userId="6a1b2bcfbbb34c0c" providerId="LiveId" clId="{2BBA3BD7-2E20-4F70-8011-B481277125F2}" dt="2023-10-05T19:39:55.909" v="1448" actId="1582"/>
+        <pc:sldMkLst>
+          <pc:docMk/>
+          <pc:sldMk cId="2050951475" sldId="267"/>
+        </pc:sldMkLst>
+        <pc:spChg chg="add mod">
+          <ac:chgData name="Quang-Nguyen Vo-Huynh" userId="6a1b2bcfbbb34c0c" providerId="LiveId" clId="{2BBA3BD7-2E20-4F70-8011-B481277125F2}" dt="2023-10-05T19:35:40.739" v="1354" actId="207"/>
+          <ac:spMkLst>
+            <pc:docMk/>
+            <pc:sldMk cId="2050951475" sldId="267"/>
+            <ac:spMk id="2" creationId="{989A0384-9EE4-CB41-BA8F-30A59507DBDC}"/>
+          </ac:spMkLst>
+        </pc:spChg>
+        <pc:spChg chg="add mod">
+          <ac:chgData name="Quang-Nguyen Vo-Huynh" userId="6a1b2bcfbbb34c0c" providerId="LiveId" clId="{2BBA3BD7-2E20-4F70-8011-B481277125F2}" dt="2023-10-05T19:35:50.997" v="1356" actId="1076"/>
+          <ac:spMkLst>
+            <pc:docMk/>
+            <pc:sldMk cId="2050951475" sldId="267"/>
+            <ac:spMk id="3" creationId="{F1B2F298-A67D-FD21-6643-3D0525BB15F1}"/>
+          </ac:spMkLst>
+        </pc:spChg>
+        <pc:spChg chg="add mod">
+          <ac:chgData name="Quang-Nguyen Vo-Huynh" userId="6a1b2bcfbbb34c0c" providerId="LiveId" clId="{2BBA3BD7-2E20-4F70-8011-B481277125F2}" dt="2023-10-05T19:36:07.207" v="1358" actId="1076"/>
+          <ac:spMkLst>
+            <pc:docMk/>
+            <pc:sldMk cId="2050951475" sldId="267"/>
+            <ac:spMk id="6" creationId="{28B0E7E8-3D97-1F3C-AB89-9D1B7675A1A9}"/>
+          </ac:spMkLst>
+        </pc:spChg>
+        <pc:spChg chg="add mod">
+          <ac:chgData name="Quang-Nguyen Vo-Huynh" userId="6a1b2bcfbbb34c0c" providerId="LiveId" clId="{2BBA3BD7-2E20-4F70-8011-B481277125F2}" dt="2023-10-05T19:39:27.436" v="1443" actId="20577"/>
+          <ac:spMkLst>
+            <pc:docMk/>
+            <pc:sldMk cId="2050951475" sldId="267"/>
+            <ac:spMk id="12" creationId="{E0338CE4-17F6-E336-5004-B86B72AEE58D}"/>
+          </ac:spMkLst>
+        </pc:spChg>
+        <pc:cxnChg chg="add mod">
+          <ac:chgData name="Quang-Nguyen Vo-Huynh" userId="6a1b2bcfbbb34c0c" providerId="LiveId" clId="{2BBA3BD7-2E20-4F70-8011-B481277125F2}" dt="2023-10-05T19:37:19.869" v="1366" actId="14100"/>
+          <ac:cxnSpMkLst>
+            <pc:docMk/>
+            <pc:sldMk cId="2050951475" sldId="267"/>
+            <ac:cxnSpMk id="9" creationId="{4E62ADFD-E7D1-FD37-C574-B92D2492877B}"/>
+          </ac:cxnSpMkLst>
+        </pc:cxnChg>
+        <pc:cxnChg chg="add mod">
+          <ac:chgData name="Quang-Nguyen Vo-Huynh" userId="6a1b2bcfbbb34c0c" providerId="LiveId" clId="{2BBA3BD7-2E20-4F70-8011-B481277125F2}" dt="2023-10-05T19:39:55.909" v="1448" actId="1582"/>
+          <ac:cxnSpMkLst>
+            <pc:docMk/>
+            <pc:sldMk cId="2050951475" sldId="267"/>
+            <ac:cxnSpMk id="16" creationId="{61E6571B-3315-5FB4-8C29-4386863BAD60}"/>
+          </ac:cxnSpMkLst>
+        </pc:cxnChg>
+      </pc:sldChg>
+      <pc:sldChg chg="setBg">
+        <pc:chgData name="Quang-Nguyen Vo-Huynh" userId="6a1b2bcfbbb34c0c" providerId="LiveId" clId="{2BBA3BD7-2E20-4F70-8011-B481277125F2}" dt="2023-10-05T15:46:03.963" v="291"/>
+        <pc:sldMkLst>
+          <pc:docMk/>
+          <pc:sldMk cId="3321647645" sldId="268"/>
+        </pc:sldMkLst>
+      </pc:sldChg>
+      <pc:sldChg chg="setBg">
+        <pc:chgData name="Quang-Nguyen Vo-Huynh" userId="6a1b2bcfbbb34c0c" providerId="LiveId" clId="{2BBA3BD7-2E20-4F70-8011-B481277125F2}" dt="2023-10-05T15:46:03.963" v="291"/>
+        <pc:sldMkLst>
+          <pc:docMk/>
+          <pc:sldMk cId="1009595425" sldId="269"/>
+        </pc:sldMkLst>
+      </pc:sldChg>
+      <pc:sldChg chg="delSp modSp add del mod setBg">
+        <pc:chgData name="Quang-Nguyen Vo-Huynh" userId="6a1b2bcfbbb34c0c" providerId="LiveId" clId="{2BBA3BD7-2E20-4F70-8011-B481277125F2}" dt="2023-10-05T02:38:19.135" v="63" actId="47"/>
+        <pc:sldMkLst>
+          <pc:docMk/>
+          <pc:sldMk cId="1455859158" sldId="270"/>
+        </pc:sldMkLst>
+        <pc:spChg chg="del mod">
+          <ac:chgData name="Quang-Nguyen Vo-Huynh" userId="6a1b2bcfbbb34c0c" providerId="LiveId" clId="{2BBA3BD7-2E20-4F70-8011-B481277125F2}" dt="2023-10-05T02:38:12.452" v="60"/>
+          <ac:spMkLst>
+            <pc:docMk/>
+            <pc:sldMk cId="1455859158" sldId="270"/>
+            <ac:spMk id="4" creationId="{8DD93D6E-F700-FB4D-8333-A087C39ACBA6}"/>
+          </ac:spMkLst>
+        </pc:spChg>
+      </pc:sldChg>
+      <pc:sldChg chg="del">
+        <pc:chgData name="Quang-Nguyen Vo-Huynh" userId="6a1b2bcfbbb34c0c" providerId="LiveId" clId="{2BBA3BD7-2E20-4F70-8011-B481277125F2}" dt="2023-10-05T02:37:10.618" v="46" actId="2696"/>
+        <pc:sldMkLst>
+          <pc:docMk/>
+          <pc:sldMk cId="3438051790" sldId="270"/>
+        </pc:sldMkLst>
+      </pc:sldChg>
+      <pc:sldChg chg="addSp modSp add mod setBg">
+        <pc:chgData name="Quang-Nguyen Vo-Huynh" userId="6a1b2bcfbbb34c0c" providerId="LiveId" clId="{2BBA3BD7-2E20-4F70-8011-B481277125F2}" dt="2023-10-05T19:31:31.659" v="1287" actId="14100"/>
+        <pc:sldMkLst>
+          <pc:docMk/>
+          <pc:sldMk cId="1416715288" sldId="272"/>
+        </pc:sldMkLst>
+        <pc:spChg chg="add mod">
+          <ac:chgData name="Quang-Nguyen Vo-Huynh" userId="6a1b2bcfbbb34c0c" providerId="LiveId" clId="{2BBA3BD7-2E20-4F70-8011-B481277125F2}" dt="2023-10-05T19:30:16.779" v="1186" actId="1076"/>
+          <ac:spMkLst>
+            <pc:docMk/>
+            <pc:sldMk cId="1416715288" sldId="272"/>
+            <ac:spMk id="2" creationId="{BA08EFFF-548B-D298-83D4-F978C39B7C01}"/>
+          </ac:spMkLst>
+        </pc:spChg>
+        <pc:spChg chg="mod">
+          <ac:chgData name="Quang-Nguyen Vo-Huynh" userId="6a1b2bcfbbb34c0c" providerId="LiveId" clId="{2BBA3BD7-2E20-4F70-8011-B481277125F2}" dt="2023-10-05T02:47:56.615" v="64" actId="14100"/>
+          <ac:spMkLst>
+            <pc:docMk/>
+            <pc:sldMk cId="1416715288" sldId="272"/>
+            <ac:spMk id="4" creationId="{6CEFF733-E084-6853-F8C7-07BD3594FCDE}"/>
+          </ac:spMkLst>
+        </pc:spChg>
+        <pc:spChg chg="add mod">
+          <ac:chgData name="Quang-Nguyen Vo-Huynh" userId="6a1b2bcfbbb34c0c" providerId="LiveId" clId="{2BBA3BD7-2E20-4F70-8011-B481277125F2}" dt="2023-10-05T19:31:24.739" v="1285" actId="120"/>
+          <ac:spMkLst>
+            <pc:docMk/>
+            <pc:sldMk cId="1416715288" sldId="272"/>
+            <ac:spMk id="8" creationId="{68C2C746-B8AF-C8C4-E25F-3C39FEFD2770}"/>
+          </ac:spMkLst>
+        </pc:spChg>
+        <pc:picChg chg="mod">
+          <ac:chgData name="Quang-Nguyen Vo-Huynh" userId="6a1b2bcfbbb34c0c" providerId="LiveId" clId="{2BBA3BD7-2E20-4F70-8011-B481277125F2}" dt="2023-10-05T19:30:11.169" v="1185" actId="1035"/>
+          <ac:picMkLst>
+            <pc:docMk/>
+            <pc:sldMk cId="1416715288" sldId="272"/>
+            <ac:picMk id="3" creationId="{CB6FCCCE-FBF9-31D9-25B8-103F22B1F994}"/>
+          </ac:picMkLst>
+        </pc:picChg>
+        <pc:picChg chg="mod">
+          <ac:chgData name="Quang-Nguyen Vo-Huynh" userId="6a1b2bcfbbb34c0c" providerId="LiveId" clId="{2BBA3BD7-2E20-4F70-8011-B481277125F2}" dt="2023-10-05T02:48:15.021" v="67" actId="1076"/>
+          <ac:picMkLst>
+            <pc:docMk/>
+            <pc:sldMk cId="1416715288" sldId="272"/>
+            <ac:picMk id="2052" creationId="{63A9A0B2-76D0-5E70-0BCD-8E91361358C9}"/>
+          </ac:picMkLst>
+        </pc:picChg>
+        <pc:cxnChg chg="add mod">
+          <ac:chgData name="Quang-Nguyen Vo-Huynh" userId="6a1b2bcfbbb34c0c" providerId="LiveId" clId="{2BBA3BD7-2E20-4F70-8011-B481277125F2}" dt="2023-10-05T19:31:31.659" v="1287" actId="14100"/>
+          <ac:cxnSpMkLst>
+            <pc:docMk/>
+            <pc:sldMk cId="1416715288" sldId="272"/>
+            <ac:cxnSpMk id="7" creationId="{DBDDEBE1-DEDB-0605-75B1-F0DC8BC039E0}"/>
+          </ac:cxnSpMkLst>
+        </pc:cxnChg>
+      </pc:sldChg>
+      <pc:sldChg chg="del">
+        <pc:chgData name="Quang-Nguyen Vo-Huynh" userId="6a1b2bcfbbb34c0c" providerId="LiveId" clId="{2BBA3BD7-2E20-4F70-8011-B481277125F2}" dt="2023-10-05T02:37:10.618" v="46" actId="2696"/>
+        <pc:sldMkLst>
+          <pc:docMk/>
+          <pc:sldMk cId="3515194178" sldId="272"/>
+        </pc:sldMkLst>
+      </pc:sldChg>
+      <pc:sldChg chg="del">
+        <pc:chgData name="Quang-Nguyen Vo-Huynh" userId="6a1b2bcfbbb34c0c" providerId="LiveId" clId="{2BBA3BD7-2E20-4F70-8011-B481277125F2}" dt="2023-10-05T02:37:10.618" v="46" actId="2696"/>
+        <pc:sldMkLst>
+          <pc:docMk/>
+          <pc:sldMk cId="1497912394" sldId="273"/>
+        </pc:sldMkLst>
+      </pc:sldChg>
+      <pc:sldChg chg="modSp add mod setBg">
+        <pc:chgData name="Quang-Nguyen Vo-Huynh" userId="6a1b2bcfbbb34c0c" providerId="LiveId" clId="{2BBA3BD7-2E20-4F70-8011-B481277125F2}" dt="2023-10-05T18:55:42.236" v="709" actId="20577"/>
+        <pc:sldMkLst>
+          <pc:docMk/>
+          <pc:sldMk cId="3283786850" sldId="273"/>
+        </pc:sldMkLst>
+        <pc:spChg chg="mod">
+          <ac:chgData name="Quang-Nguyen Vo-Huynh" userId="6a1b2bcfbbb34c0c" providerId="LiveId" clId="{2BBA3BD7-2E20-4F70-8011-B481277125F2}" dt="2023-10-05T18:55:42.236" v="709" actId="20577"/>
+          <ac:spMkLst>
+            <pc:docMk/>
+            <pc:sldMk cId="3283786850" sldId="273"/>
+            <ac:spMk id="4" creationId="{6CEFF733-E084-6853-F8C7-07BD3594FCDE}"/>
+          </ac:spMkLst>
+        </pc:spChg>
+      </pc:sldChg>
+      <pc:sldChg chg="del">
+        <pc:chgData name="Quang-Nguyen Vo-Huynh" userId="6a1b2bcfbbb34c0c" providerId="LiveId" clId="{2BBA3BD7-2E20-4F70-8011-B481277125F2}" dt="2023-10-05T02:37:10.618" v="46" actId="2696"/>
+        <pc:sldMkLst>
+          <pc:docMk/>
+          <pc:sldMk cId="3167726025" sldId="274"/>
+        </pc:sldMkLst>
+      </pc:sldChg>
+      <pc:sldChg chg="addSp modSp add mod setBg">
+        <pc:chgData name="Quang-Nguyen Vo-Huynh" userId="6a1b2bcfbbb34c0c" providerId="LiveId" clId="{2BBA3BD7-2E20-4F70-8011-B481277125F2}" dt="2023-10-06T15:46:47.742" v="1559" actId="1036"/>
+        <pc:sldMkLst>
+          <pc:docMk/>
+          <pc:sldMk cId="3902807117" sldId="274"/>
+        </pc:sldMkLst>
+        <pc:spChg chg="add mod">
+          <ac:chgData name="Quang-Nguyen Vo-Huynh" userId="6a1b2bcfbbb34c0c" providerId="LiveId" clId="{2BBA3BD7-2E20-4F70-8011-B481277125F2}" dt="2023-10-05T19:41:31.382" v="1480" actId="20577"/>
+          <ac:spMkLst>
+            <pc:docMk/>
+            <pc:sldMk cId="3902807117" sldId="274"/>
+            <ac:spMk id="2" creationId="{B8BFF3C5-8DDC-06EA-492B-9947990970B8}"/>
+          </ac:spMkLst>
+        </pc:spChg>
+        <pc:picChg chg="mod">
+          <ac:chgData name="Quang-Nguyen Vo-Huynh" userId="6a1b2bcfbbb34c0c" providerId="LiveId" clId="{2BBA3BD7-2E20-4F70-8011-B481277125F2}" dt="2023-10-06T15:46:47.742" v="1559" actId="1036"/>
+          <ac:picMkLst>
+            <pc:docMk/>
+            <pc:sldMk cId="3902807117" sldId="274"/>
+            <ac:picMk id="8" creationId="{97EA5B01-9137-E043-45D1-401385E8E9C6}"/>
+          </ac:picMkLst>
+        </pc:picChg>
+      </pc:sldChg>
+      <pc:sldChg chg="addSp modSp add mod setBg">
+        <pc:chgData name="Quang-Nguyen Vo-Huynh" userId="6a1b2bcfbbb34c0c" providerId="LiveId" clId="{2BBA3BD7-2E20-4F70-8011-B481277125F2}" dt="2023-10-05T19:43:51.566" v="1513" actId="1076"/>
+        <pc:sldMkLst>
+          <pc:docMk/>
+          <pc:sldMk cId="632676436" sldId="275"/>
+        </pc:sldMkLst>
+        <pc:spChg chg="add mod">
+          <ac:chgData name="Quang-Nguyen Vo-Huynh" userId="6a1b2bcfbbb34c0c" providerId="LiveId" clId="{2BBA3BD7-2E20-4F70-8011-B481277125F2}" dt="2023-10-05T19:43:51.566" v="1513" actId="1076"/>
+          <ac:spMkLst>
+            <pc:docMk/>
+            <pc:sldMk cId="632676436" sldId="275"/>
+            <ac:spMk id="2" creationId="{5D7F7B4C-92EF-0315-3EDC-6AB833C5BA57}"/>
+          </ac:spMkLst>
+        </pc:spChg>
+        <pc:spChg chg="mod">
+          <ac:chgData name="Quang-Nguyen Vo-Huynh" userId="6a1b2bcfbbb34c0c" providerId="LiveId" clId="{2BBA3BD7-2E20-4F70-8011-B481277125F2}" dt="2023-10-05T15:39:08.659" v="254"/>
+          <ac:spMkLst>
+            <pc:docMk/>
+            <pc:sldMk cId="632676436" sldId="275"/>
+            <ac:spMk id="4" creationId="{6CEFF733-E084-6853-F8C7-07BD3594FCDE}"/>
+          </ac:spMkLst>
+        </pc:spChg>
+        <pc:picChg chg="add mod">
+          <ac:chgData name="Quang-Nguyen Vo-Huynh" userId="6a1b2bcfbbb34c0c" providerId="LiveId" clId="{2BBA3BD7-2E20-4F70-8011-B481277125F2}" dt="2023-10-05T15:35:19.948" v="151" actId="1076"/>
+          <ac:picMkLst>
+            <pc:docMk/>
+            <pc:sldMk cId="632676436" sldId="275"/>
+            <ac:picMk id="3" creationId="{134DFEC7-9455-E426-28B3-F4D77BC15E2D}"/>
+          </ac:picMkLst>
+        </pc:picChg>
+      </pc:sldChg>
+      <pc:sldChg chg="del">
+        <pc:chgData name="Quang-Nguyen Vo-Huynh" userId="6a1b2bcfbbb34c0c" providerId="LiveId" clId="{2BBA3BD7-2E20-4F70-8011-B481277125F2}" dt="2023-10-05T02:37:10.618" v="46" actId="2696"/>
+        <pc:sldMkLst>
+          <pc:docMk/>
+          <pc:sldMk cId="3048468621" sldId="275"/>
+        </pc:sldMkLst>
+      </pc:sldChg>
+      <pc:sldChg chg="delSp modSp add mod">
+        <pc:chgData name="Quang-Nguyen Vo-Huynh" userId="6a1b2bcfbbb34c0c" providerId="LiveId" clId="{2BBA3BD7-2E20-4F70-8011-B481277125F2}" dt="2023-10-05T02:37:33.208" v="50"/>
+        <pc:sldMkLst>
+          <pc:docMk/>
+          <pc:sldMk cId="3538605473" sldId="276"/>
+        </pc:sldMkLst>
+        <pc:spChg chg="mod">
+          <ac:chgData name="Quang-Nguyen Vo-Huynh" userId="6a1b2bcfbbb34c0c" providerId="LiveId" clId="{2BBA3BD7-2E20-4F70-8011-B481277125F2}" dt="2023-10-05T02:36:47.124" v="27" actId="20577"/>
+          <ac:spMkLst>
+            <pc:docMk/>
+            <pc:sldMk cId="3538605473" sldId="276"/>
+            <ac:spMk id="5" creationId="{CE81A51A-3168-024C-AD87-56547AE479AD}"/>
+          </ac:spMkLst>
+        </pc:spChg>
+        <pc:spChg chg="del mod">
+          <ac:chgData name="Quang-Nguyen Vo-Huynh" userId="6a1b2bcfbbb34c0c" providerId="LiveId" clId="{2BBA3BD7-2E20-4F70-8011-B481277125F2}" dt="2023-10-05T02:37:33.208" v="50"/>
+          <ac:spMkLst>
+            <pc:docMk/>
+            <pc:sldMk cId="3538605473" sldId="276"/>
+            <ac:spMk id="6" creationId="{1851FAA6-B02C-0841-8093-DB5B5E2D753C}"/>
+          </ac:spMkLst>
+        </pc:spChg>
+      </pc:sldChg>
+      <pc:sldChg chg="modSp add mod ord">
+        <pc:chgData name="Quang-Nguyen Vo-Huynh" userId="6a1b2bcfbbb34c0c" providerId="LiveId" clId="{2BBA3BD7-2E20-4F70-8011-B481277125F2}" dt="2023-10-05T02:38:16.140" v="62"/>
+        <pc:sldMkLst>
+          <pc:docMk/>
+          <pc:sldMk cId="2940678898" sldId="277"/>
+        </pc:sldMkLst>
+        <pc:spChg chg="mod">
+          <ac:chgData name="Quang-Nguyen Vo-Huynh" userId="6a1b2bcfbbb34c0c" providerId="LiveId" clId="{2BBA3BD7-2E20-4F70-8011-B481277125F2}" dt="2023-10-05T02:38:16.140" v="62"/>
+          <ac:spMkLst>
+            <pc:docMk/>
+            <pc:sldMk cId="2940678898" sldId="277"/>
+            <ac:spMk id="4" creationId="{8DD93D6E-F700-FB4D-8333-A087C39ACBA6}"/>
+          </ac:spMkLst>
+        </pc:spChg>
+      </pc:sldChg>
+      <pc:sldChg chg="addSp delSp modSp new mod setBg">
+        <pc:chgData name="Quang-Nguyen Vo-Huynh" userId="6a1b2bcfbbb34c0c" providerId="LiveId" clId="{2BBA3BD7-2E20-4F70-8011-B481277125F2}" dt="2023-10-06T15:40:13.796" v="1558" actId="1076"/>
+        <pc:sldMkLst>
+          <pc:docMk/>
+          <pc:sldMk cId="1143209542" sldId="278"/>
+        </pc:sldMkLst>
+        <pc:spChg chg="del">
+          <ac:chgData name="Quang-Nguyen Vo-Huynh" userId="6a1b2bcfbbb34c0c" providerId="LiveId" clId="{2BBA3BD7-2E20-4F70-8011-B481277125F2}" dt="2023-10-05T15:06:55.016" v="71" actId="478"/>
+          <ac:spMkLst>
+            <pc:docMk/>
+            <pc:sldMk cId="1143209542" sldId="278"/>
+            <ac:spMk id="2" creationId="{A4132C71-D465-C982-F712-738A0AD9D455}"/>
+          </ac:spMkLst>
+        </pc:spChg>
+        <pc:spChg chg="del">
+          <ac:chgData name="Quang-Nguyen Vo-Huynh" userId="6a1b2bcfbbb34c0c" providerId="LiveId" clId="{2BBA3BD7-2E20-4F70-8011-B481277125F2}" dt="2023-10-05T15:06:55.016" v="71" actId="478"/>
+          <ac:spMkLst>
+            <pc:docMk/>
+            <pc:sldMk cId="1143209542" sldId="278"/>
+            <ac:spMk id="3" creationId="{4C11EB22-EF1A-E905-6AF6-1A9EC6485F1A}"/>
+          </ac:spMkLst>
+        </pc:spChg>
+        <pc:spChg chg="add mod">
+          <ac:chgData name="Quang-Nguyen Vo-Huynh" userId="6a1b2bcfbbb34c0c" providerId="LiveId" clId="{2BBA3BD7-2E20-4F70-8011-B481277125F2}" dt="2023-10-05T15:12:37.649" v="87" actId="26606"/>
+          <ac:spMkLst>
+            <pc:docMk/>
+            <pc:sldMk cId="1143209542" sldId="278"/>
+            <ac:spMk id="4" creationId="{24729218-F0FF-30B7-14D5-971461A701CB}"/>
+          </ac:spMkLst>
+        </pc:spChg>
+        <pc:spChg chg="add del">
+          <ac:chgData name="Quang-Nguyen Vo-Huynh" userId="6a1b2bcfbbb34c0c" providerId="LiveId" clId="{2BBA3BD7-2E20-4F70-8011-B481277125F2}" dt="2023-10-05T15:12:37.649" v="87" actId="26606"/>
+          <ac:spMkLst>
+            <pc:docMk/>
+            <pc:sldMk cId="1143209542" sldId="278"/>
+            <ac:spMk id="13" creationId="{C4879EFC-8E62-4E00-973C-C45EE9EC676D}"/>
+          </ac:spMkLst>
+        </pc:spChg>
+        <pc:spChg chg="add mod">
+          <ac:chgData name="Quang-Nguyen Vo-Huynh" userId="6a1b2bcfbbb34c0c" providerId="LiveId" clId="{2BBA3BD7-2E20-4F70-8011-B481277125F2}" dt="2023-10-05T15:16:58.890" v="119" actId="1076"/>
+          <ac:spMkLst>
+            <pc:docMk/>
+            <pc:sldMk cId="1143209542" sldId="278"/>
+            <ac:spMk id="14" creationId="{EA7E4DD2-2C4A-6BE5-9A95-E8FAFF1FED74}"/>
+          </ac:spMkLst>
+        </pc:spChg>
+        <pc:spChg chg="add del">
+          <ac:chgData name="Quang-Nguyen Vo-Huynh" userId="6a1b2bcfbbb34c0c" providerId="LiveId" clId="{2BBA3BD7-2E20-4F70-8011-B481277125F2}" dt="2023-10-05T15:12:37.649" v="87" actId="26606"/>
+          <ac:spMkLst>
+            <pc:docMk/>
+            <pc:sldMk cId="1143209542" sldId="278"/>
+            <ac:spMk id="15" creationId="{D6A9C53F-5F90-40A5-8C85-5412D39C8C68}"/>
+          </ac:spMkLst>
+        </pc:spChg>
+        <pc:spChg chg="add mod">
+          <ac:chgData name="Quang-Nguyen Vo-Huynh" userId="6a1b2bcfbbb34c0c" providerId="LiveId" clId="{2BBA3BD7-2E20-4F70-8011-B481277125F2}" dt="2023-10-05T15:17:11.583" v="123" actId="20577"/>
+          <ac:spMkLst>
+            <pc:docMk/>
+            <pc:sldMk cId="1143209542" sldId="278"/>
+            <ac:spMk id="16" creationId="{8B51B9A2-93A7-37AF-18CD-F1099BBE3670}"/>
+          </ac:spMkLst>
+        </pc:spChg>
+        <pc:spChg chg="add mod">
+          <ac:chgData name="Quang-Nguyen Vo-Huynh" userId="6a1b2bcfbbb34c0c" providerId="LiveId" clId="{2BBA3BD7-2E20-4F70-8011-B481277125F2}" dt="2023-10-05T15:17:22.153" v="127" actId="20577"/>
+          <ac:spMkLst>
+            <pc:docMk/>
+            <pc:sldMk cId="1143209542" sldId="278"/>
+            <ac:spMk id="17" creationId="{6393C83B-42FB-2A23-CA08-95DFBCCE4DFB}"/>
+          </ac:spMkLst>
+        </pc:spChg>
+        <pc:picChg chg="add mod ord">
+          <ac:chgData name="Quang-Nguyen Vo-Huynh" userId="6a1b2bcfbbb34c0c" providerId="LiveId" clId="{2BBA3BD7-2E20-4F70-8011-B481277125F2}" dt="2023-10-05T15:16:29.912" v="110" actId="14100"/>
+          <ac:picMkLst>
+            <pc:docMk/>
+            <pc:sldMk cId="1143209542" sldId="278"/>
+            <ac:picMk id="6" creationId="{F5AF08FE-B668-A8E5-ACE2-C024355826FC}"/>
+          </ac:picMkLst>
+        </pc:picChg>
+        <pc:picChg chg="add mod">
+          <ac:chgData name="Quang-Nguyen Vo-Huynh" userId="6a1b2bcfbbb34c0c" providerId="LiveId" clId="{2BBA3BD7-2E20-4F70-8011-B481277125F2}" dt="2023-10-05T15:16:23.474" v="109" actId="14100"/>
+          <ac:picMkLst>
+            <pc:docMk/>
+            <pc:sldMk cId="1143209542" sldId="278"/>
+            <ac:picMk id="8" creationId="{E9BAC5C2-EB1D-C9B8-F108-F9D89AEBA09A}"/>
+          </ac:picMkLst>
+        </pc:picChg>
+        <pc:picChg chg="add mod">
+          <ac:chgData name="Quang-Nguyen Vo-Huynh" userId="6a1b2bcfbbb34c0c" providerId="LiveId" clId="{2BBA3BD7-2E20-4F70-8011-B481277125F2}" dt="2023-10-06T15:40:13.796" v="1558" actId="1076"/>
+          <ac:picMkLst>
+            <pc:docMk/>
+            <pc:sldMk cId="1143209542" sldId="278"/>
+            <ac:picMk id="10" creationId="{619F50F7-5B52-3577-4982-12A8F3F251FB}"/>
+          </ac:picMkLst>
+        </pc:picChg>
+        <pc:picChg chg="add mod">
+          <ac:chgData name="Quang-Nguyen Vo-Huynh" userId="6a1b2bcfbbb34c0c" providerId="LiveId" clId="{2BBA3BD7-2E20-4F70-8011-B481277125F2}" dt="2023-10-05T15:16:02.319" v="106" actId="1076"/>
+          <ac:picMkLst>
+            <pc:docMk/>
+            <pc:sldMk cId="1143209542" sldId="278"/>
+            <ac:picMk id="12" creationId="{CF959D8E-A6D2-BE40-E197-CE0DB142DAAF}"/>
+          </ac:picMkLst>
+        </pc:picChg>
+      </pc:sldChg>
+      <pc:sldChg chg="addSp delSp modSp new mod">
+        <pc:chgData name="Quang-Nguyen Vo-Huynh" userId="6a1b2bcfbbb34c0c" providerId="LiveId" clId="{2BBA3BD7-2E20-4F70-8011-B481277125F2}" dt="2023-10-05T19:43:35.831" v="1511" actId="1076"/>
+        <pc:sldMkLst>
+          <pc:docMk/>
+          <pc:sldMk cId="1301408383" sldId="279"/>
+        </pc:sldMkLst>
+        <pc:spChg chg="del">
+          <ac:chgData name="Quang-Nguyen Vo-Huynh" userId="6a1b2bcfbbb34c0c" providerId="LiveId" clId="{2BBA3BD7-2E20-4F70-8011-B481277125F2}" dt="2023-10-05T15:25:21.343" v="132" actId="478"/>
+          <ac:spMkLst>
+            <pc:docMk/>
+            <pc:sldMk cId="1301408383" sldId="279"/>
+            <ac:spMk id="2" creationId="{BEA81AA2-35C7-15D9-EB7E-C3BC4CF9D36B}"/>
+          </ac:spMkLst>
+        </pc:spChg>
+        <pc:spChg chg="add mod">
+          <ac:chgData name="Quang-Nguyen Vo-Huynh" userId="6a1b2bcfbbb34c0c" providerId="LiveId" clId="{2BBA3BD7-2E20-4F70-8011-B481277125F2}" dt="2023-10-05T19:43:35.831" v="1511" actId="1076"/>
+          <ac:spMkLst>
+            <pc:docMk/>
+            <pc:sldMk cId="1301408383" sldId="279"/>
+            <ac:spMk id="2" creationId="{D31E52A0-9ACA-7ABA-8FAB-FF3839B008C2}"/>
+          </ac:spMkLst>
+        </pc:spChg>
+        <pc:spChg chg="del">
+          <ac:chgData name="Quang-Nguyen Vo-Huynh" userId="6a1b2bcfbbb34c0c" providerId="LiveId" clId="{2BBA3BD7-2E20-4F70-8011-B481277125F2}" dt="2023-10-05T15:25:21.343" v="132" actId="478"/>
+          <ac:spMkLst>
+            <pc:docMk/>
+            <pc:sldMk cId="1301408383" sldId="279"/>
+            <ac:spMk id="3" creationId="{C97451D3-C7D0-0438-7270-14C42368EE62}"/>
+          </ac:spMkLst>
+        </pc:spChg>
+        <pc:spChg chg="add mod">
+          <ac:chgData name="Quang-Nguyen Vo-Huynh" userId="6a1b2bcfbbb34c0c" providerId="LiveId" clId="{2BBA3BD7-2E20-4F70-8011-B481277125F2}" dt="2023-10-05T15:25:28.619" v="133"/>
+          <ac:spMkLst>
+            <pc:docMk/>
+            <pc:sldMk cId="1301408383" sldId="279"/>
+            <ac:spMk id="4" creationId="{AA6CC5E2-CA09-3E67-D3EE-F7240A71E737}"/>
+          </ac:spMkLst>
+        </pc:spChg>
+        <pc:spChg chg="add mod">
+          <ac:chgData name="Quang-Nguyen Vo-Huynh" userId="6a1b2bcfbbb34c0c" providerId="LiveId" clId="{2BBA3BD7-2E20-4F70-8011-B481277125F2}" dt="2023-10-05T15:32:59.176" v="144"/>
+          <ac:spMkLst>
+            <pc:docMk/>
+            <pc:sldMk cId="1301408383" sldId="279"/>
+            <ac:spMk id="7" creationId="{30A9E19B-2779-578C-B284-2E5085E98DC9}"/>
+          </ac:spMkLst>
+        </pc:spChg>
+        <pc:picChg chg="add mod">
+          <ac:chgData name="Quang-Nguyen Vo-Huynh" userId="6a1b2bcfbbb34c0c" providerId="LiveId" clId="{2BBA3BD7-2E20-4F70-8011-B481277125F2}" dt="2023-10-05T15:30:04.068" v="135" actId="1076"/>
+          <ac:picMkLst>
+            <pc:docMk/>
+            <pc:sldMk cId="1301408383" sldId="279"/>
+            <ac:picMk id="6" creationId="{411EE173-3612-9582-50C7-76F1EF78DAAC}"/>
+          </ac:picMkLst>
+        </pc:picChg>
+      </pc:sldChg>
+      <pc:sldChg chg="modSp add mod setBg">
+        <pc:chgData name="Quang-Nguyen Vo-Huynh" userId="6a1b2bcfbbb34c0c" providerId="LiveId" clId="{2BBA3BD7-2E20-4F70-8011-B481277125F2}" dt="2023-10-05T15:44:25.566" v="288" actId="20577"/>
+        <pc:sldMkLst>
+          <pc:docMk/>
+          <pc:sldMk cId="109434924" sldId="280"/>
+        </pc:sldMkLst>
+        <pc:spChg chg="mod">
+          <ac:chgData name="Quang-Nguyen Vo-Huynh" userId="6a1b2bcfbbb34c0c" providerId="LiveId" clId="{2BBA3BD7-2E20-4F70-8011-B481277125F2}" dt="2023-10-05T15:44:25.566" v="288" actId="20577"/>
+          <ac:spMkLst>
+            <pc:docMk/>
+            <pc:sldMk cId="109434924" sldId="280"/>
+            <ac:spMk id="4" creationId="{8DD93D6E-F700-FB4D-8333-A087C39ACBA6}"/>
+          </ac:spMkLst>
+        </pc:spChg>
+      </pc:sldChg>
+      <pc:sldChg chg="addSp delSp modSp new mod">
+        <pc:chgData name="Quang-Nguyen Vo-Huynh" userId="6a1b2bcfbbb34c0c" providerId="LiveId" clId="{2BBA3BD7-2E20-4F70-8011-B481277125F2}" dt="2023-10-05T19:44:04.319" v="1515" actId="1076"/>
+        <pc:sldMkLst>
+          <pc:docMk/>
+          <pc:sldMk cId="1007344605" sldId="281"/>
+        </pc:sldMkLst>
+        <pc:spChg chg="add mod">
+          <ac:chgData name="Quang-Nguyen Vo-Huynh" userId="6a1b2bcfbbb34c0c" providerId="LiveId" clId="{2BBA3BD7-2E20-4F70-8011-B481277125F2}" dt="2023-10-05T19:44:04.319" v="1515" actId="1076"/>
+          <ac:spMkLst>
+            <pc:docMk/>
+            <pc:sldMk cId="1007344605" sldId="281"/>
+            <ac:spMk id="2" creationId="{09D6C791-0A9C-8851-9D46-296E142FFC75}"/>
+          </ac:spMkLst>
+        </pc:spChg>
+        <pc:spChg chg="del">
+          <ac:chgData name="Quang-Nguyen Vo-Huynh" userId="6a1b2bcfbbb34c0c" providerId="LiveId" clId="{2BBA3BD7-2E20-4F70-8011-B481277125F2}" dt="2023-10-05T15:46:26.162" v="293" actId="478"/>
+          <ac:spMkLst>
+            <pc:docMk/>
+            <pc:sldMk cId="1007344605" sldId="281"/>
+            <ac:spMk id="2" creationId="{B0EE426F-0993-4019-9A3F-665E3F9785CA}"/>
+          </ac:spMkLst>
+        </pc:spChg>
+        <pc:spChg chg="del">
+          <ac:chgData name="Quang-Nguyen Vo-Huynh" userId="6a1b2bcfbbb34c0c" providerId="LiveId" clId="{2BBA3BD7-2E20-4F70-8011-B481277125F2}" dt="2023-10-05T15:47:04.144" v="340" actId="478"/>
+          <ac:spMkLst>
+            <pc:docMk/>
+            <pc:sldMk cId="1007344605" sldId="281"/>
+            <ac:spMk id="3" creationId="{B94B2150-4592-8E6F-2357-DB19DA1881DF}"/>
+          </ac:spMkLst>
+        </pc:spChg>
+        <pc:spChg chg="add mod">
+          <ac:chgData name="Quang-Nguyen Vo-Huynh" userId="6a1b2bcfbbb34c0c" providerId="LiveId" clId="{2BBA3BD7-2E20-4F70-8011-B481277125F2}" dt="2023-10-05T15:47:00.596" v="339" actId="20577"/>
+          <ac:spMkLst>
+            <pc:docMk/>
+            <pc:sldMk cId="1007344605" sldId="281"/>
+            <ac:spMk id="4" creationId="{4661F1A0-BCCB-06B2-5A69-B762BB5A56CA}"/>
+          </ac:spMkLst>
+        </pc:spChg>
+        <pc:spChg chg="add mod">
+          <ac:chgData name="Quang-Nguyen Vo-Huynh" userId="6a1b2bcfbbb34c0c" providerId="LiveId" clId="{2BBA3BD7-2E20-4F70-8011-B481277125F2}" dt="2023-10-05T19:17:07.869" v="911" actId="1076"/>
+          <ac:spMkLst>
+            <pc:docMk/>
+            <pc:sldMk cId="1007344605" sldId="281"/>
+            <ac:spMk id="5" creationId="{C9972BB9-3D6A-9C88-3C53-A11E7AB8FBC6}"/>
+          </ac:spMkLst>
+        </pc:spChg>
+        <pc:spChg chg="add del mod">
+          <ac:chgData name="Quang-Nguyen Vo-Huynh" userId="6a1b2bcfbbb34c0c" providerId="LiveId" clId="{2BBA3BD7-2E20-4F70-8011-B481277125F2}" dt="2023-10-05T15:51:02.510" v="433" actId="478"/>
+          <ac:spMkLst>
+            <pc:docMk/>
+            <pc:sldMk cId="1007344605" sldId="281"/>
+            <ac:spMk id="8" creationId="{82803ED0-DA07-0A36-ED0A-3C4B8A3E3993}"/>
+          </ac:spMkLst>
+        </pc:spChg>
+        <pc:spChg chg="add mod">
+          <ac:chgData name="Quang-Nguyen Vo-Huynh" userId="6a1b2bcfbbb34c0c" providerId="LiveId" clId="{2BBA3BD7-2E20-4F70-8011-B481277125F2}" dt="2023-10-05T15:51:39.456" v="439" actId="14100"/>
+          <ac:spMkLst>
+            <pc:docMk/>
+            <pc:sldMk cId="1007344605" sldId="281"/>
+            <ac:spMk id="9" creationId="{A7C1D9B7-C5F5-3EA1-006B-F3AF51A58D31}"/>
+          </ac:spMkLst>
+        </pc:spChg>
+        <pc:picChg chg="add mod">
+          <ac:chgData name="Quang-Nguyen Vo-Huynh" userId="6a1b2bcfbbb34c0c" providerId="LiveId" clId="{2BBA3BD7-2E20-4F70-8011-B481277125F2}" dt="2023-10-05T15:50:37.332" v="428" actId="14100"/>
+          <ac:picMkLst>
+            <pc:docMk/>
+            <pc:sldMk cId="1007344605" sldId="281"/>
+            <ac:picMk id="7" creationId="{2C3E9733-225D-313D-EBA3-2AD18CA016DB}"/>
+          </ac:picMkLst>
+        </pc:picChg>
+      </pc:sldChg>
+      <pc:sldChg chg="addSp delSp modSp new mod">
+        <pc:chgData name="Quang-Nguyen Vo-Huynh" userId="6a1b2bcfbbb34c0c" providerId="LiveId" clId="{2BBA3BD7-2E20-4F70-8011-B481277125F2}" dt="2023-10-05T19:44:09.329" v="1517" actId="1076"/>
+        <pc:sldMkLst>
+          <pc:docMk/>
+          <pc:sldMk cId="2579007822" sldId="282"/>
+        </pc:sldMkLst>
+        <pc:spChg chg="del">
+          <ac:chgData name="Quang-Nguyen Vo-Huynh" userId="6a1b2bcfbbb34c0c" providerId="LiveId" clId="{2BBA3BD7-2E20-4F70-8011-B481277125F2}" dt="2023-10-05T15:55:30.766" v="519" actId="478"/>
+          <ac:spMkLst>
+            <pc:docMk/>
+            <pc:sldMk cId="2579007822" sldId="282"/>
+            <ac:spMk id="2" creationId="{2163D2F7-5F08-6870-FAF3-CDE8AF7F4DC5}"/>
+          </ac:spMkLst>
+        </pc:spChg>
+        <pc:spChg chg="del">
+          <ac:chgData name="Quang-Nguyen Vo-Huynh" userId="6a1b2bcfbbb34c0c" providerId="LiveId" clId="{2BBA3BD7-2E20-4F70-8011-B481277125F2}" dt="2023-10-05T15:55:30.766" v="519" actId="478"/>
+          <ac:spMkLst>
+            <pc:docMk/>
+            <pc:sldMk cId="2579007822" sldId="282"/>
+            <ac:spMk id="3" creationId="{252D04F1-BF61-052B-7AC9-300694AA2984}"/>
+          </ac:spMkLst>
+        </pc:spChg>
+        <pc:spChg chg="add mod">
+          <ac:chgData name="Quang-Nguyen Vo-Huynh" userId="6a1b2bcfbbb34c0c" providerId="LiveId" clId="{2BBA3BD7-2E20-4F70-8011-B481277125F2}" dt="2023-10-05T19:44:09.329" v="1517" actId="1076"/>
+          <ac:spMkLst>
+            <pc:docMk/>
+            <pc:sldMk cId="2579007822" sldId="282"/>
+            <ac:spMk id="3" creationId="{9C9F289F-8C50-5FE1-16FB-560BF965AE22}"/>
+          </ac:spMkLst>
+        </pc:spChg>
+        <pc:spChg chg="add mod">
+          <ac:chgData name="Quang-Nguyen Vo-Huynh" userId="6a1b2bcfbbb34c0c" providerId="LiveId" clId="{2BBA3BD7-2E20-4F70-8011-B481277125F2}" dt="2023-10-05T19:09:34.458" v="847" actId="164"/>
+          <ac:spMkLst>
+            <pc:docMk/>
+            <pc:sldMk cId="2579007822" sldId="282"/>
+            <ac:spMk id="5" creationId="{4F324E22-CF4D-B80D-A0C8-18EF789626DB}"/>
+          </ac:spMkLst>
+        </pc:spChg>
+        <pc:spChg chg="add mod">
+          <ac:chgData name="Quang-Nguyen Vo-Huynh" userId="6a1b2bcfbbb34c0c" providerId="LiveId" clId="{2BBA3BD7-2E20-4F70-8011-B481277125F2}" dt="2023-10-05T19:09:34.458" v="847" actId="164"/>
+          <ac:spMkLst>
+            <pc:docMk/>
+            <pc:sldMk cId="2579007822" sldId="282"/>
+            <ac:spMk id="6" creationId="{90267A13-E06A-F7DD-00FF-B75190C91E92}"/>
+          </ac:spMkLst>
+        </pc:spChg>
+        <pc:spChg chg="add mod">
+          <ac:chgData name="Quang-Nguyen Vo-Huynh" userId="6a1b2bcfbbb34c0c" providerId="LiveId" clId="{2BBA3BD7-2E20-4F70-8011-B481277125F2}" dt="2023-10-05T16:06:23.383" v="550" actId="20577"/>
+          <ac:spMkLst>
+            <pc:docMk/>
+            <pc:sldMk cId="2579007822" sldId="282"/>
+            <ac:spMk id="7" creationId="{0F8C852A-BAA1-014D-A1B7-0CE0B3D3612D}"/>
+          </ac:spMkLst>
+        </pc:spChg>
+        <pc:spChg chg="add mod">
+          <ac:chgData name="Quang-Nguyen Vo-Huynh" userId="6a1b2bcfbbb34c0c" providerId="LiveId" clId="{2BBA3BD7-2E20-4F70-8011-B481277125F2}" dt="2023-10-05T19:08:26.792" v="809" actId="20577"/>
+          <ac:spMkLst>
+            <pc:docMk/>
+            <pc:sldMk cId="2579007822" sldId="282"/>
+            <ac:spMk id="8" creationId="{C9D39CEF-F871-45D1-B280-9618651C4D36}"/>
+          </ac:spMkLst>
+        </pc:spChg>
+        <pc:grpChg chg="add mod">
+          <ac:chgData name="Quang-Nguyen Vo-Huynh" userId="6a1b2bcfbbb34c0c" providerId="LiveId" clId="{2BBA3BD7-2E20-4F70-8011-B481277125F2}" dt="2023-10-05T19:09:34.458" v="847" actId="164"/>
+          <ac:grpSpMkLst>
+            <pc:docMk/>
+            <pc:sldMk cId="2579007822" sldId="282"/>
+            <ac:grpSpMk id="2" creationId="{15696928-3FE2-65E3-EE39-1E87DD58F055}"/>
+          </ac:grpSpMkLst>
+        </pc:grpChg>
+        <pc:picChg chg="add mod">
+          <ac:chgData name="Quang-Nguyen Vo-Huynh" userId="6a1b2bcfbbb34c0c" providerId="LiveId" clId="{2BBA3BD7-2E20-4F70-8011-B481277125F2}" dt="2023-10-05T19:09:34.458" v="847" actId="164"/>
+          <ac:picMkLst>
+            <pc:docMk/>
+            <pc:sldMk cId="2579007822" sldId="282"/>
+            <ac:picMk id="4" creationId="{4C74BDFC-B3A1-B970-C5FC-3C176A630189}"/>
+          </ac:picMkLst>
+        </pc:picChg>
+      </pc:sldChg>
+      <pc:sldChg chg="addSp delSp modSp new mod">
+        <pc:chgData name="Quang-Nguyen Vo-Huynh" userId="6a1b2bcfbbb34c0c" providerId="LiveId" clId="{2BBA3BD7-2E20-4F70-8011-B481277125F2}" dt="2023-10-05T19:44:19.119" v="1519" actId="1076"/>
+        <pc:sldMkLst>
+          <pc:docMk/>
+          <pc:sldMk cId="227405415" sldId="283"/>
+        </pc:sldMkLst>
+        <pc:spChg chg="del">
+          <ac:chgData name="Quang-Nguyen Vo-Huynh" userId="6a1b2bcfbbb34c0c" providerId="LiveId" clId="{2BBA3BD7-2E20-4F70-8011-B481277125F2}" dt="2023-10-05T19:09:52.725" v="849" actId="478"/>
+          <ac:spMkLst>
+            <pc:docMk/>
+            <pc:sldMk cId="227405415" sldId="283"/>
+            <ac:spMk id="2" creationId="{4E2A0E96-C34A-2184-9422-FF8F5F4FB404}"/>
+          </ac:spMkLst>
+        </pc:spChg>
+        <pc:spChg chg="del">
+          <ac:chgData name="Quang-Nguyen Vo-Huynh" userId="6a1b2bcfbbb34c0c" providerId="LiveId" clId="{2BBA3BD7-2E20-4F70-8011-B481277125F2}" dt="2023-10-05T19:09:52.725" v="849" actId="478"/>
+          <ac:spMkLst>
+            <pc:docMk/>
+            <pc:sldMk cId="227405415" sldId="283"/>
+            <ac:spMk id="3" creationId="{CFEEDD0E-8BE4-15E0-0F20-A160B1954C6C}"/>
+          </ac:spMkLst>
+        </pc:spChg>
+        <pc:spChg chg="add mod">
+          <ac:chgData name="Quang-Nguyen Vo-Huynh" userId="6a1b2bcfbbb34c0c" providerId="LiveId" clId="{2BBA3BD7-2E20-4F70-8011-B481277125F2}" dt="2023-10-05T19:15:15.233" v="898" actId="20577"/>
+          <ac:spMkLst>
+            <pc:docMk/>
+            <pc:sldMk cId="227405415" sldId="283"/>
+            <ac:spMk id="4" creationId="{54D8E987-F61C-86F1-2328-1EC2A114A46F}"/>
+          </ac:spMkLst>
+        </pc:spChg>
+        <pc:spChg chg="add del">
+          <ac:chgData name="Quang-Nguyen Vo-Huynh" userId="6a1b2bcfbbb34c0c" providerId="LiveId" clId="{2BBA3BD7-2E20-4F70-8011-B481277125F2}" dt="2023-10-05T19:16:15.123" v="902" actId="22"/>
+          <ac:spMkLst>
+            <pc:docMk/>
+            <pc:sldMk cId="227405415" sldId="283"/>
+            <ac:spMk id="8" creationId="{B0D72D84-4D6B-46A0-BE20-C2D564370AAC}"/>
+          </ac:spMkLst>
+        </pc:spChg>
+        <pc:spChg chg="add mod">
+          <ac:chgData name="Quang-Nguyen Vo-Huynh" userId="6a1b2bcfbbb34c0c" providerId="LiveId" clId="{2BBA3BD7-2E20-4F70-8011-B481277125F2}" dt="2023-10-05T19:35:08.643" v="1352" actId="20577"/>
+          <ac:spMkLst>
+            <pc:docMk/>
+            <pc:sldMk cId="227405415" sldId="283"/>
+            <ac:spMk id="9" creationId="{3B406504-B963-4315-E9D8-04BB726365F0}"/>
+          </ac:spMkLst>
+        </pc:spChg>
+        <pc:spChg chg="add mod">
+          <ac:chgData name="Quang-Nguyen Vo-Huynh" userId="6a1b2bcfbbb34c0c" providerId="LiveId" clId="{2BBA3BD7-2E20-4F70-8011-B481277125F2}" dt="2023-10-05T19:44:19.119" v="1519" actId="1076"/>
+          <ac:spMkLst>
+            <pc:docMk/>
+            <pc:sldMk cId="227405415" sldId="283"/>
+            <ac:spMk id="10" creationId="{77A63D6F-6397-7168-2A29-47F15A7A7DA6}"/>
+          </ac:spMkLst>
+        </pc:spChg>
+        <pc:picChg chg="add mod">
+          <ac:chgData name="Quang-Nguyen Vo-Huynh" userId="6a1b2bcfbbb34c0c" providerId="LiveId" clId="{2BBA3BD7-2E20-4F70-8011-B481277125F2}" dt="2023-10-05T19:22:19.183" v="925" actId="1076"/>
+          <ac:picMkLst>
+            <pc:docMk/>
+            <pc:sldMk cId="227405415" sldId="283"/>
+            <ac:picMk id="6" creationId="{29846BEE-F74A-C4E5-250A-9B3995A2760B}"/>
+          </ac:picMkLst>
+        </pc:picChg>
+      </pc:sldChg>
+    </pc:docChg>
+  </pc:docChgLst>
   <pc:docChgLst>
     <pc:chgData name="Quang-Nguyen Vo-Huynh" userId="6a1b2bcfbbb34c0c" providerId="LiveId" clId="{D3B7CDEC-4FAF-45D3-B00E-90C001A56CF8}"/>
     <pc:docChg chg="undo custSel addSld delSld modSld sldOrd addMainMaster delMainMaster modMainMaster">
@@ -1238,7 +2031,7 @@
           <a:p>
             <a:fld id="{8F923C7D-B11C-8E43-A742-35D7D77F5333}" type="datetimeFigureOut">
               <a:rPr lang="en-US" smtClean="0"/>
-              <a:t>9/28/2023</a:t>
+              <a:t>10/6/2023</a:t>
             </a:fld>
             <a:endParaRPr lang="en-US"/>
           </a:p>
@@ -1452,7 +2245,7 @@
           <a:p>
             <a:fld id="{8F923C7D-B11C-8E43-A742-35D7D77F5333}" type="datetimeFigureOut">
               <a:rPr lang="en-US" smtClean="0"/>
-              <a:t>9/28/2023</a:t>
+              <a:t>10/6/2023</a:t>
             </a:fld>
             <a:endParaRPr lang="en-US"/>
           </a:p>
@@ -1671,7 +2464,7 @@
           <a:p>
             <a:fld id="{8F923C7D-B11C-8E43-A742-35D7D77F5333}" type="datetimeFigureOut">
               <a:rPr lang="en-US" smtClean="0"/>
-              <a:t>9/28/2023</a:t>
+              <a:t>10/6/2023</a:t>
             </a:fld>
             <a:endParaRPr lang="en-US"/>
           </a:p>
@@ -1885,7 +2678,7 @@
           <a:p>
             <a:fld id="{8F923C7D-B11C-8E43-A742-35D7D77F5333}" type="datetimeFigureOut">
               <a:rPr lang="en-US" smtClean="0"/>
-              <a:t>9/28/2023</a:t>
+              <a:t>10/6/2023</a:t>
             </a:fld>
             <a:endParaRPr lang="en-US"/>
           </a:p>
@@ -2187,7 +2980,7 @@
           <a:p>
             <a:fld id="{8F923C7D-B11C-8E43-A742-35D7D77F5333}" type="datetimeFigureOut">
               <a:rPr lang="en-US" smtClean="0"/>
-              <a:t>9/28/2023</a:t>
+              <a:t>10/6/2023</a:t>
             </a:fld>
             <a:endParaRPr lang="en-US"/>
           </a:p>
@@ -2468,7 +3261,7 @@
           <a:p>
             <a:fld id="{8F923C7D-B11C-8E43-A742-35D7D77F5333}" type="datetimeFigureOut">
               <a:rPr lang="en-US" smtClean="0"/>
-              <a:t>9/28/2023</a:t>
+              <a:t>10/6/2023</a:t>
             </a:fld>
             <a:endParaRPr lang="en-US"/>
           </a:p>
@@ -2891,7 +3684,7 @@
           <a:p>
             <a:fld id="{8F923C7D-B11C-8E43-A742-35D7D77F5333}" type="datetimeFigureOut">
               <a:rPr lang="en-US" smtClean="0"/>
-              <a:t>9/28/2023</a:t>
+              <a:t>10/6/2023</a:t>
             </a:fld>
             <a:endParaRPr lang="en-US"/>
           </a:p>
@@ -3048,7 +3841,7 @@
           <a:p>
             <a:fld id="{8F923C7D-B11C-8E43-A742-35D7D77F5333}" type="datetimeFigureOut">
               <a:rPr lang="en-US" smtClean="0"/>
-              <a:t>9/28/2023</a:t>
+              <a:t>10/6/2023</a:t>
             </a:fld>
             <a:endParaRPr lang="en-US"/>
           </a:p>
@@ -3169,7 +3962,7 @@
           <a:p>
             <a:fld id="{8F923C7D-B11C-8E43-A742-35D7D77F5333}" type="datetimeFigureOut">
               <a:rPr lang="en-US" smtClean="0"/>
-              <a:t>9/28/2023</a:t>
+              <a:t>10/6/2023</a:t>
             </a:fld>
             <a:endParaRPr lang="en-US"/>
           </a:p>
@@ -3491,7 +4284,7 @@
           <a:p>
             <a:fld id="{8F923C7D-B11C-8E43-A742-35D7D77F5333}" type="datetimeFigureOut">
               <a:rPr lang="en-US" smtClean="0"/>
-              <a:t>9/28/2023</a:t>
+              <a:t>10/6/2023</a:t>
             </a:fld>
             <a:endParaRPr lang="en-US"/>
           </a:p>
@@ -3793,7 +4586,7 @@
           <a:p>
             <a:fld id="{8F923C7D-B11C-8E43-A742-35D7D77F5333}" type="datetimeFigureOut">
               <a:rPr lang="en-US" smtClean="0"/>
-              <a:t>9/28/2023</a:t>
+              <a:t>10/6/2023</a:t>
             </a:fld>
             <a:endParaRPr lang="en-US"/>
           </a:p>
@@ -4004,7 +4797,7 @@
           <a:p>
             <a:fld id="{8F923C7D-B11C-8E43-A742-35D7D77F5333}" type="datetimeFigureOut">
               <a:rPr lang="en-US" smtClean="0"/>
-              <a:t>9/28/2023</a:t>
+              <a:t>10/6/2023</a:t>
             </a:fld>
             <a:endParaRPr lang="en-US"/>
           </a:p>
@@ -4519,7 +5312,7 @@
                 <a:latin typeface="Gotham Narrow Bold" pitchFamily="2" charset="0"/>
                 <a:cs typeface="Rubik" panose="02000604000000020004" pitchFamily="2" charset="-79"/>
               </a:rPr>
-              <a:t>Gradient Descent – Convolutional Neural Networks</a:t>
+              <a:t>Convolutional Neural Networks</a:t>
             </a:r>
           </a:p>
         </p:txBody>
@@ -4540,20 +5333,6 @@
 <file path=ppt/slides/slide10.xml><?xml version="1.0" encoding="utf-8"?>
 <p:sld xmlns:a="http://schemas.openxmlformats.org/drawingml/2006/main" xmlns:r="http://schemas.openxmlformats.org/officeDocument/2006/relationships" xmlns:p="http://schemas.openxmlformats.org/presentationml/2006/main">
   <p:cSld>
-    <p:bg>
-      <p:bgPr>
-        <a:blipFill dpi="0" rotWithShape="1">
-          <a:blip r:embed="rId2">
-            <a:lum/>
-          </a:blip>
-          <a:srcRect/>
-          <a:stretch>
-            <a:fillRect/>
-          </a:stretch>
-        </a:blipFill>
-        <a:effectLst/>
-      </p:bgPr>
-    </p:bg>
     <p:spTree>
       <p:nvGrpSpPr>
         <p:cNvPr id="1" name=""/>
@@ -4570,10 +5349,10 @@
       </p:grpSpPr>
       <p:sp>
         <p:nvSpPr>
-          <p:cNvPr id="11" name="TextBox 10">
-            <a:extLst>
-              <a:ext uri="{FF2B5EF4-FFF2-40B4-BE49-F238E27FC236}">
-                <a16:creationId xmlns:a16="http://schemas.microsoft.com/office/drawing/2014/main" id="{DD074894-0E99-894A-9B1A-0D7C79F5F6D7}"/>
+          <p:cNvPr id="4" name="TextBox 3">
+            <a:extLst>
+              <a:ext uri="{FF2B5EF4-FFF2-40B4-BE49-F238E27FC236}">
+                <a16:creationId xmlns:a16="http://schemas.microsoft.com/office/drawing/2014/main" id="{8DD93D6E-F700-FB4D-8333-A087C39ACBA6}"/>
               </a:ext>
             </a:extLst>
           </p:cNvPr>
@@ -4582,8 +5361,8 @@
         </p:nvSpPr>
         <p:spPr>
           <a:xfrm>
-            <a:off x="571500" y="538619"/>
-            <a:ext cx="11040127" cy="461665"/>
+            <a:off x="584026" y="2898085"/>
+            <a:ext cx="11040127" cy="1061829"/>
           </a:xfrm>
           <a:prstGeom prst="rect">
             <a:avLst/>
@@ -4596,195 +5375,23 @@
           </a:bodyPr>
           <a:lstStyle/>
           <a:p>
+            <a:pPr algn="ctr"/>
             <a:r>
-              <a:rPr lang="en-US" sz="2400" b="1" dirty="0">
+              <a:rPr lang="en-US" sz="6300" dirty="0">
                 <a:solidFill>
-                  <a:srgbClr val="63666A"/>
+                  <a:srgbClr val="FB6400"/>
                 </a:solidFill>
-                <a:latin typeface="Gotham Narrow Bold" pitchFamily="2" charset="0"/>
+                <a:latin typeface="FjallaOne" panose="02000506040000020004" pitchFamily="2" charset="77"/>
               </a:rPr>
-              <a:t>Discussion</a:t>
+              <a:t>Backpropagation Training</a:t>
             </a:r>
-          </a:p>
-        </p:txBody>
-      </p:sp>
-      <p:sp>
-        <p:nvSpPr>
-          <p:cNvPr id="12" name="TextBox 11">
-            <a:extLst>
-              <a:ext uri="{FF2B5EF4-FFF2-40B4-BE49-F238E27FC236}">
-                <a16:creationId xmlns:a16="http://schemas.microsoft.com/office/drawing/2014/main" id="{B0E297CD-5450-7441-A033-60CDC02876B0}"/>
-              </a:ext>
-            </a:extLst>
-          </p:cNvPr>
-          <p:cNvSpPr txBox="1"/>
-          <p:nvPr/>
-        </p:nvSpPr>
-        <p:spPr>
-          <a:xfrm>
-            <a:off x="876822" y="1115395"/>
-            <a:ext cx="9704092" cy="4256705"/>
-          </a:xfrm>
-          <a:prstGeom prst="rect">
-            <a:avLst/>
-          </a:prstGeom>
-          <a:noFill/>
-        </p:spPr>
-        <p:txBody>
-          <a:bodyPr wrap="square" rtlCol="0">
-            <a:noAutofit/>
-          </a:bodyPr>
-          <a:lstStyle/>
-          <a:p>
-            <a:pPr marL="285750" indent="-285750">
-              <a:lnSpc>
-                <a:spcPct val="125000"/>
-              </a:lnSpc>
-              <a:buFont typeface="Wingdings" panose="05000000000000000000" pitchFamily="2" charset="2"/>
-              <a:buChar char="§"/>
-            </a:pPr>
-            <a:r>
-              <a:rPr lang="en-US" dirty="0">
-                <a:latin typeface="Gotham Narrow Book" pitchFamily="2" charset="0"/>
-              </a:rPr>
-              <a:t>Despite the promising performance of gradient descent for optimization, it is unlikely that it can be used for constrained optimization due to: </a:t>
-            </a:r>
-          </a:p>
-          <a:p>
-            <a:pPr marL="742950" lvl="1" indent="-285750">
-              <a:lnSpc>
-                <a:spcPct val="125000"/>
-              </a:lnSpc>
-              <a:buFont typeface="Wingdings" panose="05000000000000000000" pitchFamily="2" charset="2"/>
-              <a:buChar char="§"/>
-            </a:pPr>
-            <a:r>
-              <a:rPr lang="en-US" dirty="0">
-                <a:latin typeface="Gotham Narrow Book" pitchFamily="2" charset="0"/>
-              </a:rPr>
-              <a:t>The initial weights that we initialized may be </a:t>
-            </a:r>
-            <a:r>
-              <a:rPr lang="en-US" b="1" u="sng" dirty="0">
-                <a:latin typeface="Gotham Narrow Book" pitchFamily="2" charset="0"/>
-              </a:rPr>
-              <a:t>out of the feasible region</a:t>
-            </a:r>
-            <a:r>
-              <a:rPr lang="en-US" dirty="0">
-                <a:latin typeface="Gotham Narrow Book" pitchFamily="2" charset="0"/>
-              </a:rPr>
-              <a:t>.</a:t>
-            </a:r>
-          </a:p>
-          <a:p>
-            <a:pPr marL="742950" lvl="1" indent="-285750">
-              <a:lnSpc>
-                <a:spcPct val="125000"/>
-              </a:lnSpc>
-              <a:buFont typeface="Wingdings" panose="05000000000000000000" pitchFamily="2" charset="2"/>
-              <a:buChar char="§"/>
-            </a:pPr>
-            <a:r>
-              <a:rPr lang="en-US" b="1" u="sng" dirty="0">
-                <a:latin typeface="Gotham Narrow Book" pitchFamily="2" charset="0"/>
-              </a:rPr>
-              <a:t>Step-size selection</a:t>
-            </a:r>
-            <a:r>
-              <a:rPr lang="en-US" dirty="0">
-                <a:latin typeface="Gotham Narrow Book" pitchFamily="2" charset="0"/>
-              </a:rPr>
-              <a:t>. </a:t>
-            </a:r>
-          </a:p>
-          <a:p>
-            <a:pPr marL="1200150" lvl="2" indent="-285750">
-              <a:lnSpc>
-                <a:spcPct val="125000"/>
-              </a:lnSpc>
-              <a:buFont typeface="Wingdings" panose="05000000000000000000" pitchFamily="2" charset="2"/>
-              <a:buChar char="§"/>
-            </a:pPr>
-            <a:r>
-              <a:rPr lang="en-US" dirty="0">
-                <a:latin typeface="Gotham Narrow Book" pitchFamily="2" charset="0"/>
-              </a:rPr>
-              <a:t>Going back to the wire bonding example, the step size for the first factor (wire length) is different than that of die height.</a:t>
-            </a:r>
-          </a:p>
-          <a:p>
-            <a:pPr marL="1200150" lvl="2" indent="-285750">
-              <a:lnSpc>
-                <a:spcPct val="125000"/>
-              </a:lnSpc>
-              <a:buFont typeface="Wingdings" panose="05000000000000000000" pitchFamily="2" charset="2"/>
-              <a:buChar char="§"/>
-            </a:pPr>
-            <a:r>
-              <a:rPr lang="en-US" dirty="0">
-                <a:latin typeface="Gotham Narrow Book" pitchFamily="2" charset="0"/>
-              </a:rPr>
-              <a:t>When we selected these step sizes to be the same, our results were not optimal.</a:t>
-            </a:r>
-          </a:p>
-          <a:p>
-            <a:pPr marL="742950" lvl="1" indent="-285750">
-              <a:lnSpc>
-                <a:spcPct val="125000"/>
-              </a:lnSpc>
-              <a:buFont typeface="Wingdings" panose="05000000000000000000" pitchFamily="2" charset="2"/>
-              <a:buChar char="§"/>
-            </a:pPr>
-            <a:r>
-              <a:rPr lang="en-US" dirty="0">
-                <a:latin typeface="Gotham Narrow Book" pitchFamily="2" charset="0"/>
-              </a:rPr>
-              <a:t>The objective function </a:t>
-            </a:r>
-            <a:r>
-              <a:rPr lang="en-US" b="1" u="sng" dirty="0">
-                <a:latin typeface="Gotham Narrow Book" pitchFamily="2" charset="0"/>
-              </a:rPr>
-              <a:t>may not be differentiable</a:t>
-            </a:r>
-            <a:r>
-              <a:rPr lang="en-US" dirty="0">
-                <a:latin typeface="Gotham Narrow Book" pitchFamily="2" charset="0"/>
-              </a:rPr>
-              <a:t>.</a:t>
-            </a:r>
-          </a:p>
-          <a:p>
-            <a:pPr marL="742950" lvl="1" indent="-285750">
-              <a:lnSpc>
-                <a:spcPct val="125000"/>
-              </a:lnSpc>
-              <a:buFont typeface="Wingdings" panose="05000000000000000000" pitchFamily="2" charset="2"/>
-              <a:buChar char="§"/>
-            </a:pPr>
-            <a:endParaRPr lang="en-US" dirty="0">
-              <a:latin typeface="Gotham Narrow Book" pitchFamily="2" charset="0"/>
-            </a:endParaRPr>
-          </a:p>
-          <a:p>
-            <a:pPr marL="742950" lvl="1" indent="-285750">
-              <a:lnSpc>
-                <a:spcPct val="125000"/>
-              </a:lnSpc>
-              <a:buFont typeface="Wingdings" panose="05000000000000000000" pitchFamily="2" charset="2"/>
-              <a:buChar char="§"/>
-            </a:pPr>
-            <a:endParaRPr lang="en-US" dirty="0">
-              <a:latin typeface="Gotham Narrow Book" pitchFamily="2" charset="0"/>
-            </a:endParaRPr>
           </a:p>
         </p:txBody>
       </p:sp>
     </p:spTree>
     <p:extLst>
       <p:ext uri="{BB962C8B-B14F-4D97-AF65-F5344CB8AC3E}">
-        <p14:creationId xmlns:p14="http://schemas.microsoft.com/office/powerpoint/2010/main" val="1663129815"/>
+        <p14:creationId xmlns:p14="http://schemas.microsoft.com/office/powerpoint/2010/main" val="109434924"/>
       </p:ext>
     </p:extLst>
   </p:cSld>
@@ -4816,7 +5423,7 @@
           <p:cNvPr id="4" name="TextBox 3">
             <a:extLst>
               <a:ext uri="{FF2B5EF4-FFF2-40B4-BE49-F238E27FC236}">
-                <a16:creationId xmlns:a16="http://schemas.microsoft.com/office/drawing/2014/main" id="{6F92F23E-7385-2D0C-1533-4D0DCDC86E6E}"/>
+                <a16:creationId xmlns:a16="http://schemas.microsoft.com/office/drawing/2014/main" id="{4661F1A0-BCCB-06B2-5A69-B762BB5A56CA}"/>
               </a:ext>
             </a:extLst>
           </p:cNvPr>
@@ -4846,7 +5453,7 @@
                 </a:solidFill>
                 <a:latin typeface="Gotham Narrow Bold" pitchFamily="2" charset="0"/>
               </a:rPr>
-              <a:t>Discussion (cont.)</a:t>
+              <a:t>Backpropagation in MCA</a:t>
             </a:r>
           </a:p>
         </p:txBody>
@@ -4858,7 +5465,7 @@
               <p:cNvPr id="5" name="TextBox 4">
                 <a:extLst>
                   <a:ext uri="{FF2B5EF4-FFF2-40B4-BE49-F238E27FC236}">
-                    <a16:creationId xmlns:a16="http://schemas.microsoft.com/office/drawing/2014/main" id="{8AA6ACE7-ECE5-BC81-6E4A-8684BA811D83}"/>
+                    <a16:creationId xmlns:a16="http://schemas.microsoft.com/office/drawing/2014/main" id="{C9972BB9-3D6A-9C88-3C53-A11E7AB8FBC6}"/>
                   </a:ext>
                 </a:extLst>
               </p:cNvPr>
@@ -4867,8 +5474,8 @@
             </p:nvSpPr>
             <p:spPr>
               <a:xfrm>
-                <a:off x="811508" y="1115395"/>
-                <a:ext cx="5219178" cy="4256705"/>
+                <a:off x="571500" y="1115395"/>
+                <a:ext cx="6114529" cy="4256705"/>
               </a:xfrm>
               <a:prstGeom prst="rect">
                 <a:avLst/>
@@ -4881,7 +5488,7 @@
               </a:bodyPr>
               <a:lstStyle/>
               <a:p>
-                <a:pPr marL="285750" indent="-285750">
+                <a:pPr marL="742950" lvl="1" indent="-285750">
                   <a:lnSpc>
                     <a:spcPct val="125000"/>
                   </a:lnSpc>
@@ -4892,225 +5499,362 @@
                   <a:rPr lang="en-US" dirty="0">
                     <a:latin typeface="Gotham Narrow Book" pitchFamily="2" charset="0"/>
                   </a:rPr>
-                  <a:t>Consider the following linear programming problem:</a:t>
+                  <a:t>Weight initialization:</a:t>
                 </a:r>
               </a:p>
               <a:p>
-                <a:pPr>
+                <a:pPr marL="1200150" lvl="2" indent="-285750">
                   <a:lnSpc>
                     <a:spcPct val="125000"/>
                   </a:lnSpc>
+                  <a:buFont typeface="Wingdings" panose="05000000000000000000" pitchFamily="2" charset="2"/>
+                  <a:buChar char="§"/>
                 </a:pPr>
+                <a:r>
+                  <a:rPr lang="en-US" dirty="0">
+                    <a:latin typeface="Gotham Narrow Book" pitchFamily="2" charset="0"/>
+                  </a:rPr>
+                  <a:t>Reset all memristors to </a:t>
+                </a:r>
                 <a14:m>
-                  <m:oMathPara xmlns:m="http://schemas.openxmlformats.org/officeDocument/2006/math">
-                    <m:oMathParaPr>
-                      <m:jc m:val="centerGroup"/>
-                    </m:oMathParaPr>
-                    <m:oMath xmlns:m="http://schemas.openxmlformats.org/officeDocument/2006/math">
-                      <m:func>
-                        <m:funcPr>
-                          <m:ctrlPr>
-                            <a:rPr lang="en-US" b="0" i="1" smtClean="0">
-                              <a:latin typeface="Cambria Math" panose="02040503050406030204" pitchFamily="18" charset="0"/>
-                            </a:rPr>
-                          </m:ctrlPr>
-                        </m:funcPr>
-                        <m:fName>
-                          <m:r>
-                            <m:rPr>
-                              <m:sty m:val="p"/>
-                            </m:rPr>
-                            <a:rPr lang="en-US" b="0" i="0" smtClean="0">
-                              <a:latin typeface="Cambria Math" panose="02040503050406030204" pitchFamily="18" charset="0"/>
-                            </a:rPr>
-                            <m:t>max</m:t>
-                          </m:r>
-                        </m:fName>
-                        <m:e>
-                          <m:r>
-                            <a:rPr lang="en-US" b="0" i="1" smtClean="0">
-                              <a:latin typeface="Cambria Math" panose="02040503050406030204" pitchFamily="18" charset="0"/>
-                            </a:rPr>
-                            <m:t>𝑧</m:t>
-                          </m:r>
-                          <m:r>
-                            <a:rPr lang="en-US" b="0" i="1" smtClean="0">
-                              <a:latin typeface="Cambria Math" panose="02040503050406030204" pitchFamily="18" charset="0"/>
-                            </a:rPr>
-                            <m:t>=50</m:t>
-                          </m:r>
-                          <m:r>
-                            <a:rPr lang="en-US" b="0" i="1" smtClean="0">
-                              <a:latin typeface="Cambria Math" panose="02040503050406030204" pitchFamily="18" charset="0"/>
-                            </a:rPr>
-                            <m:t>𝑥</m:t>
-                          </m:r>
-                          <m:r>
-                            <a:rPr lang="en-US" b="0" i="1" smtClean="0">
-                              <a:latin typeface="Cambria Math" panose="02040503050406030204" pitchFamily="18" charset="0"/>
-                            </a:rPr>
-                            <m:t>+18</m:t>
-                          </m:r>
-                          <m:r>
-                            <a:rPr lang="en-US" b="0" i="1" smtClean="0">
-                              <a:latin typeface="Cambria Math" panose="02040503050406030204" pitchFamily="18" charset="0"/>
-                            </a:rPr>
-                            <m:t>𝑦</m:t>
-                          </m:r>
-                        </m:e>
-                      </m:func>
-                    </m:oMath>
-                  </m:oMathPara>
+                  <m:oMath xmlns:m="http://schemas.openxmlformats.org/officeDocument/2006/math">
+                    <m:sSub>
+                      <m:sSubPr>
+                        <m:ctrlPr>
+                          <a:rPr lang="en-US" b="0" i="1" dirty="0" smtClean="0">
+                            <a:latin typeface="Cambria Math" panose="02040503050406030204" pitchFamily="18" charset="0"/>
+                          </a:rPr>
+                        </m:ctrlPr>
+                      </m:sSubPr>
+                      <m:e>
+                        <m:r>
+                          <a:rPr lang="en-US" i="1" dirty="0" smtClean="0">
+                            <a:latin typeface="Cambria Math" panose="02040503050406030204" pitchFamily="18" charset="0"/>
+                          </a:rPr>
+                          <m:t>𝑅</m:t>
+                        </m:r>
+                      </m:e>
+                      <m:sub>
+                        <m:r>
+                          <a:rPr lang="en-US" i="1" dirty="0" smtClean="0">
+                            <a:latin typeface="Cambria Math" panose="02040503050406030204" pitchFamily="18" charset="0"/>
+                          </a:rPr>
+                          <m:t>𝑜𝑓𝑓</m:t>
+                        </m:r>
+                      </m:sub>
+                    </m:sSub>
+                  </m:oMath>
                 </a14:m>
-                <a:endParaRPr lang="en-US" b="0" dirty="0">
-                  <a:latin typeface="Gotham Narrow Book" pitchFamily="2" charset="0"/>
-                </a:endParaRPr>
+                <a:r>
+                  <a:rPr lang="en-US" dirty="0">
+                    <a:latin typeface="Gotham Narrow Book" pitchFamily="2" charset="0"/>
+                  </a:rPr>
+                  <a:t> by applying reset voltages </a:t>
+                </a:r>
+                <a14:m>
+                  <m:oMath xmlns:m="http://schemas.openxmlformats.org/officeDocument/2006/math">
+                    <m:sSub>
+                      <m:sSubPr>
+                        <m:ctrlPr>
+                          <a:rPr lang="en-US" b="0" i="1" dirty="0" smtClean="0">
+                            <a:latin typeface="Cambria Math" panose="02040503050406030204" pitchFamily="18" charset="0"/>
+                          </a:rPr>
+                        </m:ctrlPr>
+                      </m:sSubPr>
+                      <m:e>
+                        <m:r>
+                          <a:rPr lang="en-US" i="1" dirty="0" smtClean="0">
+                            <a:latin typeface="Cambria Math" panose="02040503050406030204" pitchFamily="18" charset="0"/>
+                          </a:rPr>
+                          <m:t>𝑉</m:t>
+                        </m:r>
+                      </m:e>
+                      <m:sub>
+                        <m:r>
+                          <a:rPr lang="en-US" b="0" i="1" dirty="0" smtClean="0">
+                            <a:latin typeface="Cambria Math" panose="02040503050406030204" pitchFamily="18" charset="0"/>
+                          </a:rPr>
+                          <m:t>−</m:t>
+                        </m:r>
+                        <m:r>
+                          <a:rPr lang="en-US" i="1" dirty="0" smtClean="0">
+                            <a:latin typeface="Cambria Math" panose="02040503050406030204" pitchFamily="18" charset="0"/>
+                          </a:rPr>
+                          <m:t>𝑤</m:t>
+                        </m:r>
+                      </m:sub>
+                    </m:sSub>
+                  </m:oMath>
+                </a14:m>
+                <a:r>
+                  <a:rPr lang="en-US" dirty="0">
+                    <a:latin typeface="Gotham Narrow Book" pitchFamily="2" charset="0"/>
+                  </a:rPr>
+                  <a:t> , and then adjust the conductance to the approximately linear region by </a:t>
+                </a:r>
+                <a14:m>
+                  <m:oMath xmlns:m="http://schemas.openxmlformats.org/officeDocument/2006/math">
+                    <m:sSub>
+                      <m:sSubPr>
+                        <m:ctrlPr>
+                          <a:rPr lang="en-US" b="0" i="1" dirty="0" smtClean="0">
+                            <a:latin typeface="Cambria Math" panose="02040503050406030204" pitchFamily="18" charset="0"/>
+                          </a:rPr>
+                        </m:ctrlPr>
+                      </m:sSubPr>
+                      <m:e>
+                        <m:r>
+                          <a:rPr lang="en-US" i="1" dirty="0" smtClean="0">
+                            <a:latin typeface="Cambria Math" panose="02040503050406030204" pitchFamily="18" charset="0"/>
+                          </a:rPr>
+                          <m:t>𝑉</m:t>
+                        </m:r>
+                      </m:e>
+                      <m:sub>
+                        <m:r>
+                          <a:rPr lang="en-US" b="0" i="1" dirty="0" smtClean="0">
+                            <a:latin typeface="Cambria Math" panose="02040503050406030204" pitchFamily="18" charset="0"/>
+                          </a:rPr>
+                          <m:t>+</m:t>
+                        </m:r>
+                        <m:r>
+                          <a:rPr lang="en-US" b="0" i="1" dirty="0" smtClean="0">
+                            <a:latin typeface="Cambria Math" panose="02040503050406030204" pitchFamily="18" charset="0"/>
+                          </a:rPr>
+                          <m:t>𝑤</m:t>
+                        </m:r>
+                      </m:sub>
+                    </m:sSub>
+                    <m:r>
+                      <a:rPr lang="en-US" i="1" dirty="0" smtClean="0">
+                        <a:latin typeface="Cambria Math" panose="02040503050406030204" pitchFamily="18" charset="0"/>
+                      </a:rPr>
+                      <m:t> </m:t>
+                    </m:r>
+                  </m:oMath>
+                </a14:m>
+                <a:r>
+                  <a:rPr lang="en-US" dirty="0">
+                    <a:latin typeface="Gotham Narrow Book" pitchFamily="2" charset="0"/>
+                  </a:rPr>
+                  <a:t>with appropriate timing.</a:t>
+                </a:r>
               </a:p>
               <a:p>
-                <a:pPr>
+                <a:pPr marL="742950" lvl="1" indent="-285750">
                   <a:lnSpc>
                     <a:spcPct val="125000"/>
                   </a:lnSpc>
+                  <a:buFont typeface="Wingdings" panose="05000000000000000000" pitchFamily="2" charset="2"/>
+                  <a:buChar char="§"/>
                 </a:pPr>
                 <a:r>
-                  <a:rPr lang="en-US" dirty="0" err="1">
+                  <a:rPr lang="en-US" dirty="0">
                     <a:latin typeface="Gotham Narrow Book" pitchFamily="2" charset="0"/>
                   </a:rPr>
-                  <a:t>s.t.</a:t>
+                  <a:t>Forward propagation:</a:t>
                 </a:r>
-                <a:endParaRPr lang="en-US" dirty="0">
-                  <a:latin typeface="Gotham Narrow Book" pitchFamily="2" charset="0"/>
-                </a:endParaRPr>
               </a:p>
               <a:p>
-                <a:pPr>
+                <a:pPr marL="1200150" lvl="2" indent="-285750">
                   <a:lnSpc>
                     <a:spcPct val="125000"/>
                   </a:lnSpc>
+                  <a:buFont typeface="Wingdings" panose="05000000000000000000" pitchFamily="2" charset="2"/>
+                  <a:buChar char="§"/>
                 </a:pPr>
                 <a14:m>
-                  <m:oMathPara xmlns:m="http://schemas.openxmlformats.org/officeDocument/2006/math">
-                    <m:oMathParaPr>
-                      <m:jc m:val="centerGroup"/>
-                    </m:oMathParaPr>
-                    <m:oMath xmlns:m="http://schemas.openxmlformats.org/officeDocument/2006/math">
-                      <m:d>
-                        <m:dPr>
-                          <m:begChr m:val="{"/>
-                          <m:endChr m:val=""/>
-                          <m:ctrlPr>
-                            <a:rPr lang="en-US" i="1" smtClean="0">
-                              <a:latin typeface="Cambria Math" panose="02040503050406030204" pitchFamily="18" charset="0"/>
-                            </a:rPr>
-                          </m:ctrlPr>
-                        </m:dPr>
-                        <m:e>
-                          <m:eqArr>
-                            <m:eqArrPr>
-                              <m:ctrlPr>
-                                <a:rPr lang="en-US" b="0" i="1" smtClean="0">
-                                  <a:latin typeface="Cambria Math" panose="02040503050406030204" pitchFamily="18" charset="0"/>
-                                </a:rPr>
-                              </m:ctrlPr>
-                            </m:eqArrPr>
-                            <m:e>
-                              <m:r>
-                                <a:rPr lang="en-US" b="0" i="1" smtClean="0">
-                                  <a:latin typeface="Cambria Math" panose="02040503050406030204" pitchFamily="18" charset="0"/>
-                                </a:rPr>
-                                <m:t>2</m:t>
-                              </m:r>
-                              <m:r>
-                                <a:rPr lang="en-US" b="0" i="1" smtClean="0">
-                                  <a:latin typeface="Cambria Math" panose="02040503050406030204" pitchFamily="18" charset="0"/>
-                                </a:rPr>
-                                <m:t>𝑥</m:t>
-                              </m:r>
-                              <m:r>
-                                <a:rPr lang="en-US" b="0" i="1" smtClean="0">
-                                  <a:latin typeface="Cambria Math" panose="02040503050406030204" pitchFamily="18" charset="0"/>
-                                </a:rPr>
-                                <m:t>+</m:t>
-                              </m:r>
-                              <m:r>
-                                <a:rPr lang="en-US" b="0" i="1" smtClean="0">
-                                  <a:latin typeface="Cambria Math" panose="02040503050406030204" pitchFamily="18" charset="0"/>
-                                </a:rPr>
-                                <m:t>𝑦</m:t>
-                              </m:r>
-                              <m:r>
-                                <a:rPr lang="en-US" b="0" i="1" smtClean="0">
-                                  <a:latin typeface="Cambria Math" panose="02040503050406030204" pitchFamily="18" charset="0"/>
-                                </a:rPr>
-                                <m:t>≤100</m:t>
-                              </m:r>
-                            </m:e>
-                            <m:e>
-                              <m:r>
-                                <a:rPr lang="en-US" b="0" i="1" smtClean="0">
-                                  <a:latin typeface="Cambria Math" panose="02040503050406030204" pitchFamily="18" charset="0"/>
-                                </a:rPr>
-                                <m:t>𝑥</m:t>
-                              </m:r>
-                              <m:r>
-                                <a:rPr lang="en-US" b="0" i="1" smtClean="0">
-                                  <a:latin typeface="Cambria Math" panose="02040503050406030204" pitchFamily="18" charset="0"/>
-                                </a:rPr>
-                                <m:t>+</m:t>
-                              </m:r>
-                              <m:r>
-                                <a:rPr lang="en-US" b="0" i="1" smtClean="0">
-                                  <a:latin typeface="Cambria Math" panose="02040503050406030204" pitchFamily="18" charset="0"/>
-                                </a:rPr>
-                                <m:t>𝑦</m:t>
-                              </m:r>
-                              <m:r>
-                                <a:rPr lang="en-US" b="0" i="1" smtClean="0">
-                                  <a:latin typeface="Cambria Math" panose="02040503050406030204" pitchFamily="18" charset="0"/>
-                                </a:rPr>
-                                <m:t>≤80</m:t>
-                              </m:r>
-                            </m:e>
-                            <m:e>
-                              <m:r>
-                                <a:rPr lang="en-US" b="0" i="1" smtClean="0">
-                                  <a:latin typeface="Cambria Math" panose="02040503050406030204" pitchFamily="18" charset="0"/>
-                                </a:rPr>
-                                <m:t>𝑥</m:t>
-                              </m:r>
-                              <m:r>
-                                <a:rPr lang="en-US" b="0" i="1" smtClean="0">
-                                  <a:latin typeface="Cambria Math" panose="02040503050406030204" pitchFamily="18" charset="0"/>
-                                </a:rPr>
-                                <m:t>≥0</m:t>
-                              </m:r>
-                            </m:e>
-                            <m:e>
-                              <m:r>
-                                <a:rPr lang="en-US" b="0" i="1" smtClean="0">
-                                  <a:latin typeface="Cambria Math" panose="02040503050406030204" pitchFamily="18" charset="0"/>
-                                </a:rPr>
-                                <m:t>𝑦</m:t>
-                              </m:r>
-                              <m:r>
-                                <a:rPr lang="en-US" b="0" i="1" smtClean="0">
-                                  <a:latin typeface="Cambria Math" panose="02040503050406030204" pitchFamily="18" charset="0"/>
-                                </a:rPr>
-                                <m:t>≥0</m:t>
-                              </m:r>
-                            </m:e>
-                          </m:eqArr>
-                        </m:e>
-                      </m:d>
-                    </m:oMath>
-                  </m:oMathPara>
+                  <m:oMath xmlns:m="http://schemas.openxmlformats.org/officeDocument/2006/math">
+                    <m:r>
+                      <a:rPr lang="en-US" i="1" dirty="0" smtClean="0">
+                        <a:latin typeface="Cambria Math" panose="02040503050406030204" pitchFamily="18" charset="0"/>
+                      </a:rPr>
+                      <m:t>𝑆</m:t>
+                    </m:r>
+                  </m:oMath>
+                </a14:m>
+                <a:r>
+                  <a:rPr lang="en-US" dirty="0">
+                    <a:latin typeface="Gotham Narrow Book" pitchFamily="2" charset="0"/>
+                  </a:rPr>
+                  <a:t> is set high level and the transmission gates (TGs) in the left column in the MCA are closed. Feed input voltages to the DNNs.</a:t>
+                </a:r>
+              </a:p>
+              <a:p>
+                <a:pPr marL="1200150" lvl="2" indent="-285750">
+                  <a:lnSpc>
+                    <a:spcPct val="125000"/>
+                  </a:lnSpc>
+                  <a:buFont typeface="Wingdings" panose="05000000000000000000" pitchFamily="2" charset="2"/>
+                  <a:buChar char="§"/>
+                </a:pPr>
+                <a:r>
+                  <a:rPr lang="en-US" dirty="0">
+                    <a:latin typeface="Gotham Narrow Book" pitchFamily="2" charset="0"/>
+                  </a:rPr>
+                  <a:t>Compute the loss: </a:t>
+                </a:r>
+                <a14:m>
+                  <m:oMath xmlns:m="http://schemas.openxmlformats.org/officeDocument/2006/math">
+                    <m:r>
+                      <a:rPr lang="en-US" i="1" dirty="0" smtClean="0">
+                        <a:latin typeface="Cambria Math" panose="02040503050406030204" pitchFamily="18" charset="0"/>
+                      </a:rPr>
+                      <m:t>𝐿</m:t>
+                    </m:r>
+                    <m:r>
+                      <a:rPr lang="en-US" i="1" dirty="0" smtClean="0">
+                        <a:latin typeface="Cambria Math" panose="02040503050406030204" pitchFamily="18" charset="0"/>
+                      </a:rPr>
+                      <m:t>=</m:t>
+                    </m:r>
+                    <m:f>
+                      <m:fPr>
+                        <m:ctrlPr>
+                          <a:rPr lang="en-US" b="0" i="1" dirty="0" smtClean="0">
+                            <a:latin typeface="Cambria Math" panose="02040503050406030204" pitchFamily="18" charset="0"/>
+                          </a:rPr>
+                        </m:ctrlPr>
+                      </m:fPr>
+                      <m:num>
+                        <m:r>
+                          <a:rPr lang="en-US" b="0" i="1" dirty="0" smtClean="0">
+                            <a:latin typeface="Cambria Math" panose="02040503050406030204" pitchFamily="18" charset="0"/>
+                          </a:rPr>
+                          <m:t>1</m:t>
+                        </m:r>
+                      </m:num>
+                      <m:den>
+                        <m:r>
+                          <a:rPr lang="en-US" b="0" i="1" dirty="0" smtClean="0">
+                            <a:latin typeface="Cambria Math" panose="02040503050406030204" pitchFamily="18" charset="0"/>
+                          </a:rPr>
+                          <m:t>2</m:t>
+                        </m:r>
+                      </m:den>
+                    </m:f>
+                    <m:r>
+                      <a:rPr lang="en-US" i="1" dirty="0">
+                        <a:latin typeface="Cambria Math" panose="02040503050406030204" pitchFamily="18" charset="0"/>
+                      </a:rPr>
+                      <m:t>‖</m:t>
+                    </m:r>
+                    <m:sSub>
+                      <m:sSubPr>
+                        <m:ctrlPr>
+                          <a:rPr lang="en-US" i="1" dirty="0">
+                            <a:latin typeface="Cambria Math" panose="02040503050406030204" pitchFamily="18" charset="0"/>
+                          </a:rPr>
+                        </m:ctrlPr>
+                      </m:sSubPr>
+                      <m:e>
+                        <m:r>
+                          <a:rPr lang="en-US" i="1" dirty="0">
+                            <a:latin typeface="Cambria Math" panose="02040503050406030204" pitchFamily="18" charset="0"/>
+                          </a:rPr>
+                          <m:t>𝑉</m:t>
+                        </m:r>
+                      </m:e>
+                      <m:sub>
+                        <m:r>
+                          <a:rPr lang="en-US" i="1" dirty="0">
+                            <a:latin typeface="Cambria Math" panose="02040503050406030204" pitchFamily="18" charset="0"/>
+                          </a:rPr>
+                          <m:t>𝑜</m:t>
+                        </m:r>
+                      </m:sub>
+                    </m:sSub>
+                    <m:r>
+                      <a:rPr lang="en-US" i="1" dirty="0">
+                        <a:latin typeface="Cambria Math" panose="02040503050406030204" pitchFamily="18" charset="0"/>
+                      </a:rPr>
+                      <m:t> − </m:t>
+                    </m:r>
+                    <m:sSub>
+                      <m:sSubPr>
+                        <m:ctrlPr>
+                          <a:rPr lang="en-US" i="1" dirty="0">
+                            <a:latin typeface="Cambria Math" panose="02040503050406030204" pitchFamily="18" charset="0"/>
+                          </a:rPr>
+                        </m:ctrlPr>
+                      </m:sSubPr>
+                      <m:e>
+                        <m:r>
+                          <a:rPr lang="en-US" i="1" dirty="0">
+                            <a:latin typeface="Cambria Math" panose="02040503050406030204" pitchFamily="18" charset="0"/>
+                          </a:rPr>
+                          <m:t>𝑉</m:t>
+                        </m:r>
+                      </m:e>
+                      <m:sub>
+                        <m:r>
+                          <a:rPr lang="en-US" i="1" dirty="0">
+                            <a:latin typeface="Cambria Math" panose="02040503050406030204" pitchFamily="18" charset="0"/>
+                          </a:rPr>
+                          <m:t>𝑇</m:t>
+                        </m:r>
+                      </m:sub>
+                    </m:sSub>
+                    <m:r>
+                      <a:rPr lang="en-US" i="1" dirty="0">
+                        <a:latin typeface="Cambria Math" panose="02040503050406030204" pitchFamily="18" charset="0"/>
+                      </a:rPr>
+                      <m:t> </m:t>
+                    </m:r>
+                    <m:sSubSup>
+                      <m:sSubSupPr>
+                        <m:ctrlPr>
+                          <a:rPr lang="en-US" i="1" dirty="0">
+                            <a:latin typeface="Cambria Math" panose="02040503050406030204" pitchFamily="18" charset="0"/>
+                          </a:rPr>
+                        </m:ctrlPr>
+                      </m:sSubSupPr>
+                      <m:e>
+                        <m:d>
+                          <m:dPr>
+                            <m:begChr m:val=""/>
+                            <m:endChr m:val="‖"/>
+                            <m:ctrlPr>
+                              <a:rPr lang="en-US" i="1" dirty="0">
+                                <a:latin typeface="Cambria Math" panose="02040503050406030204" pitchFamily="18" charset="0"/>
+                              </a:rPr>
+                            </m:ctrlPr>
+                          </m:dPr>
+                          <m:e>
+                            <m:r>
+                              <a:rPr lang="en-US" i="1" dirty="0">
+                                <a:latin typeface="Cambria Math" panose="02040503050406030204" pitchFamily="18" charset="0"/>
+                              </a:rPr>
+                              <m:t>​</m:t>
+                            </m:r>
+                          </m:e>
+                        </m:d>
+                      </m:e>
+                      <m:sub>
+                        <m:r>
+                          <a:rPr lang="en-US" i="1" dirty="0">
+                            <a:latin typeface="Cambria Math" panose="02040503050406030204" pitchFamily="18" charset="0"/>
+                          </a:rPr>
+                          <m:t>2</m:t>
+                        </m:r>
+                      </m:sub>
+                      <m:sup>
+                        <m:r>
+                          <a:rPr lang="en-US" i="1" dirty="0">
+                            <a:latin typeface="Cambria Math" panose="02040503050406030204" pitchFamily="18" charset="0"/>
+                          </a:rPr>
+                          <m:t>2</m:t>
+                        </m:r>
+                      </m:sup>
+                    </m:sSubSup>
+                  </m:oMath>
                 </a14:m>
                 <a:endParaRPr lang="en-US" dirty="0">
                   <a:latin typeface="Gotham Narrow Book" pitchFamily="2" charset="0"/>
                 </a:endParaRPr>
               </a:p>
               <a:p>
-                <a:pPr marL="742950" lvl="1" indent="-285750">
+                <a:pPr marL="1200150" lvl="2" indent="-285750">
                   <a:lnSpc>
                     <a:spcPct val="125000"/>
                   </a:lnSpc>
@@ -5122,7 +5866,7 @@
                 </a:endParaRPr>
               </a:p>
               <a:p>
-                <a:pPr marL="742950" lvl="1" indent="-285750">
+                <a:pPr marL="1200150" lvl="2" indent="-285750">
                   <a:lnSpc>
                     <a:spcPct val="125000"/>
                   </a:lnSpc>
@@ -5142,7 +5886,7 @@
               <p:cNvPr id="5" name="TextBox 4">
                 <a:extLst>
                   <a:ext uri="{FF2B5EF4-FFF2-40B4-BE49-F238E27FC236}">
-                    <a16:creationId xmlns:a16="http://schemas.microsoft.com/office/drawing/2014/main" id="{8AA6ACE7-ECE5-BC81-6E4A-8684BA811D83}"/>
+                    <a16:creationId xmlns:a16="http://schemas.microsoft.com/office/drawing/2014/main" id="{C9972BB9-3D6A-9C88-3C53-A11E7AB8FBC6}"/>
                   </a:ext>
                 </a:extLst>
               </p:cNvPr>
@@ -5153,8 +5897,8 @@
             </p:nvSpPr>
             <p:spPr>
               <a:xfrm>
-                <a:off x="811508" y="1115395"/>
-                <a:ext cx="5219178" cy="4256705"/>
+                <a:off x="571500" y="1115395"/>
+                <a:ext cx="6114529" cy="4256705"/>
               </a:xfrm>
               <a:prstGeom prst="rect">
                 <a:avLst/>
@@ -5162,7 +5906,7 @@
               <a:blipFill>
                 <a:blip r:embed="rId2"/>
                 <a:stretch>
-                  <a:fillRect l="-935" t="-143"/>
+                  <a:fillRect t="-143" r="-1695" b="-1003"/>
                 </a:stretch>
               </a:blipFill>
             </p:spPr>
@@ -5186,7 +5930,7 @@
           <p:cNvPr id="7" name="Picture 6">
             <a:extLst>
               <a:ext uri="{FF2B5EF4-FFF2-40B4-BE49-F238E27FC236}">
-                <a16:creationId xmlns:a16="http://schemas.microsoft.com/office/drawing/2014/main" id="{70C480FF-FD9C-EDBF-B59F-FE9683F3A04F}"/>
+                <a16:creationId xmlns:a16="http://schemas.microsoft.com/office/drawing/2014/main" id="{2C3E9733-225D-313D-EBA3-2AD18CA016DB}"/>
               </a:ext>
             </a:extLst>
           </p:cNvPr>
@@ -5203,8 +5947,8 @@
         </p:blipFill>
         <p:spPr>
           <a:xfrm>
-            <a:off x="6030686" y="1485900"/>
-            <a:ext cx="5903692" cy="3521919"/>
+            <a:off x="7401324" y="149225"/>
+            <a:ext cx="4701776" cy="6559550"/>
           </a:xfrm>
           <a:prstGeom prst="rect">
             <a:avLst/>
@@ -5213,10 +5957,62 @@
       </p:pic>
       <p:sp>
         <p:nvSpPr>
-          <p:cNvPr id="13" name="TextBox 12">
-            <a:extLst>
-              <a:ext uri="{FF2B5EF4-FFF2-40B4-BE49-F238E27FC236}">
-                <a16:creationId xmlns:a16="http://schemas.microsoft.com/office/drawing/2014/main" id="{206F0997-9D26-C9EA-EA4B-CB441DF75166}"/>
+          <p:cNvPr id="9" name="Rectangle 8">
+            <a:extLst>
+              <a:ext uri="{FF2B5EF4-FFF2-40B4-BE49-F238E27FC236}">
+                <a16:creationId xmlns:a16="http://schemas.microsoft.com/office/drawing/2014/main" id="{A7C1D9B7-C5F5-3EA1-006B-F3AF51A58D31}"/>
+              </a:ext>
+            </a:extLst>
+          </p:cNvPr>
+          <p:cNvSpPr/>
+          <p:nvPr/>
+        </p:nvSpPr>
+        <p:spPr>
+          <a:xfrm>
+            <a:off x="7975600" y="1186461"/>
+            <a:ext cx="319314" cy="2432050"/>
+          </a:xfrm>
+          <a:prstGeom prst="rect">
+            <a:avLst/>
+          </a:prstGeom>
+          <a:noFill/>
+          <a:ln w="19050">
+            <a:solidFill>
+              <a:srgbClr val="FF0000"/>
+            </a:solidFill>
+          </a:ln>
+        </p:spPr>
+        <p:style>
+          <a:lnRef idx="2">
+            <a:schemeClr val="accent1">
+              <a:shade val="15000"/>
+            </a:schemeClr>
+          </a:lnRef>
+          <a:fillRef idx="1">
+            <a:schemeClr val="accent1"/>
+          </a:fillRef>
+          <a:effectRef idx="0">
+            <a:schemeClr val="accent1"/>
+          </a:effectRef>
+          <a:fontRef idx="minor">
+            <a:schemeClr val="lt1"/>
+          </a:fontRef>
+        </p:style>
+        <p:txBody>
+          <a:bodyPr rtlCol="0" anchor="ctr"/>
+          <a:lstStyle/>
+          <a:p>
+            <a:pPr algn="ctr"/>
+            <a:endParaRPr lang="en-US"/>
+          </a:p>
+        </p:txBody>
+      </p:sp>
+      <p:sp>
+        <p:nvSpPr>
+          <p:cNvPr id="2" name="TextBox 1">
+            <a:extLst>
+              <a:ext uri="{FF2B5EF4-FFF2-40B4-BE49-F238E27FC236}">
+                <a16:creationId xmlns:a16="http://schemas.microsoft.com/office/drawing/2014/main" id="{09D6C791-0A9C-8851-9D46-296E142FFC75}"/>
               </a:ext>
             </a:extLst>
           </p:cNvPr>
@@ -5225,78 +6021,23 @@
         </p:nvSpPr>
         <p:spPr>
           <a:xfrm>
-            <a:off x="8686800" y="2269067"/>
-            <a:ext cx="1801583" cy="369332"/>
+            <a:off x="5546791" y="6453092"/>
+            <a:ext cx="3709065" cy="369332"/>
           </a:xfrm>
           <a:prstGeom prst="rect">
             <a:avLst/>
           </a:prstGeom>
-          <a:solidFill>
-            <a:schemeClr val="bg1"/>
-          </a:solidFill>
-          <a:ln>
-            <a:solidFill>
-              <a:schemeClr val="tx1">
-                <a:lumMod val="95000"/>
-                <a:lumOff val="5000"/>
-              </a:schemeClr>
-            </a:solidFill>
-          </a:ln>
+          <a:noFill/>
         </p:spPr>
         <p:txBody>
-          <a:bodyPr wrap="none" rtlCol="0">
+          <a:bodyPr wrap="square" rtlCol="0">
             <a:spAutoFit/>
           </a:bodyPr>
           <a:lstStyle/>
           <a:p>
             <a:r>
               <a:rPr lang="en-US" dirty="0"/>
-              <a:t>unfeasible region</a:t>
-            </a:r>
-          </a:p>
-        </p:txBody>
-      </p:sp>
-      <p:sp>
-        <p:nvSpPr>
-          <p:cNvPr id="14" name="TextBox 13">
-            <a:extLst>
-              <a:ext uri="{FF2B5EF4-FFF2-40B4-BE49-F238E27FC236}">
-                <a16:creationId xmlns:a16="http://schemas.microsoft.com/office/drawing/2014/main" id="{E7F61238-7118-3AC7-920D-2D9E8A5DD61D}"/>
-              </a:ext>
-            </a:extLst>
-          </p:cNvPr>
-          <p:cNvSpPr txBox="1"/>
-          <p:nvPr/>
-        </p:nvSpPr>
-        <p:spPr>
-          <a:xfrm>
-            <a:off x="6536267" y="4279900"/>
-            <a:ext cx="1559273" cy="369332"/>
-          </a:xfrm>
-          <a:prstGeom prst="rect">
-            <a:avLst/>
-          </a:prstGeom>
-          <a:solidFill>
-            <a:schemeClr val="bg1"/>
-          </a:solidFill>
-          <a:ln>
-            <a:solidFill>
-              <a:schemeClr val="tx1">
-                <a:lumMod val="95000"/>
-                <a:lumOff val="5000"/>
-              </a:schemeClr>
-            </a:solidFill>
-          </a:ln>
-        </p:spPr>
-        <p:txBody>
-          <a:bodyPr wrap="none" rtlCol="0">
-            <a:spAutoFit/>
-          </a:bodyPr>
-          <a:lstStyle/>
-          <a:p>
-            <a:r>
-              <a:rPr lang="en-US" dirty="0"/>
-              <a:t>feasible region</a:t>
+              <a:t>Source: Liu &amp; Zeng (Springer 2021)</a:t>
             </a:r>
           </a:p>
         </p:txBody>
@@ -5304,7 +6045,7 @@
     </p:spTree>
     <p:extLst>
       <p:ext uri="{BB962C8B-B14F-4D97-AF65-F5344CB8AC3E}">
-        <p14:creationId xmlns:p14="http://schemas.microsoft.com/office/powerpoint/2010/main" val="2050951475"/>
+        <p14:creationId xmlns:p14="http://schemas.microsoft.com/office/powerpoint/2010/main" val="1007344605"/>
       </p:ext>
     </p:extLst>
   </p:cSld>
@@ -5317,20 +6058,6 @@
 <file path=ppt/slides/slide12.xml><?xml version="1.0" encoding="utf-8"?>
 <p:sld xmlns:a="http://schemas.openxmlformats.org/drawingml/2006/main" xmlns:r="http://schemas.openxmlformats.org/officeDocument/2006/relationships" xmlns:p="http://schemas.openxmlformats.org/presentationml/2006/main">
   <p:cSld>
-    <p:bg>
-      <p:bgPr>
-        <a:blipFill dpi="0" rotWithShape="1">
-          <a:blip r:embed="rId2">
-            <a:lum/>
-          </a:blip>
-          <a:srcRect/>
-          <a:stretch>
-            <a:fillRect/>
-          </a:stretch>
-        </a:blipFill>
-        <a:effectLst/>
-      </p:bgPr>
-    </p:bg>
     <p:spTree>
       <p:nvGrpSpPr>
         <p:cNvPr id="1" name=""/>
@@ -5345,97 +6072,167 @@
           <a:chExt cx="0" cy="0"/>
         </a:xfrm>
       </p:grpSpPr>
+      <p:grpSp>
+        <p:nvGrpSpPr>
+          <p:cNvPr id="2" name="Group 1">
+            <a:extLst>
+              <a:ext uri="{FF2B5EF4-FFF2-40B4-BE49-F238E27FC236}">
+                <a16:creationId xmlns:a16="http://schemas.microsoft.com/office/drawing/2014/main" id="{15696928-3FE2-65E3-EE39-1E87DD58F055}"/>
+              </a:ext>
+            </a:extLst>
+          </p:cNvPr>
+          <p:cNvGrpSpPr/>
+          <p:nvPr/>
+        </p:nvGrpSpPr>
+        <p:grpSpPr>
+          <a:xfrm>
+            <a:off x="7401324" y="109225"/>
+            <a:ext cx="4701776" cy="6559550"/>
+            <a:chOff x="7401324" y="109225"/>
+            <a:chExt cx="4701776" cy="6559550"/>
+          </a:xfrm>
+        </p:grpSpPr>
+        <p:pic>
+          <p:nvPicPr>
+            <p:cNvPr id="4" name="Picture 3">
+              <a:extLst>
+                <a:ext uri="{FF2B5EF4-FFF2-40B4-BE49-F238E27FC236}">
+                  <a16:creationId xmlns:a16="http://schemas.microsoft.com/office/drawing/2014/main" id="{4C74BDFC-B3A1-B970-C5FC-3C176A630189}"/>
+                </a:ext>
+              </a:extLst>
+            </p:cNvPr>
+            <p:cNvPicPr>
+              <a:picLocks noChangeAspect="1"/>
+            </p:cNvPicPr>
+            <p:nvPr/>
+          </p:nvPicPr>
+          <p:blipFill>
+            <a:blip r:embed="rId2"/>
+            <a:stretch>
+              <a:fillRect/>
+            </a:stretch>
+          </p:blipFill>
+          <p:spPr>
+            <a:xfrm>
+              <a:off x="7401324" y="109225"/>
+              <a:ext cx="4701776" cy="6559550"/>
+            </a:xfrm>
+            <a:prstGeom prst="rect">
+              <a:avLst/>
+            </a:prstGeom>
+          </p:spPr>
+        </p:pic>
+        <p:sp>
+          <p:nvSpPr>
+            <p:cNvPr id="5" name="Rectangle 4">
+              <a:extLst>
+                <a:ext uri="{FF2B5EF4-FFF2-40B4-BE49-F238E27FC236}">
+                  <a16:creationId xmlns:a16="http://schemas.microsoft.com/office/drawing/2014/main" id="{4F324E22-CF4D-B80D-A0C8-18EF789626DB}"/>
+                </a:ext>
+              </a:extLst>
+            </p:cNvPr>
+            <p:cNvSpPr/>
+            <p:nvPr/>
+          </p:nvSpPr>
+          <p:spPr>
+            <a:xfrm>
+              <a:off x="10742551" y="788638"/>
+              <a:ext cx="319314" cy="2583954"/>
+            </a:xfrm>
+            <a:prstGeom prst="rect">
+              <a:avLst/>
+            </a:prstGeom>
+            <a:noFill/>
+            <a:ln w="19050">
+              <a:solidFill>
+                <a:srgbClr val="FF0000"/>
+              </a:solidFill>
+            </a:ln>
+          </p:spPr>
+          <p:style>
+            <a:lnRef idx="2">
+              <a:schemeClr val="accent1">
+                <a:shade val="15000"/>
+              </a:schemeClr>
+            </a:lnRef>
+            <a:fillRef idx="1">
+              <a:schemeClr val="accent1"/>
+            </a:fillRef>
+            <a:effectRef idx="0">
+              <a:schemeClr val="accent1"/>
+            </a:effectRef>
+            <a:fontRef idx="minor">
+              <a:schemeClr val="lt1"/>
+            </a:fontRef>
+          </p:style>
+          <p:txBody>
+            <a:bodyPr rtlCol="0" anchor="ctr"/>
+            <a:lstStyle/>
+            <a:p>
+              <a:pPr algn="ctr"/>
+              <a:endParaRPr lang="en-US"/>
+            </a:p>
+          </p:txBody>
+        </p:sp>
+        <p:sp>
+          <p:nvSpPr>
+            <p:cNvPr id="6" name="Rectangle 5">
+              <a:extLst>
+                <a:ext uri="{FF2B5EF4-FFF2-40B4-BE49-F238E27FC236}">
+                  <a16:creationId xmlns:a16="http://schemas.microsoft.com/office/drawing/2014/main" id="{90267A13-E06A-F7DD-00FF-B75190C91E92}"/>
+                </a:ext>
+              </a:extLst>
+            </p:cNvPr>
+            <p:cNvSpPr/>
+            <p:nvPr/>
+          </p:nvSpPr>
+          <p:spPr>
+            <a:xfrm rot="16200000">
+              <a:off x="9614189" y="-87952"/>
+              <a:ext cx="361083" cy="1631744"/>
+            </a:xfrm>
+            <a:prstGeom prst="rect">
+              <a:avLst/>
+            </a:prstGeom>
+            <a:noFill/>
+            <a:ln w="19050">
+              <a:solidFill>
+                <a:srgbClr val="FF0000"/>
+              </a:solidFill>
+            </a:ln>
+          </p:spPr>
+          <p:style>
+            <a:lnRef idx="2">
+              <a:schemeClr val="accent1">
+                <a:shade val="15000"/>
+              </a:schemeClr>
+            </a:lnRef>
+            <a:fillRef idx="1">
+              <a:schemeClr val="accent1"/>
+            </a:fillRef>
+            <a:effectRef idx="0">
+              <a:schemeClr val="accent1"/>
+            </a:effectRef>
+            <a:fontRef idx="minor">
+              <a:schemeClr val="lt1"/>
+            </a:fontRef>
+          </p:style>
+          <p:txBody>
+            <a:bodyPr rtlCol="0" anchor="ctr"/>
+            <a:lstStyle/>
+            <a:p>
+              <a:pPr algn="ctr"/>
+              <a:endParaRPr lang="en-US"/>
+            </a:p>
+          </p:txBody>
+        </p:sp>
+      </p:grpSp>
       <p:sp>
         <p:nvSpPr>
-          <p:cNvPr id="4" name="TextBox 3">
-            <a:extLst>
-              <a:ext uri="{FF2B5EF4-FFF2-40B4-BE49-F238E27FC236}">
-                <a16:creationId xmlns:a16="http://schemas.microsoft.com/office/drawing/2014/main" id="{8DD93D6E-F700-FB4D-8333-A087C39ACBA6}"/>
-              </a:ext>
-            </a:extLst>
-          </p:cNvPr>
-          <p:cNvSpPr txBox="1"/>
-          <p:nvPr/>
-        </p:nvSpPr>
-        <p:spPr>
-          <a:xfrm>
-            <a:off x="584026" y="2898085"/>
-            <a:ext cx="11040127" cy="1061829"/>
-          </a:xfrm>
-          <a:prstGeom prst="rect">
-            <a:avLst/>
-          </a:prstGeom>
-          <a:noFill/>
-        </p:spPr>
-        <p:txBody>
-          <a:bodyPr wrap="square" rtlCol="0">
-            <a:spAutoFit/>
-          </a:bodyPr>
-          <a:lstStyle/>
-          <a:p>
-            <a:pPr algn="ctr"/>
-            <a:r>
-              <a:rPr lang="en-US" sz="6300" dirty="0">
-                <a:solidFill>
-                  <a:srgbClr val="FB6400"/>
-                </a:solidFill>
-                <a:latin typeface="FjallaOne" panose="02000506040000020004" pitchFamily="2" charset="77"/>
-              </a:rPr>
-              <a:t>Convolution Neural Network</a:t>
-            </a:r>
-          </a:p>
-        </p:txBody>
-      </p:sp>
-    </p:spTree>
-    <p:extLst>
-      <p:ext uri="{BB962C8B-B14F-4D97-AF65-F5344CB8AC3E}">
-        <p14:creationId xmlns:p14="http://schemas.microsoft.com/office/powerpoint/2010/main" val="3438051790"/>
-      </p:ext>
-    </p:extLst>
-  </p:cSld>
-  <p:clrMapOvr>
-    <a:masterClrMapping/>
-  </p:clrMapOvr>
-</p:sld>
-</file>
-
-<file path=ppt/slides/slide13.xml><?xml version="1.0" encoding="utf-8"?>
-<p:sld xmlns:a="http://schemas.openxmlformats.org/drawingml/2006/main" xmlns:r="http://schemas.openxmlformats.org/officeDocument/2006/relationships" xmlns:p="http://schemas.openxmlformats.org/presentationml/2006/main">
-  <p:cSld>
-    <p:bg>
-      <p:bgPr>
-        <a:blipFill dpi="0" rotWithShape="1">
-          <a:blip r:embed="rId2">
-            <a:lum/>
-          </a:blip>
-          <a:srcRect/>
-          <a:stretch>
-            <a:fillRect/>
-          </a:stretch>
-        </a:blipFill>
-        <a:effectLst/>
-      </p:bgPr>
-    </p:bg>
-    <p:spTree>
-      <p:nvGrpSpPr>
-        <p:cNvPr id="1" name=""/>
-        <p:cNvGrpSpPr/>
-        <p:nvPr/>
-      </p:nvGrpSpPr>
-      <p:grpSpPr>
-        <a:xfrm>
-          <a:off x="0" y="0"/>
-          <a:ext cx="0" cy="0"/>
-          <a:chOff x="0" y="0"/>
-          <a:chExt cx="0" cy="0"/>
-        </a:xfrm>
-      </p:grpSpPr>
-      <p:sp>
-        <p:nvSpPr>
-          <p:cNvPr id="5" name="TextBox 4">
-            <a:extLst>
-              <a:ext uri="{FF2B5EF4-FFF2-40B4-BE49-F238E27FC236}">
-                <a16:creationId xmlns:a16="http://schemas.microsoft.com/office/drawing/2014/main" id="{44B7E921-4FB7-284B-9679-627B0D7126F5}"/>
+          <p:cNvPr id="7" name="TextBox 6">
+            <a:extLst>
+              <a:ext uri="{FF2B5EF4-FFF2-40B4-BE49-F238E27FC236}">
+                <a16:creationId xmlns:a16="http://schemas.microsoft.com/office/drawing/2014/main" id="{0F8C852A-BAA1-014D-A1B7-0CE0B3D3612D}"/>
               </a:ext>
             </a:extLst>
           </p:cNvPr>
@@ -5465,64 +6262,274 @@
                 </a:solidFill>
                 <a:latin typeface="Gotham Narrow Bold" pitchFamily="2" charset="0"/>
               </a:rPr>
-              <a:t>Architecture</a:t>
+              <a:t>Backpropagation in MCA (cont.)</a:t>
             </a:r>
           </a:p>
         </p:txBody>
       </p:sp>
-      <p:pic>
-        <p:nvPicPr>
-          <p:cNvPr id="4" name="Picture 2" descr="An overview of VGG16 and NiN models | by Khuyen Le | MLearning.ai | Medium">
-            <a:extLst>
-              <a:ext uri="{FF2B5EF4-FFF2-40B4-BE49-F238E27FC236}">
-                <a16:creationId xmlns:a16="http://schemas.microsoft.com/office/drawing/2014/main" id="{0F5C7299-0E51-637D-0A10-2F9970A61155}"/>
-              </a:ext>
-            </a:extLst>
-          </p:cNvPr>
-          <p:cNvPicPr>
-            <a:picLocks noChangeAspect="1" noChangeArrowheads="1"/>
-          </p:cNvPicPr>
-          <p:nvPr/>
-        </p:nvPicPr>
-        <p:blipFill>
-          <a:blip r:embed="rId3">
-            <a:extLst>
-              <a:ext uri="{28A0092B-C50C-407E-A947-70E740481C1C}">
-                <a14:useLocalDpi xmlns:a14="http://schemas.microsoft.com/office/drawing/2010/main" val="0"/>
-              </a:ext>
-            </a:extLst>
-          </a:blip>
-          <a:srcRect/>
-          <a:stretch>
-            <a:fillRect/>
-          </a:stretch>
-        </p:blipFill>
-        <p:spPr bwMode="auto">
-          <a:xfrm>
-            <a:off x="5765606" y="769451"/>
-            <a:ext cx="6101340" cy="3884715"/>
-          </a:xfrm>
-          <a:prstGeom prst="rect">
-            <a:avLst/>
-          </a:prstGeom>
-          <a:noFill/>
-          <a:extLst>
-            <a:ext uri="{909E8E84-426E-40DD-AFC4-6F175D3DCCD1}">
-              <a14:hiddenFill xmlns:a14="http://schemas.microsoft.com/office/drawing/2010/main">
-                <a:solidFill>
-                  <a:srgbClr val="FFFFFF"/>
-                </a:solidFill>
-              </a14:hiddenFill>
-            </a:ext>
-          </a:extLst>
-        </p:spPr>
-      </p:pic>
+      <mc:AlternateContent xmlns:mc="http://schemas.openxmlformats.org/markup-compatibility/2006" xmlns:a14="http://schemas.microsoft.com/office/drawing/2010/main">
+        <mc:Choice Requires="a14">
+          <p:sp>
+            <p:nvSpPr>
+              <p:cNvPr id="8" name="TextBox 7">
+                <a:extLst>
+                  <a:ext uri="{FF2B5EF4-FFF2-40B4-BE49-F238E27FC236}">
+                    <a16:creationId xmlns:a16="http://schemas.microsoft.com/office/drawing/2014/main" id="{C9D39CEF-F871-45D1-B280-9618651C4D36}"/>
+                  </a:ext>
+                </a:extLst>
+              </p:cNvPr>
+              <p:cNvSpPr txBox="1"/>
+              <p:nvPr/>
+            </p:nvSpPr>
+            <p:spPr>
+              <a:xfrm>
+                <a:off x="876821" y="1115395"/>
+                <a:ext cx="6114529" cy="4256705"/>
+              </a:xfrm>
+              <a:prstGeom prst="rect">
+                <a:avLst/>
+              </a:prstGeom>
+              <a:noFill/>
+            </p:spPr>
+            <p:txBody>
+              <a:bodyPr wrap="square" rtlCol="0">
+                <a:noAutofit/>
+              </a:bodyPr>
+              <a:lstStyle/>
+              <a:p>
+                <a:pPr marL="742950" lvl="1" indent="-285750">
+                  <a:lnSpc>
+                    <a:spcPct val="125000"/>
+                  </a:lnSpc>
+                  <a:buFont typeface="Wingdings" panose="05000000000000000000" pitchFamily="2" charset="2"/>
+                  <a:buChar char="§"/>
+                </a:pPr>
+                <a:r>
+                  <a:rPr lang="en-US" dirty="0">
+                    <a:latin typeface="Gotham Narrow Book" pitchFamily="2" charset="0"/>
+                  </a:rPr>
+                  <a:t>Backpropagation:</a:t>
+                </a:r>
+              </a:p>
+              <a:p>
+                <a:pPr marL="1200150" lvl="2" indent="-285750">
+                  <a:lnSpc>
+                    <a:spcPct val="125000"/>
+                  </a:lnSpc>
+                  <a:buFont typeface="Wingdings" panose="05000000000000000000" pitchFamily="2" charset="2"/>
+                  <a:buChar char="§"/>
+                </a:pPr>
+                <a:r>
+                  <a:rPr lang="en-US" dirty="0">
+                    <a:latin typeface="Gotham Narrow Book" pitchFamily="2" charset="0"/>
+                  </a:rPr>
+                  <a:t>Set S to be low level, and the TGs in the right column and the first row are closed </a:t>
+                </a:r>
+                <a14:m>
+                  <m:oMath xmlns:m="http://schemas.openxmlformats.org/officeDocument/2006/math">
+                    <m:r>
+                      <a:rPr lang="en-US" b="0" i="1" smtClean="0">
+                        <a:latin typeface="Cambria Math" panose="02040503050406030204" pitchFamily="18" charset="0"/>
+                      </a:rPr>
+                      <m:t>→</m:t>
+                    </m:r>
+                  </m:oMath>
+                </a14:m>
+                <a:r>
+                  <a:rPr lang="en-US" dirty="0">
+                    <a:latin typeface="Gotham Narrow Book" pitchFamily="2" charset="0"/>
+                  </a:rPr>
+                  <a:t> the columns are fed error voltages and the rows output propagated values.</a:t>
+                </a:r>
+              </a:p>
+              <a:p>
+                <a:pPr marL="1200150" lvl="2" indent="-285750">
+                  <a:lnSpc>
+                    <a:spcPct val="125000"/>
+                  </a:lnSpc>
+                  <a:buFont typeface="Wingdings" panose="05000000000000000000" pitchFamily="2" charset="2"/>
+                  <a:buChar char="§"/>
+                </a:pPr>
+                <a:r>
+                  <a:rPr lang="en-US" dirty="0">
+                    <a:latin typeface="Gotham Narrow Book" pitchFamily="2" charset="0"/>
+                  </a:rPr>
+                  <a:t>Back propagate errors from the </a:t>
+                </a:r>
+                <a14:m>
+                  <m:oMath xmlns:m="http://schemas.openxmlformats.org/officeDocument/2006/math">
+                    <m:d>
+                      <m:dPr>
+                        <m:ctrlPr>
+                          <a:rPr lang="en-US" i="1" dirty="0" smtClean="0">
+                            <a:latin typeface="Cambria Math" panose="02040503050406030204" pitchFamily="18" charset="0"/>
+                          </a:rPr>
+                        </m:ctrlPr>
+                      </m:dPr>
+                      <m:e>
+                        <m:r>
+                          <a:rPr lang="en-US" i="1" dirty="0" smtClean="0">
+                            <a:latin typeface="Cambria Math" panose="02040503050406030204" pitchFamily="18" charset="0"/>
+                          </a:rPr>
+                          <m:t>𝑙</m:t>
+                        </m:r>
+                        <m:r>
+                          <a:rPr lang="en-US" i="1" dirty="0" smtClean="0">
+                            <a:latin typeface="Cambria Math" panose="02040503050406030204" pitchFamily="18" charset="0"/>
+                          </a:rPr>
+                          <m:t> + 1</m:t>
+                        </m:r>
+                      </m:e>
+                    </m:d>
+                  </m:oMath>
+                </a14:m>
+                <a:r>
+                  <a:rPr lang="en-US" dirty="0">
+                    <a:latin typeface="Gotham Narrow Book" pitchFamily="2" charset="0"/>
+                  </a:rPr>
+                  <a:t>th layer to the </a:t>
+                </a:r>
+                <a14:m>
+                  <m:oMath xmlns:m="http://schemas.openxmlformats.org/officeDocument/2006/math">
+                    <m:r>
+                      <a:rPr lang="en-US" i="1" dirty="0" smtClean="0">
+                        <a:latin typeface="Cambria Math" panose="02040503050406030204" pitchFamily="18" charset="0"/>
+                      </a:rPr>
+                      <m:t>𝑙</m:t>
+                    </m:r>
+                  </m:oMath>
+                </a14:m>
+                <a:r>
+                  <a:rPr lang="en-US" dirty="0">
+                    <a:latin typeface="Gotham Narrow Book" pitchFamily="2" charset="0"/>
+                  </a:rPr>
+                  <a:t>th layer through weights of the </a:t>
+                </a:r>
+                <a14:m>
+                  <m:oMath xmlns:m="http://schemas.openxmlformats.org/officeDocument/2006/math">
+                    <m:r>
+                      <a:rPr lang="en-US" i="1" dirty="0" smtClean="0">
+                        <a:latin typeface="Cambria Math" panose="02040503050406030204" pitchFamily="18" charset="0"/>
+                      </a:rPr>
+                      <m:t>(</m:t>
+                    </m:r>
+                    <m:r>
+                      <a:rPr lang="en-US" i="1" dirty="0" smtClean="0">
+                        <a:latin typeface="Cambria Math" panose="02040503050406030204" pitchFamily="18" charset="0"/>
+                      </a:rPr>
+                      <m:t>𝑙</m:t>
+                    </m:r>
+                    <m:r>
+                      <a:rPr lang="en-US" i="1" dirty="0" smtClean="0">
+                        <a:latin typeface="Cambria Math" panose="02040503050406030204" pitchFamily="18" charset="0"/>
+                      </a:rPr>
+                      <m:t> + 1)</m:t>
+                    </m:r>
+                  </m:oMath>
+                </a14:m>
+                <a:r>
+                  <a:rPr lang="en-US" dirty="0">
+                    <a:latin typeface="Gotham Narrow Book" pitchFamily="2" charset="0"/>
+                  </a:rPr>
+                  <a:t>th layer.</a:t>
+                </a:r>
+              </a:p>
+              <a:p>
+                <a:pPr marL="1200150" lvl="2" indent="-285750">
+                  <a:lnSpc>
+                    <a:spcPct val="125000"/>
+                  </a:lnSpc>
+                  <a:buFont typeface="Wingdings" panose="05000000000000000000" pitchFamily="2" charset="2"/>
+                  <a:buChar char="§"/>
+                </a:pPr>
+                <a:r>
+                  <a:rPr lang="en-US" dirty="0">
+                    <a:latin typeface="Gotham Narrow Book" pitchFamily="2" charset="0"/>
+                  </a:rPr>
+                  <a:t>Update the weight.</a:t>
+                </a:r>
+              </a:p>
+              <a:p>
+                <a:pPr marL="1200150" lvl="2" indent="-285750">
+                  <a:lnSpc>
+                    <a:spcPct val="125000"/>
+                  </a:lnSpc>
+                  <a:buFont typeface="Wingdings" panose="05000000000000000000" pitchFamily="2" charset="2"/>
+                  <a:buChar char="§"/>
+                </a:pPr>
+                <a:r>
+                  <a:rPr lang="en-US" dirty="0">
+                    <a:latin typeface="Gotham Narrow Book" pitchFamily="2" charset="0"/>
+                  </a:rPr>
+                  <a:t>Apply writing voltage to memristors to update their conductance through the introduced weight update schemes.</a:t>
+                </a:r>
+              </a:p>
+              <a:p>
+                <a:pPr marL="1200150" lvl="2" indent="-285750">
+                  <a:lnSpc>
+                    <a:spcPct val="125000"/>
+                  </a:lnSpc>
+                  <a:buFont typeface="Wingdings" panose="05000000000000000000" pitchFamily="2" charset="2"/>
+                  <a:buChar char="§"/>
+                </a:pPr>
+                <a:endParaRPr lang="en-US" dirty="0">
+                  <a:latin typeface="Gotham Narrow Book" pitchFamily="2" charset="0"/>
+                </a:endParaRPr>
+              </a:p>
+            </p:txBody>
+          </p:sp>
+        </mc:Choice>
+        <mc:Fallback xmlns="">
+          <p:sp>
+            <p:nvSpPr>
+              <p:cNvPr id="8" name="TextBox 7">
+                <a:extLst>
+                  <a:ext uri="{FF2B5EF4-FFF2-40B4-BE49-F238E27FC236}">
+                    <a16:creationId xmlns:a16="http://schemas.microsoft.com/office/drawing/2014/main" id="{C9D39CEF-F871-45D1-B280-9618651C4D36}"/>
+                  </a:ext>
+                </a:extLst>
+              </p:cNvPr>
+              <p:cNvSpPr txBox="1">
+                <a:spLocks noRot="1" noChangeAspect="1" noMove="1" noResize="1" noEditPoints="1" noAdjustHandles="1" noChangeArrowheads="1" noChangeShapeType="1" noTextEdit="1"/>
+              </p:cNvSpPr>
+              <p:nvPr/>
+            </p:nvSpPr>
+            <p:spPr>
+              <a:xfrm>
+                <a:off x="876821" y="1115395"/>
+                <a:ext cx="6114529" cy="4256705"/>
+              </a:xfrm>
+              <a:prstGeom prst="rect">
+                <a:avLst/>
+              </a:prstGeom>
+              <a:blipFill>
+                <a:blip r:embed="rId3"/>
+                <a:stretch>
+                  <a:fillRect t="-143" r="-299" b="-287"/>
+                </a:stretch>
+              </a:blipFill>
+            </p:spPr>
+            <p:txBody>
+              <a:bodyPr/>
+              <a:lstStyle/>
+              <a:p>
+                <a:r>
+                  <a:rPr lang="en-US">
+                    <a:noFill/>
+                  </a:rPr>
+                  <a:t> </a:t>
+                </a:r>
+              </a:p>
+            </p:txBody>
+          </p:sp>
+        </mc:Fallback>
+      </mc:AlternateContent>
       <p:sp>
         <p:nvSpPr>
-          <p:cNvPr id="6" name="TextBox 5">
-            <a:extLst>
-              <a:ext uri="{FF2B5EF4-FFF2-40B4-BE49-F238E27FC236}">
-                <a16:creationId xmlns:a16="http://schemas.microsoft.com/office/drawing/2014/main" id="{16CE58D0-E20E-D5CA-6EA1-CAD05F957410}"/>
+          <p:cNvPr id="3" name="TextBox 2">
+            <a:extLst>
+              <a:ext uri="{FF2B5EF4-FFF2-40B4-BE49-F238E27FC236}">
+                <a16:creationId xmlns:a16="http://schemas.microsoft.com/office/drawing/2014/main" id="{9C9F289F-8C50-5FE1-16FB-560BF965AE22}"/>
               </a:ext>
             </a:extLst>
           </p:cNvPr>
@@ -5531,8 +6538,8 @@
         </p:nvSpPr>
         <p:spPr>
           <a:xfrm>
-            <a:off x="876822" y="1115395"/>
-            <a:ext cx="5219178" cy="4256705"/>
+            <a:off x="5546791" y="6414554"/>
+            <a:ext cx="3709065" cy="369332"/>
           </a:xfrm>
           <a:prstGeom prst="rect">
             <a:avLst/>
@@ -5541,99 +6548,569 @@
         </p:spPr>
         <p:txBody>
           <a:bodyPr wrap="square" rtlCol="0">
-            <a:noAutofit/>
+            <a:spAutoFit/>
           </a:bodyPr>
           <a:lstStyle/>
           <a:p>
-            <a:pPr marL="285750" indent="-285750">
-              <a:lnSpc>
-                <a:spcPct val="125000"/>
-              </a:lnSpc>
-              <a:buFont typeface="Wingdings" panose="05000000000000000000" pitchFamily="2" charset="2"/>
-              <a:buChar char="§"/>
-            </a:pPr>
             <a:r>
-              <a:rPr lang="en-US" dirty="0">
-                <a:latin typeface="Gotham Narrow Book" pitchFamily="2" charset="0"/>
-              </a:rPr>
-              <a:t>Consider the architecture of VGG16, one of the basic CNN architectures, it has the following fundamental layers.</a:t>
+              <a:rPr lang="en-US" dirty="0"/>
+              <a:t>Source: Liu &amp; Zeng (Springer 2021)</a:t>
             </a:r>
-          </a:p>
-          <a:p>
-            <a:pPr marL="742950" lvl="1" indent="-285750">
-              <a:lnSpc>
-                <a:spcPct val="125000"/>
-              </a:lnSpc>
-              <a:buFont typeface="Wingdings" panose="05000000000000000000" pitchFamily="2" charset="2"/>
-              <a:buChar char="§"/>
-            </a:pPr>
-            <a:r>
-              <a:rPr lang="en-US" dirty="0">
-                <a:latin typeface="Gotham Narrow Book" pitchFamily="2" charset="0"/>
-              </a:rPr>
-              <a:t>Convolution layer.</a:t>
-            </a:r>
-          </a:p>
-          <a:p>
-            <a:pPr marL="742950" lvl="1" indent="-285750">
-              <a:lnSpc>
-                <a:spcPct val="125000"/>
-              </a:lnSpc>
-              <a:buFont typeface="Wingdings" panose="05000000000000000000" pitchFamily="2" charset="2"/>
-              <a:buChar char="§"/>
-            </a:pPr>
-            <a:r>
-              <a:rPr lang="en-US" dirty="0">
-                <a:latin typeface="Gotham Narrow Book" pitchFamily="2" charset="0"/>
-              </a:rPr>
-              <a:t>Pooling layer.</a:t>
-            </a:r>
-          </a:p>
-          <a:p>
-            <a:pPr marL="742950" lvl="1" indent="-285750">
-              <a:lnSpc>
-                <a:spcPct val="125000"/>
-              </a:lnSpc>
-              <a:buFont typeface="Wingdings" panose="05000000000000000000" pitchFamily="2" charset="2"/>
-              <a:buChar char="§"/>
-            </a:pPr>
-            <a:r>
-              <a:rPr lang="en-US" dirty="0">
-                <a:latin typeface="Gotham Narrow Book" pitchFamily="2" charset="0"/>
-              </a:rPr>
-              <a:t>Fully connected layer.</a:t>
-            </a:r>
-          </a:p>
-          <a:p>
-            <a:pPr marL="742950" lvl="1" indent="-285750">
-              <a:lnSpc>
-                <a:spcPct val="125000"/>
-              </a:lnSpc>
-              <a:buFont typeface="Wingdings" panose="05000000000000000000" pitchFamily="2" charset="2"/>
-              <a:buChar char="§"/>
-            </a:pPr>
-            <a:endParaRPr lang="en-US" dirty="0">
-              <a:latin typeface="Gotham Narrow Book" pitchFamily="2" charset="0"/>
-            </a:endParaRPr>
-          </a:p>
-          <a:p>
-            <a:pPr marL="742950" lvl="1" indent="-285750">
-              <a:lnSpc>
-                <a:spcPct val="125000"/>
-              </a:lnSpc>
-              <a:buFont typeface="Wingdings" panose="05000000000000000000" pitchFamily="2" charset="2"/>
-              <a:buChar char="§"/>
-            </a:pPr>
-            <a:endParaRPr lang="en-US" dirty="0">
-              <a:latin typeface="Gotham Narrow Book" pitchFamily="2" charset="0"/>
-            </a:endParaRPr>
           </a:p>
         </p:txBody>
       </p:sp>
     </p:spTree>
     <p:extLst>
       <p:ext uri="{BB962C8B-B14F-4D97-AF65-F5344CB8AC3E}">
-        <p14:creationId xmlns:p14="http://schemas.microsoft.com/office/powerpoint/2010/main" val="756621199"/>
+        <p14:creationId xmlns:p14="http://schemas.microsoft.com/office/powerpoint/2010/main" val="2579007822"/>
+      </p:ext>
+    </p:extLst>
+  </p:cSld>
+  <p:clrMapOvr>
+    <a:masterClrMapping/>
+  </p:clrMapOvr>
+</p:sld>
+</file>
+
+<file path=ppt/slides/slide13.xml><?xml version="1.0" encoding="utf-8"?>
+<p:sld xmlns:a="http://schemas.openxmlformats.org/drawingml/2006/main" xmlns:r="http://schemas.openxmlformats.org/officeDocument/2006/relationships" xmlns:p="http://schemas.openxmlformats.org/presentationml/2006/main">
+  <p:cSld>
+    <p:spTree>
+      <p:nvGrpSpPr>
+        <p:cNvPr id="1" name=""/>
+        <p:cNvGrpSpPr/>
+        <p:nvPr/>
+      </p:nvGrpSpPr>
+      <p:grpSpPr>
+        <a:xfrm>
+          <a:off x="0" y="0"/>
+          <a:ext cx="0" cy="0"/>
+          <a:chOff x="0" y="0"/>
+          <a:chExt cx="0" cy="0"/>
+        </a:xfrm>
+      </p:grpSpPr>
+      <p:sp>
+        <p:nvSpPr>
+          <p:cNvPr id="4" name="TextBox 3">
+            <a:extLst>
+              <a:ext uri="{FF2B5EF4-FFF2-40B4-BE49-F238E27FC236}">
+                <a16:creationId xmlns:a16="http://schemas.microsoft.com/office/drawing/2014/main" id="{54D8E987-F61C-86F1-2328-1EC2A114A46F}"/>
+              </a:ext>
+            </a:extLst>
+          </p:cNvPr>
+          <p:cNvSpPr txBox="1"/>
+          <p:nvPr/>
+        </p:nvSpPr>
+        <p:spPr>
+          <a:xfrm>
+            <a:off x="571500" y="538619"/>
+            <a:ext cx="11040127" cy="461665"/>
+          </a:xfrm>
+          <a:prstGeom prst="rect">
+            <a:avLst/>
+          </a:prstGeom>
+          <a:noFill/>
+        </p:spPr>
+        <p:txBody>
+          <a:bodyPr wrap="square" rtlCol="0">
+            <a:spAutoFit/>
+          </a:bodyPr>
+          <a:lstStyle/>
+          <a:p>
+            <a:r>
+              <a:rPr lang="en-US" sz="2400" b="1" dirty="0">
+                <a:solidFill>
+                  <a:srgbClr val="63666A"/>
+                </a:solidFill>
+                <a:latin typeface="Gotham Narrow Bold" pitchFamily="2" charset="0"/>
+              </a:rPr>
+              <a:t>Weight update in MCA</a:t>
+            </a:r>
+          </a:p>
+        </p:txBody>
+      </p:sp>
+      <p:pic>
+        <p:nvPicPr>
+          <p:cNvPr id="6" name="Picture 5">
+            <a:extLst>
+              <a:ext uri="{FF2B5EF4-FFF2-40B4-BE49-F238E27FC236}">
+                <a16:creationId xmlns:a16="http://schemas.microsoft.com/office/drawing/2014/main" id="{29846BEE-F74A-C4E5-250A-9B3995A2760B}"/>
+              </a:ext>
+            </a:extLst>
+          </p:cNvPr>
+          <p:cNvPicPr>
+            <a:picLocks noChangeAspect="1"/>
+          </p:cNvPicPr>
+          <p:nvPr/>
+        </p:nvPicPr>
+        <p:blipFill>
+          <a:blip r:embed="rId2"/>
+          <a:stretch>
+            <a:fillRect/>
+          </a:stretch>
+        </p:blipFill>
+        <p:spPr>
+          <a:xfrm>
+            <a:off x="7003783" y="1430729"/>
+            <a:ext cx="5188217" cy="3626036"/>
+          </a:xfrm>
+          <a:prstGeom prst="rect">
+            <a:avLst/>
+          </a:prstGeom>
+        </p:spPr>
+      </p:pic>
+      <mc:AlternateContent xmlns:mc="http://schemas.openxmlformats.org/markup-compatibility/2006" xmlns:a14="http://schemas.microsoft.com/office/drawing/2010/main">
+        <mc:Choice Requires="a14">
+          <p:sp>
+            <p:nvSpPr>
+              <p:cNvPr id="9" name="TextBox 8">
+                <a:extLst>
+                  <a:ext uri="{FF2B5EF4-FFF2-40B4-BE49-F238E27FC236}">
+                    <a16:creationId xmlns:a16="http://schemas.microsoft.com/office/drawing/2014/main" id="{3B406504-B963-4315-E9D8-04BB726365F0}"/>
+                  </a:ext>
+                </a:extLst>
+              </p:cNvPr>
+              <p:cNvSpPr txBox="1"/>
+              <p:nvPr/>
+            </p:nvSpPr>
+            <p:spPr>
+              <a:xfrm>
+                <a:off x="876821" y="1115395"/>
+                <a:ext cx="6023511" cy="4256705"/>
+              </a:xfrm>
+              <a:prstGeom prst="rect">
+                <a:avLst/>
+              </a:prstGeom>
+              <a:noFill/>
+            </p:spPr>
+            <p:txBody>
+              <a:bodyPr wrap="square" rtlCol="0">
+                <a:noAutofit/>
+              </a:bodyPr>
+              <a:lstStyle/>
+              <a:p>
+                <a:pPr marL="347663" lvl="2" indent="-347663">
+                  <a:lnSpc>
+                    <a:spcPct val="125000"/>
+                  </a:lnSpc>
+                  <a:buFont typeface="Wingdings" panose="05000000000000000000" pitchFamily="2" charset="2"/>
+                  <a:buChar char="§"/>
+                  <a:tabLst>
+                    <a:tab pos="287338" algn="l"/>
+                  </a:tabLst>
+                </a:pPr>
+                <a:r>
+                  <a:rPr lang="en-US" dirty="0">
+                    <a:latin typeface="Gotham Narrow Book" pitchFamily="2" charset="0"/>
+                  </a:rPr>
+                  <a:t>Memristors are updated by applying voltages with appropriate durations through a row-parallel updating method. For instance,</a:t>
+                </a:r>
+              </a:p>
+              <a:p>
+                <a:pPr marL="804863" lvl="3" indent="-347663">
+                  <a:lnSpc>
+                    <a:spcPct val="125000"/>
+                  </a:lnSpc>
+                  <a:buFont typeface="Wingdings" panose="05000000000000000000" pitchFamily="2" charset="2"/>
+                  <a:buChar char="§"/>
+                  <a:tabLst>
+                    <a:tab pos="287338" algn="l"/>
+                  </a:tabLst>
+                </a:pPr>
+                <a:r>
+                  <a:rPr lang="en-US" dirty="0">
+                    <a:latin typeface="Gotham Narrow Book" pitchFamily="2" charset="0"/>
+                  </a:rPr>
+                  <a:t>We need to increase (in conductance)</a:t>
+                </a:r>
+                <a14:m>
+                  <m:oMath xmlns:m="http://schemas.openxmlformats.org/officeDocument/2006/math">
+                    <m:r>
+                      <a:rPr lang="en-US" b="0" i="0" smtClean="0">
+                        <a:latin typeface="Cambria Math" panose="02040503050406030204" pitchFamily="18" charset="0"/>
+                      </a:rPr>
+                      <m:t> </m:t>
+                    </m:r>
+                    <m:sSub>
+                      <m:sSubPr>
+                        <m:ctrlPr>
+                          <a:rPr lang="en-US" b="0" i="1" smtClean="0">
+                            <a:latin typeface="Cambria Math" panose="02040503050406030204" pitchFamily="18" charset="0"/>
+                          </a:rPr>
+                        </m:ctrlPr>
+                      </m:sSubPr>
+                      <m:e>
+                        <m:r>
+                          <a:rPr lang="en-US" b="0" i="1" smtClean="0">
+                            <a:latin typeface="Cambria Math" panose="02040503050406030204" pitchFamily="18" charset="0"/>
+                          </a:rPr>
+                          <m:t>𝑀</m:t>
+                        </m:r>
+                      </m:e>
+                      <m:sub>
+                        <m:r>
+                          <a:rPr lang="en-US" b="0" i="1" smtClean="0">
+                            <a:latin typeface="Cambria Math" panose="02040503050406030204" pitchFamily="18" charset="0"/>
+                          </a:rPr>
+                          <m:t>1</m:t>
+                        </m:r>
+                      </m:sub>
+                    </m:sSub>
+                  </m:oMath>
+                </a14:m>
+                <a:r>
+                  <a:rPr lang="en-US" dirty="0">
+                    <a:latin typeface="Gotham Narrow Book" pitchFamily="2" charset="0"/>
+                  </a:rPr>
+                  <a:t> and </a:t>
+                </a:r>
+                <a14:m>
+                  <m:oMath xmlns:m="http://schemas.openxmlformats.org/officeDocument/2006/math">
+                    <m:sSub>
+                      <m:sSubPr>
+                        <m:ctrlPr>
+                          <a:rPr lang="en-US" b="0" i="1" smtClean="0">
+                            <a:latin typeface="Cambria Math" panose="02040503050406030204" pitchFamily="18" charset="0"/>
+                          </a:rPr>
+                        </m:ctrlPr>
+                      </m:sSubPr>
+                      <m:e>
+                        <m:r>
+                          <a:rPr lang="en-US" b="0" i="1" smtClean="0">
+                            <a:latin typeface="Cambria Math" panose="02040503050406030204" pitchFamily="18" charset="0"/>
+                          </a:rPr>
+                          <m:t>𝑀</m:t>
+                        </m:r>
+                      </m:e>
+                      <m:sub>
+                        <m:r>
+                          <a:rPr lang="en-US" b="0" i="1" smtClean="0">
+                            <a:latin typeface="Cambria Math" panose="02040503050406030204" pitchFamily="18" charset="0"/>
+                          </a:rPr>
+                          <m:t>3</m:t>
+                        </m:r>
+                      </m:sub>
+                    </m:sSub>
+                  </m:oMath>
+                </a14:m>
+                <a:r>
+                  <a:rPr lang="en-US" dirty="0">
+                    <a:latin typeface="Gotham Narrow Book" pitchFamily="2" charset="0"/>
+                  </a:rPr>
+                  <a:t>while decreasing </a:t>
+                </a:r>
+                <a14:m>
+                  <m:oMath xmlns:m="http://schemas.openxmlformats.org/officeDocument/2006/math">
+                    <m:sSub>
+                      <m:sSubPr>
+                        <m:ctrlPr>
+                          <a:rPr lang="en-US" b="0" i="1" smtClean="0">
+                            <a:latin typeface="Cambria Math" panose="02040503050406030204" pitchFamily="18" charset="0"/>
+                          </a:rPr>
+                        </m:ctrlPr>
+                      </m:sSubPr>
+                      <m:e>
+                        <m:r>
+                          <a:rPr lang="en-US" b="0" i="1" smtClean="0">
+                            <a:latin typeface="Cambria Math" panose="02040503050406030204" pitchFamily="18" charset="0"/>
+                          </a:rPr>
+                          <m:t>𝑀</m:t>
+                        </m:r>
+                      </m:e>
+                      <m:sub>
+                        <m:r>
+                          <a:rPr lang="en-US" b="0" i="1" smtClean="0">
+                            <a:latin typeface="Cambria Math" panose="02040503050406030204" pitchFamily="18" charset="0"/>
+                          </a:rPr>
+                          <m:t>2</m:t>
+                        </m:r>
+                      </m:sub>
+                    </m:sSub>
+                  </m:oMath>
+                </a14:m>
+                <a:r>
+                  <a:rPr lang="en-US" dirty="0">
+                    <a:latin typeface="Gotham Narrow Book" pitchFamily="2" charset="0"/>
+                  </a:rPr>
+                  <a:t>.</a:t>
+                </a:r>
+              </a:p>
+              <a:p>
+                <a:pPr marL="804863" lvl="3" indent="-347663">
+                  <a:lnSpc>
+                    <a:spcPct val="125000"/>
+                  </a:lnSpc>
+                  <a:buFont typeface="Wingdings" panose="05000000000000000000" pitchFamily="2" charset="2"/>
+                  <a:buChar char="§"/>
+                  <a:tabLst>
+                    <a:tab pos="287338" algn="l"/>
+                  </a:tabLst>
+                </a:pPr>
+                <a:r>
+                  <a:rPr lang="en-US" dirty="0">
+                    <a:latin typeface="Gotham Narrow Book" pitchFamily="2" charset="0"/>
+                  </a:rPr>
+                  <a:t>The voltages are divided into two phases. The first phase is to increase the conductance and the second phase is to decrease the conductance.</a:t>
+                </a:r>
+              </a:p>
+              <a:p>
+                <a:pPr marL="804863" lvl="3" indent="-347663">
+                  <a:lnSpc>
+                    <a:spcPct val="125000"/>
+                  </a:lnSpc>
+                  <a:buFont typeface="Wingdings" panose="05000000000000000000" pitchFamily="2" charset="2"/>
+                  <a:buChar char="§"/>
+                  <a:tabLst>
+                    <a:tab pos="287338" algn="l"/>
+                  </a:tabLst>
+                </a:pPr>
+                <a:r>
+                  <a:rPr lang="en-US" dirty="0">
+                    <a:latin typeface="Gotham Narrow Book" pitchFamily="2" charset="0"/>
+                  </a:rPr>
+                  <a:t>In the first phase, only voltages across </a:t>
+                </a:r>
+                <a14:m>
+                  <m:oMath xmlns:m="http://schemas.openxmlformats.org/officeDocument/2006/math">
+                    <m:sSub>
+                      <m:sSubPr>
+                        <m:ctrlPr>
+                          <a:rPr lang="en-US" b="0" i="1" dirty="0" smtClean="0">
+                            <a:latin typeface="Cambria Math" panose="02040503050406030204" pitchFamily="18" charset="0"/>
+                          </a:rPr>
+                        </m:ctrlPr>
+                      </m:sSubPr>
+                      <m:e>
+                        <m:r>
+                          <a:rPr lang="en-US" i="1" dirty="0" smtClean="0">
+                            <a:latin typeface="Cambria Math" panose="02040503050406030204" pitchFamily="18" charset="0"/>
+                          </a:rPr>
+                          <m:t>𝑀</m:t>
+                        </m:r>
+                      </m:e>
+                      <m:sub>
+                        <m:r>
+                          <a:rPr lang="en-US" i="1" dirty="0" smtClean="0">
+                            <a:latin typeface="Cambria Math" panose="02040503050406030204" pitchFamily="18" charset="0"/>
+                          </a:rPr>
+                          <m:t>1</m:t>
+                        </m:r>
+                      </m:sub>
+                    </m:sSub>
+                  </m:oMath>
+                </a14:m>
+                <a:r>
+                  <a:rPr lang="en-US" dirty="0">
+                    <a:latin typeface="Gotham Narrow Book" pitchFamily="2" charset="0"/>
+                  </a:rPr>
+                  <a:t> and </a:t>
+                </a:r>
+                <a14:m>
+                  <m:oMath xmlns:m="http://schemas.openxmlformats.org/officeDocument/2006/math">
+                    <m:sSub>
+                      <m:sSubPr>
+                        <m:ctrlPr>
+                          <a:rPr lang="en-US" b="0" i="1" dirty="0" smtClean="0">
+                            <a:latin typeface="Cambria Math" panose="02040503050406030204" pitchFamily="18" charset="0"/>
+                          </a:rPr>
+                        </m:ctrlPr>
+                      </m:sSubPr>
+                      <m:e>
+                        <m:r>
+                          <a:rPr lang="en-US" i="1" dirty="0" smtClean="0">
+                            <a:latin typeface="Cambria Math" panose="02040503050406030204" pitchFamily="18" charset="0"/>
+                          </a:rPr>
+                          <m:t>𝑀</m:t>
+                        </m:r>
+                      </m:e>
+                      <m:sub>
+                        <m:r>
+                          <a:rPr lang="en-US" i="1" dirty="0" smtClean="0">
+                            <a:latin typeface="Cambria Math" panose="02040503050406030204" pitchFamily="18" charset="0"/>
+                          </a:rPr>
+                          <m:t>3</m:t>
+                        </m:r>
+                      </m:sub>
+                    </m:sSub>
+                  </m:oMath>
+                </a14:m>
+                <a:r>
+                  <a:rPr lang="en-US" dirty="0">
+                    <a:latin typeface="Gotham Narrow Book" pitchFamily="2" charset="0"/>
+                  </a:rPr>
+                  <a:t> are beyond the positive threshold voltage of the memristor. In the second phase, only the voltage across </a:t>
+                </a:r>
+                <a14:m>
+                  <m:oMath xmlns:m="http://schemas.openxmlformats.org/officeDocument/2006/math">
+                    <m:sSub>
+                      <m:sSubPr>
+                        <m:ctrlPr>
+                          <a:rPr lang="en-US" b="0" i="1" dirty="0" smtClean="0">
+                            <a:latin typeface="Cambria Math" panose="02040503050406030204" pitchFamily="18" charset="0"/>
+                          </a:rPr>
+                        </m:ctrlPr>
+                      </m:sSubPr>
+                      <m:e>
+                        <m:r>
+                          <a:rPr lang="en-US" i="1" dirty="0" smtClean="0">
+                            <a:latin typeface="Cambria Math" panose="02040503050406030204" pitchFamily="18" charset="0"/>
+                          </a:rPr>
+                          <m:t>𝑀</m:t>
+                        </m:r>
+                      </m:e>
+                      <m:sub>
+                        <m:r>
+                          <a:rPr lang="en-US" i="1" dirty="0" smtClean="0">
+                            <a:latin typeface="Cambria Math" panose="02040503050406030204" pitchFamily="18" charset="0"/>
+                          </a:rPr>
+                          <m:t>2</m:t>
+                        </m:r>
+                      </m:sub>
+                    </m:sSub>
+                  </m:oMath>
+                </a14:m>
+                <a:r>
+                  <a:rPr lang="en-US" dirty="0">
+                    <a:latin typeface="Gotham Narrow Book" pitchFamily="2" charset="0"/>
+                  </a:rPr>
+                  <a:t> is below the negative threshold voltage.</a:t>
+                </a:r>
+              </a:p>
+              <a:p>
+                <a:pPr marL="804863" lvl="3" indent="-347663">
+                  <a:lnSpc>
+                    <a:spcPct val="125000"/>
+                  </a:lnSpc>
+                  <a:buFont typeface="Wingdings" panose="05000000000000000000" pitchFamily="2" charset="2"/>
+                  <a:buChar char="§"/>
+                  <a:tabLst>
+                    <a:tab pos="287338" algn="l"/>
+                  </a:tabLst>
+                </a:pPr>
+                <a:r>
+                  <a:rPr lang="en-US" dirty="0">
+                    <a:latin typeface="Gotham Narrow Book" pitchFamily="2" charset="0"/>
+                  </a:rPr>
+                  <a:t>Only memristors in the second row are updated and the rest remain unchanged.</a:t>
+                </a:r>
+              </a:p>
+              <a:p>
+                <a:pPr marL="347663" lvl="2" indent="-347663">
+                  <a:lnSpc>
+                    <a:spcPct val="125000"/>
+                  </a:lnSpc>
+                  <a:buFont typeface="Wingdings" panose="05000000000000000000" pitchFamily="2" charset="2"/>
+                  <a:buChar char="§"/>
+                  <a:tabLst>
+                    <a:tab pos="287338" algn="l"/>
+                  </a:tabLst>
+                </a:pPr>
+                <a:endParaRPr lang="en-US" dirty="0">
+                  <a:latin typeface="Gotham Narrow Book" pitchFamily="2" charset="0"/>
+                </a:endParaRPr>
+              </a:p>
+              <a:p>
+                <a:pPr marL="347663" lvl="2" indent="-347663">
+                  <a:lnSpc>
+                    <a:spcPct val="125000"/>
+                  </a:lnSpc>
+                  <a:buFont typeface="Wingdings" panose="05000000000000000000" pitchFamily="2" charset="2"/>
+                  <a:buChar char="§"/>
+                  <a:tabLst>
+                    <a:tab pos="287338" algn="l"/>
+                  </a:tabLst>
+                </a:pPr>
+                <a:endParaRPr lang="en-US" dirty="0">
+                  <a:latin typeface="Gotham Narrow Book" pitchFamily="2" charset="0"/>
+                </a:endParaRPr>
+              </a:p>
+            </p:txBody>
+          </p:sp>
+        </mc:Choice>
+        <mc:Fallback xmlns="">
+          <p:sp>
+            <p:nvSpPr>
+              <p:cNvPr id="9" name="TextBox 8">
+                <a:extLst>
+                  <a:ext uri="{FF2B5EF4-FFF2-40B4-BE49-F238E27FC236}">
+                    <a16:creationId xmlns:a16="http://schemas.microsoft.com/office/drawing/2014/main" id="{3B406504-B963-4315-E9D8-04BB726365F0}"/>
+                  </a:ext>
+                </a:extLst>
+              </p:cNvPr>
+              <p:cNvSpPr txBox="1">
+                <a:spLocks noRot="1" noChangeAspect="1" noMove="1" noResize="1" noEditPoints="1" noAdjustHandles="1" noChangeArrowheads="1" noChangeShapeType="1" noTextEdit="1"/>
+              </p:cNvSpPr>
+              <p:nvPr/>
+            </p:nvSpPr>
+            <p:spPr>
+              <a:xfrm>
+                <a:off x="876821" y="1115395"/>
+                <a:ext cx="6023511" cy="4256705"/>
+              </a:xfrm>
+              <a:prstGeom prst="rect">
+                <a:avLst/>
+              </a:prstGeom>
+              <a:blipFill>
+                <a:blip r:embed="rId3"/>
+                <a:stretch>
+                  <a:fillRect l="-709" t="-143" r="-1822" b="-24499"/>
+                </a:stretch>
+              </a:blipFill>
+            </p:spPr>
+            <p:txBody>
+              <a:bodyPr/>
+              <a:lstStyle/>
+              <a:p>
+                <a:r>
+                  <a:rPr lang="en-US">
+                    <a:noFill/>
+                  </a:rPr>
+                  <a:t> </a:t>
+                </a:r>
+              </a:p>
+            </p:txBody>
+          </p:sp>
+        </mc:Fallback>
+      </mc:AlternateContent>
+      <p:sp>
+        <p:nvSpPr>
+          <p:cNvPr id="10" name="TextBox 9">
+            <a:extLst>
+              <a:ext uri="{FF2B5EF4-FFF2-40B4-BE49-F238E27FC236}">
+                <a16:creationId xmlns:a16="http://schemas.microsoft.com/office/drawing/2014/main" id="{77A63D6F-6397-7168-2A29-47F15A7A7DA6}"/>
+              </a:ext>
+            </a:extLst>
+          </p:cNvPr>
+          <p:cNvSpPr txBox="1"/>
+          <p:nvPr/>
+        </p:nvSpPr>
+        <p:spPr>
+          <a:xfrm>
+            <a:off x="8104909" y="5057939"/>
+            <a:ext cx="3709065" cy="369332"/>
+          </a:xfrm>
+          <a:prstGeom prst="rect">
+            <a:avLst/>
+          </a:prstGeom>
+          <a:noFill/>
+        </p:spPr>
+        <p:txBody>
+          <a:bodyPr wrap="square" rtlCol="0">
+            <a:spAutoFit/>
+          </a:bodyPr>
+          <a:lstStyle/>
+          <a:p>
+            <a:r>
+              <a:rPr lang="en-US" dirty="0"/>
+              <a:t>Source: Liu &amp; Zeng (Springer 2021)</a:t>
+            </a:r>
+          </a:p>
+        </p:txBody>
+      </p:sp>
+    </p:spTree>
+    <p:extLst>
+      <p:ext uri="{BB962C8B-B14F-4D97-AF65-F5344CB8AC3E}">
+        <p14:creationId xmlns:p14="http://schemas.microsoft.com/office/powerpoint/2010/main" val="227405415"/>
       </p:ext>
     </p:extLst>
   </p:cSld>
@@ -5679,7 +7156,7 @@
           <p:cNvPr id="5" name="TextBox 4">
             <a:extLst>
               <a:ext uri="{FF2B5EF4-FFF2-40B4-BE49-F238E27FC236}">
-                <a16:creationId xmlns:a16="http://schemas.microsoft.com/office/drawing/2014/main" id="{44B7E921-4FB7-284B-9679-627B0D7126F5}"/>
+                <a16:creationId xmlns:a16="http://schemas.microsoft.com/office/drawing/2014/main" id="{CE81A51A-3168-024C-AD87-56547AE479AD}"/>
               </a:ext>
             </a:extLst>
           </p:cNvPr>
@@ -5688,8 +7165,8 @@
         </p:nvSpPr>
         <p:spPr>
           <a:xfrm>
-            <a:off x="571500" y="538619"/>
-            <a:ext cx="11040127" cy="461665"/>
+            <a:off x="3867462" y="2723588"/>
+            <a:ext cx="7922301" cy="1200329"/>
           </a:xfrm>
           <a:prstGeom prst="rect">
             <a:avLst/>
@@ -5703,213 +7180,21 @@
           <a:lstStyle/>
           <a:p>
             <a:r>
-              <a:rPr lang="en-US" sz="2400" b="1" dirty="0">
+              <a:rPr lang="en-US" sz="7200" dirty="0">
                 <a:solidFill>
-                  <a:srgbClr val="63666A"/>
+                  <a:schemeClr val="bg1"/>
                 </a:solidFill>
-                <a:latin typeface="Gotham Narrow Bold" pitchFamily="2" charset="0"/>
+                <a:latin typeface="FjallaOne" panose="02000506040000020004" pitchFamily="2" charset="77"/>
               </a:rPr>
-              <a:t>Convolution Layer</a:t>
+              <a:t>Appendix</a:t>
             </a:r>
-          </a:p>
-        </p:txBody>
-      </p:sp>
-      <p:pic>
-        <p:nvPicPr>
-          <p:cNvPr id="3" name="Picture 2" descr="An intuitive guide to Convolutional Neural Networks">
-            <a:extLst>
-              <a:ext uri="{FF2B5EF4-FFF2-40B4-BE49-F238E27FC236}">
-                <a16:creationId xmlns:a16="http://schemas.microsoft.com/office/drawing/2014/main" id="{CB6FCCCE-FBF9-31D9-25B8-103F22B1F994}"/>
-              </a:ext>
-            </a:extLst>
-          </p:cNvPr>
-          <p:cNvPicPr>
-            <a:picLocks noChangeAspect="1" noChangeArrowheads="1"/>
-          </p:cNvPicPr>
-          <p:nvPr/>
-        </p:nvPicPr>
-        <p:blipFill>
-          <a:blip r:embed="rId3">
-            <a:extLst>
-              <a:ext uri="{28A0092B-C50C-407E-A947-70E740481C1C}">
-                <a14:useLocalDpi xmlns:a14="http://schemas.microsoft.com/office/drawing/2010/main" val="0"/>
-              </a:ext>
-            </a:extLst>
-          </a:blip>
-          <a:srcRect/>
-          <a:stretch>
-            <a:fillRect/>
-          </a:stretch>
-        </p:blipFill>
-        <p:spPr bwMode="auto">
-          <a:xfrm>
-            <a:off x="8518657" y="6239"/>
-            <a:ext cx="2021251" cy="2297574"/>
-          </a:xfrm>
-          <a:prstGeom prst="rect">
-            <a:avLst/>
-          </a:prstGeom>
-          <a:noFill/>
-          <a:extLst>
-            <a:ext uri="{909E8E84-426E-40DD-AFC4-6F175D3DCCD1}">
-              <a14:hiddenFill xmlns:a14="http://schemas.microsoft.com/office/drawing/2010/main">
-                <a:solidFill>
-                  <a:srgbClr val="FFFFFF"/>
-                </a:solidFill>
-              </a14:hiddenFill>
-            </a:ext>
-          </a:extLst>
-        </p:spPr>
-      </p:pic>
-      <p:pic>
-        <p:nvPicPr>
-          <p:cNvPr id="2052" name="Picture 4" descr="Example of a Filter Applied to a Two-Dimensional Input to Create a Filter Map">
-            <a:extLst>
-              <a:ext uri="{FF2B5EF4-FFF2-40B4-BE49-F238E27FC236}">
-                <a16:creationId xmlns:a16="http://schemas.microsoft.com/office/drawing/2014/main" id="{63A9A0B2-76D0-5E70-0BCD-8E91361358C9}"/>
-              </a:ext>
-            </a:extLst>
-          </p:cNvPr>
-          <p:cNvPicPr>
-            <a:picLocks noChangeAspect="1" noChangeArrowheads="1"/>
-          </p:cNvPicPr>
-          <p:nvPr/>
-        </p:nvPicPr>
-        <p:blipFill>
-          <a:blip r:embed="rId4">
-            <a:extLst>
-              <a:ext uri="{28A0092B-C50C-407E-A947-70E740481C1C}">
-                <a14:useLocalDpi xmlns:a14="http://schemas.microsoft.com/office/drawing/2010/main" val="0"/>
-              </a:ext>
-            </a:extLst>
-          </a:blip>
-          <a:srcRect/>
-          <a:stretch>
-            <a:fillRect/>
-          </a:stretch>
-        </p:blipFill>
-        <p:spPr bwMode="auto">
-          <a:xfrm>
-            <a:off x="7964386" y="2303813"/>
-            <a:ext cx="3819710" cy="3819710"/>
-          </a:xfrm>
-          <a:prstGeom prst="rect">
-            <a:avLst/>
-          </a:prstGeom>
-          <a:noFill/>
-          <a:extLst>
-            <a:ext uri="{909E8E84-426E-40DD-AFC4-6F175D3DCCD1}">
-              <a14:hiddenFill xmlns:a14="http://schemas.microsoft.com/office/drawing/2010/main">
-                <a:solidFill>
-                  <a:srgbClr val="FFFFFF"/>
-                </a:solidFill>
-              </a14:hiddenFill>
-            </a:ext>
-          </a:extLst>
-        </p:spPr>
-      </p:pic>
-      <p:sp>
-        <p:nvSpPr>
-          <p:cNvPr id="4" name="TextBox 3">
-            <a:extLst>
-              <a:ext uri="{FF2B5EF4-FFF2-40B4-BE49-F238E27FC236}">
-                <a16:creationId xmlns:a16="http://schemas.microsoft.com/office/drawing/2014/main" id="{6CEFF733-E084-6853-F8C7-07BD3594FCDE}"/>
-              </a:ext>
-            </a:extLst>
-          </p:cNvPr>
-          <p:cNvSpPr txBox="1"/>
-          <p:nvPr/>
-        </p:nvSpPr>
-        <p:spPr>
-          <a:xfrm>
-            <a:off x="876822" y="1115395"/>
-            <a:ext cx="7087564" cy="4256705"/>
-          </a:xfrm>
-          <a:prstGeom prst="rect">
-            <a:avLst/>
-          </a:prstGeom>
-          <a:noFill/>
-        </p:spPr>
-        <p:txBody>
-          <a:bodyPr wrap="square" rtlCol="0">
-            <a:noAutofit/>
-          </a:bodyPr>
-          <a:lstStyle/>
-          <a:p>
-            <a:pPr marL="285750" indent="-285750">
-              <a:lnSpc>
-                <a:spcPct val="125000"/>
-              </a:lnSpc>
-              <a:buFont typeface="Wingdings" panose="05000000000000000000" pitchFamily="2" charset="2"/>
-              <a:buChar char="§"/>
-            </a:pPr>
-            <a:r>
-              <a:rPr lang="en-US" dirty="0">
-                <a:latin typeface="Gotham Narrow Book" pitchFamily="2" charset="0"/>
-              </a:rPr>
-              <a:t>Operating principles of the convolution layer (assuming that there is padding):</a:t>
-            </a:r>
-          </a:p>
-          <a:p>
-            <a:pPr marL="742950" lvl="1" indent="-285750">
-              <a:lnSpc>
-                <a:spcPct val="125000"/>
-              </a:lnSpc>
-              <a:buFont typeface="Wingdings" panose="05000000000000000000" pitchFamily="2" charset="2"/>
-              <a:buChar char="§"/>
-            </a:pPr>
-            <a:r>
-              <a:rPr lang="en-US" dirty="0">
-                <a:latin typeface="Gotham Narrow Book" pitchFamily="2" charset="0"/>
-              </a:rPr>
-              <a:t>First, the convolution operation between the input and the filter is executed. The result is a feature map.</a:t>
-            </a:r>
-          </a:p>
-          <a:p>
-            <a:pPr marL="742950" lvl="1" indent="-285750">
-              <a:lnSpc>
-                <a:spcPct val="125000"/>
-              </a:lnSpc>
-              <a:buFont typeface="Wingdings" panose="05000000000000000000" pitchFamily="2" charset="2"/>
-              <a:buChar char="§"/>
-            </a:pPr>
-            <a:r>
-              <a:rPr lang="en-US" dirty="0">
-                <a:latin typeface="Gotham Narrow Book" pitchFamily="2" charset="0"/>
-              </a:rPr>
-              <a:t>Next, each element of the feature map is subjected to the activation function. The result is an activation map.</a:t>
-            </a:r>
-          </a:p>
-          <a:p>
-            <a:pPr marL="742950" lvl="1" indent="-285750">
-              <a:lnSpc>
-                <a:spcPct val="125000"/>
-              </a:lnSpc>
-              <a:buFont typeface="Wingdings" panose="05000000000000000000" pitchFamily="2" charset="2"/>
-              <a:buChar char="§"/>
-            </a:pPr>
-            <a:endParaRPr lang="en-US" dirty="0">
-              <a:latin typeface="Gotham Narrow Book" pitchFamily="2" charset="0"/>
-            </a:endParaRPr>
-          </a:p>
-          <a:p>
-            <a:pPr marL="742950" lvl="1" indent="-285750">
-              <a:lnSpc>
-                <a:spcPct val="125000"/>
-              </a:lnSpc>
-              <a:buFont typeface="Wingdings" panose="05000000000000000000" pitchFamily="2" charset="2"/>
-              <a:buChar char="§"/>
-            </a:pPr>
-            <a:endParaRPr lang="en-US" dirty="0">
-              <a:latin typeface="Gotham Narrow Book" pitchFamily="2" charset="0"/>
-            </a:endParaRPr>
           </a:p>
         </p:txBody>
       </p:sp>
     </p:spTree>
     <p:extLst>
       <p:ext uri="{BB962C8B-B14F-4D97-AF65-F5344CB8AC3E}">
-        <p14:creationId xmlns:p14="http://schemas.microsoft.com/office/powerpoint/2010/main" val="3515194178"/>
+        <p14:creationId xmlns:p14="http://schemas.microsoft.com/office/powerpoint/2010/main" val="3538605473"/>
       </p:ext>
     </p:extLst>
   </p:cSld>
@@ -5952,572 +7237,6 @@
       </p:grpSpPr>
       <p:sp>
         <p:nvSpPr>
-          <p:cNvPr id="5" name="TextBox 4">
-            <a:extLst>
-              <a:ext uri="{FF2B5EF4-FFF2-40B4-BE49-F238E27FC236}">
-                <a16:creationId xmlns:a16="http://schemas.microsoft.com/office/drawing/2014/main" id="{44B7E921-4FB7-284B-9679-627B0D7126F5}"/>
-              </a:ext>
-            </a:extLst>
-          </p:cNvPr>
-          <p:cNvSpPr txBox="1"/>
-          <p:nvPr/>
-        </p:nvSpPr>
-        <p:spPr>
-          <a:xfrm>
-            <a:off x="571500" y="538619"/>
-            <a:ext cx="11040127" cy="461665"/>
-          </a:xfrm>
-          <a:prstGeom prst="rect">
-            <a:avLst/>
-          </a:prstGeom>
-          <a:noFill/>
-        </p:spPr>
-        <p:txBody>
-          <a:bodyPr wrap="square" rtlCol="0">
-            <a:spAutoFit/>
-          </a:bodyPr>
-          <a:lstStyle/>
-          <a:p>
-            <a:r>
-              <a:rPr lang="en-US" sz="2400" b="1" dirty="0">
-                <a:solidFill>
-                  <a:srgbClr val="63666A"/>
-                </a:solidFill>
-                <a:latin typeface="Gotham Narrow Bold" pitchFamily="2" charset="0"/>
-              </a:rPr>
-              <a:t>Convolution Layer (cont.)</a:t>
-            </a:r>
-          </a:p>
-        </p:txBody>
-      </p:sp>
-      <p:sp>
-        <p:nvSpPr>
-          <p:cNvPr id="4" name="TextBox 3">
-            <a:extLst>
-              <a:ext uri="{FF2B5EF4-FFF2-40B4-BE49-F238E27FC236}">
-                <a16:creationId xmlns:a16="http://schemas.microsoft.com/office/drawing/2014/main" id="{6CEFF733-E084-6853-F8C7-07BD3594FCDE}"/>
-              </a:ext>
-            </a:extLst>
-          </p:cNvPr>
-          <p:cNvSpPr txBox="1"/>
-          <p:nvPr/>
-        </p:nvSpPr>
-        <p:spPr>
-          <a:xfrm>
-            <a:off x="876821" y="1115395"/>
-            <a:ext cx="10734805" cy="4256705"/>
-          </a:xfrm>
-          <a:prstGeom prst="rect">
-            <a:avLst/>
-          </a:prstGeom>
-          <a:noFill/>
-        </p:spPr>
-        <p:txBody>
-          <a:bodyPr wrap="square" rtlCol="0">
-            <a:noAutofit/>
-          </a:bodyPr>
-          <a:lstStyle/>
-          <a:p>
-            <a:pPr marL="285750" indent="-285750">
-              <a:lnSpc>
-                <a:spcPct val="125000"/>
-              </a:lnSpc>
-              <a:buFont typeface="Wingdings" panose="05000000000000000000" pitchFamily="2" charset="2"/>
-              <a:buChar char="§"/>
-            </a:pPr>
-            <a:r>
-              <a:rPr lang="en-US" dirty="0">
-                <a:latin typeface="Gotham Narrow Book" pitchFamily="2" charset="0"/>
-              </a:rPr>
-              <a:t>How the convolutional layer is realized using memristor crossbar array:</a:t>
-            </a:r>
-          </a:p>
-          <a:p>
-            <a:pPr marL="742950" lvl="1" indent="-285750">
-              <a:lnSpc>
-                <a:spcPct val="125000"/>
-              </a:lnSpc>
-              <a:buFont typeface="Wingdings" panose="05000000000000000000" pitchFamily="2" charset="2"/>
-              <a:buChar char="§"/>
-            </a:pPr>
-            <a:r>
-              <a:rPr lang="en-US" dirty="0">
-                <a:latin typeface="Gotham Narrow Book" pitchFamily="2" charset="0"/>
-              </a:rPr>
-              <a:t>A compact memristor crossbar as a set of sliding windows that slide over input feature maps in turn to obtain the output feature map.</a:t>
-            </a:r>
-          </a:p>
-          <a:p>
-            <a:pPr marL="742950" lvl="1" indent="-285750">
-              <a:lnSpc>
-                <a:spcPct val="125000"/>
-              </a:lnSpc>
-              <a:buFont typeface="Wingdings" panose="05000000000000000000" pitchFamily="2" charset="2"/>
-              <a:buChar char="§"/>
-            </a:pPr>
-            <a:endParaRPr lang="en-US" dirty="0">
-              <a:latin typeface="Gotham Narrow Book" pitchFamily="2" charset="0"/>
-            </a:endParaRPr>
-          </a:p>
-          <a:p>
-            <a:pPr marL="742950" lvl="1" indent="-285750">
-              <a:lnSpc>
-                <a:spcPct val="125000"/>
-              </a:lnSpc>
-              <a:buFont typeface="Wingdings" panose="05000000000000000000" pitchFamily="2" charset="2"/>
-              <a:buChar char="§"/>
-            </a:pPr>
-            <a:endParaRPr lang="en-US" dirty="0">
-              <a:latin typeface="Gotham Narrow Book" pitchFamily="2" charset="0"/>
-            </a:endParaRPr>
-          </a:p>
-        </p:txBody>
-      </p:sp>
-      <p:pic>
-        <p:nvPicPr>
-          <p:cNvPr id="8" name="Picture 7">
-            <a:extLst>
-              <a:ext uri="{FF2B5EF4-FFF2-40B4-BE49-F238E27FC236}">
-                <a16:creationId xmlns:a16="http://schemas.microsoft.com/office/drawing/2014/main" id="{97EA5B01-9137-E043-45D1-401385E8E9C6}"/>
-              </a:ext>
-            </a:extLst>
-          </p:cNvPr>
-          <p:cNvPicPr>
-            <a:picLocks noChangeAspect="1"/>
-          </p:cNvPicPr>
-          <p:nvPr/>
-        </p:nvPicPr>
-        <p:blipFill>
-          <a:blip r:embed="rId3"/>
-          <a:stretch>
-            <a:fillRect/>
-          </a:stretch>
-        </p:blipFill>
-        <p:spPr>
-          <a:xfrm>
-            <a:off x="3744805" y="2305521"/>
-            <a:ext cx="4702390" cy="3508336"/>
-          </a:xfrm>
-          <a:prstGeom prst="rect">
-            <a:avLst/>
-          </a:prstGeom>
-        </p:spPr>
-      </p:pic>
-    </p:spTree>
-    <p:extLst>
-      <p:ext uri="{BB962C8B-B14F-4D97-AF65-F5344CB8AC3E}">
-        <p14:creationId xmlns:p14="http://schemas.microsoft.com/office/powerpoint/2010/main" val="3167726025"/>
-      </p:ext>
-    </p:extLst>
-  </p:cSld>
-  <p:clrMapOvr>
-    <a:masterClrMapping/>
-  </p:clrMapOvr>
-</p:sld>
-</file>
-
-<file path=ppt/slides/slide16.xml><?xml version="1.0" encoding="utf-8"?>
-<p:sld xmlns:a="http://schemas.openxmlformats.org/drawingml/2006/main" xmlns:r="http://schemas.openxmlformats.org/officeDocument/2006/relationships" xmlns:p="http://schemas.openxmlformats.org/presentationml/2006/main">
-  <p:cSld>
-    <p:bg>
-      <p:bgPr>
-        <a:blipFill dpi="0" rotWithShape="1">
-          <a:blip r:embed="rId2">
-            <a:lum/>
-          </a:blip>
-          <a:srcRect/>
-          <a:stretch>
-            <a:fillRect/>
-          </a:stretch>
-        </a:blipFill>
-        <a:effectLst/>
-      </p:bgPr>
-    </p:bg>
-    <p:spTree>
-      <p:nvGrpSpPr>
-        <p:cNvPr id="1" name=""/>
-        <p:cNvGrpSpPr/>
-        <p:nvPr/>
-      </p:nvGrpSpPr>
-      <p:grpSpPr>
-        <a:xfrm>
-          <a:off x="0" y="0"/>
-          <a:ext cx="0" cy="0"/>
-          <a:chOff x="0" y="0"/>
-          <a:chExt cx="0" cy="0"/>
-        </a:xfrm>
-      </p:grpSpPr>
-      <p:sp>
-        <p:nvSpPr>
-          <p:cNvPr id="5" name="TextBox 4">
-            <a:extLst>
-              <a:ext uri="{FF2B5EF4-FFF2-40B4-BE49-F238E27FC236}">
-                <a16:creationId xmlns:a16="http://schemas.microsoft.com/office/drawing/2014/main" id="{44B7E921-4FB7-284B-9679-627B0D7126F5}"/>
-              </a:ext>
-            </a:extLst>
-          </p:cNvPr>
-          <p:cNvSpPr txBox="1"/>
-          <p:nvPr/>
-        </p:nvSpPr>
-        <p:spPr>
-          <a:xfrm>
-            <a:off x="571500" y="538619"/>
-            <a:ext cx="11040127" cy="461665"/>
-          </a:xfrm>
-          <a:prstGeom prst="rect">
-            <a:avLst/>
-          </a:prstGeom>
-          <a:noFill/>
-        </p:spPr>
-        <p:txBody>
-          <a:bodyPr wrap="square" rtlCol="0">
-            <a:spAutoFit/>
-          </a:bodyPr>
-          <a:lstStyle/>
-          <a:p>
-            <a:r>
-              <a:rPr lang="en-US" sz="2400" b="1" dirty="0">
-                <a:solidFill>
-                  <a:srgbClr val="63666A"/>
-                </a:solidFill>
-                <a:latin typeface="Gotham Narrow Bold" pitchFamily="2" charset="0"/>
-              </a:rPr>
-              <a:t>Pooling Layer</a:t>
-            </a:r>
-          </a:p>
-        </p:txBody>
-      </p:sp>
-      <p:sp>
-        <p:nvSpPr>
-          <p:cNvPr id="4" name="TextBox 3">
-            <a:extLst>
-              <a:ext uri="{FF2B5EF4-FFF2-40B4-BE49-F238E27FC236}">
-                <a16:creationId xmlns:a16="http://schemas.microsoft.com/office/drawing/2014/main" id="{6CEFF733-E084-6853-F8C7-07BD3594FCDE}"/>
-              </a:ext>
-            </a:extLst>
-          </p:cNvPr>
-          <p:cNvSpPr txBox="1"/>
-          <p:nvPr/>
-        </p:nvSpPr>
-        <p:spPr>
-          <a:xfrm>
-            <a:off x="876821" y="1115395"/>
-            <a:ext cx="5219179" cy="4256705"/>
-          </a:xfrm>
-          <a:prstGeom prst="rect">
-            <a:avLst/>
-          </a:prstGeom>
-          <a:noFill/>
-        </p:spPr>
-        <p:txBody>
-          <a:bodyPr wrap="square" rtlCol="0">
-            <a:noAutofit/>
-          </a:bodyPr>
-          <a:lstStyle/>
-          <a:p>
-            <a:pPr marL="285750" indent="-285750">
-              <a:lnSpc>
-                <a:spcPct val="125000"/>
-              </a:lnSpc>
-              <a:buFont typeface="Wingdings" panose="05000000000000000000" pitchFamily="2" charset="2"/>
-              <a:buChar char="§"/>
-            </a:pPr>
-            <a:r>
-              <a:rPr lang="en-US" dirty="0">
-                <a:latin typeface="Gotham Narrow Book" pitchFamily="2" charset="0"/>
-              </a:rPr>
-              <a:t>Operating principles of the pooling layer (assuming that the pooling operation is averaging):</a:t>
-            </a:r>
-          </a:p>
-          <a:p>
-            <a:pPr marL="742950" lvl="1" indent="-285750">
-              <a:lnSpc>
-                <a:spcPct val="125000"/>
-              </a:lnSpc>
-              <a:buFont typeface="Wingdings" panose="05000000000000000000" pitchFamily="2" charset="2"/>
-              <a:buChar char="§"/>
-            </a:pPr>
-            <a:r>
-              <a:rPr lang="en-US" dirty="0">
-                <a:latin typeface="Gotham Narrow Book" pitchFamily="2" charset="0"/>
-              </a:rPr>
-              <a:t>The convolution operation between the input and the filter is executed. The result is a feature map.</a:t>
-            </a:r>
-          </a:p>
-          <a:p>
-            <a:pPr marL="742950" lvl="1" indent="-285750">
-              <a:lnSpc>
-                <a:spcPct val="125000"/>
-              </a:lnSpc>
-              <a:buFont typeface="Wingdings" panose="05000000000000000000" pitchFamily="2" charset="2"/>
-              <a:buChar char="§"/>
-            </a:pPr>
-            <a:r>
-              <a:rPr lang="en-US" dirty="0">
-                <a:latin typeface="Gotham Narrow Book" pitchFamily="2" charset="0"/>
-              </a:rPr>
-              <a:t>The main difference between the convolution layer and the pooling layer lies on their weights.</a:t>
-            </a:r>
-          </a:p>
-          <a:p>
-            <a:pPr marL="742950" lvl="1" indent="-285750">
-              <a:lnSpc>
-                <a:spcPct val="125000"/>
-              </a:lnSpc>
-              <a:buFont typeface="Wingdings" panose="05000000000000000000" pitchFamily="2" charset="2"/>
-              <a:buChar char="§"/>
-            </a:pPr>
-            <a:endParaRPr lang="en-US" dirty="0">
-              <a:latin typeface="Gotham Narrow Book" pitchFamily="2" charset="0"/>
-            </a:endParaRPr>
-          </a:p>
-          <a:p>
-            <a:pPr marL="742950" lvl="1" indent="-285750">
-              <a:lnSpc>
-                <a:spcPct val="125000"/>
-              </a:lnSpc>
-              <a:buFont typeface="Wingdings" panose="05000000000000000000" pitchFamily="2" charset="2"/>
-              <a:buChar char="§"/>
-            </a:pPr>
-            <a:endParaRPr lang="en-US" dirty="0">
-              <a:latin typeface="Gotham Narrow Book" pitchFamily="2" charset="0"/>
-            </a:endParaRPr>
-          </a:p>
-        </p:txBody>
-      </p:sp>
-      <p:pic>
-        <p:nvPicPr>
-          <p:cNvPr id="4098" name="Picture 2" descr="[AI] CNN(Convolutional Neural Network) 개념정리">
-            <a:extLst>
-              <a:ext uri="{FF2B5EF4-FFF2-40B4-BE49-F238E27FC236}">
-                <a16:creationId xmlns:a16="http://schemas.microsoft.com/office/drawing/2014/main" id="{C851CA1A-5A5A-AEDA-B8A7-61C9EE39D1E2}"/>
-              </a:ext>
-            </a:extLst>
-          </p:cNvPr>
-          <p:cNvPicPr>
-            <a:picLocks noChangeAspect="1" noChangeArrowheads="1"/>
-          </p:cNvPicPr>
-          <p:nvPr/>
-        </p:nvPicPr>
-        <p:blipFill>
-          <a:blip r:embed="rId3">
-            <a:extLst>
-              <a:ext uri="{28A0092B-C50C-407E-A947-70E740481C1C}">
-                <a14:useLocalDpi xmlns:a14="http://schemas.microsoft.com/office/drawing/2010/main" val="0"/>
-              </a:ext>
-            </a:extLst>
-          </a:blip>
-          <a:srcRect/>
-          <a:stretch>
-            <a:fillRect/>
-          </a:stretch>
-        </p:blipFill>
-        <p:spPr bwMode="auto">
-          <a:xfrm>
-            <a:off x="6403927" y="1358982"/>
-            <a:ext cx="5207647" cy="2328307"/>
-          </a:xfrm>
-          <a:prstGeom prst="rect">
-            <a:avLst/>
-          </a:prstGeom>
-          <a:noFill/>
-          <a:extLst>
-            <a:ext uri="{909E8E84-426E-40DD-AFC4-6F175D3DCCD1}">
-              <a14:hiddenFill xmlns:a14="http://schemas.microsoft.com/office/drawing/2010/main">
-                <a:solidFill>
-                  <a:srgbClr val="FFFFFF"/>
-                </a:solidFill>
-              </a14:hiddenFill>
-            </a:ext>
-          </a:extLst>
-        </p:spPr>
-      </p:pic>
-    </p:spTree>
-    <p:extLst>
-      <p:ext uri="{BB962C8B-B14F-4D97-AF65-F5344CB8AC3E}">
-        <p14:creationId xmlns:p14="http://schemas.microsoft.com/office/powerpoint/2010/main" val="1497912394"/>
-      </p:ext>
-    </p:extLst>
-  </p:cSld>
-  <p:clrMapOvr>
-    <a:masterClrMapping/>
-  </p:clrMapOvr>
-</p:sld>
-</file>
-
-<file path=ppt/slides/slide17.xml><?xml version="1.0" encoding="utf-8"?>
-<p:sld xmlns:a="http://schemas.openxmlformats.org/drawingml/2006/main" xmlns:r="http://schemas.openxmlformats.org/officeDocument/2006/relationships" xmlns:p="http://schemas.openxmlformats.org/presentationml/2006/main">
-  <p:cSld>
-    <p:bg>
-      <p:bgPr>
-        <a:blipFill dpi="0" rotWithShape="1">
-          <a:blip r:embed="rId2">
-            <a:lum/>
-          </a:blip>
-          <a:srcRect/>
-          <a:stretch>
-            <a:fillRect/>
-          </a:stretch>
-        </a:blipFill>
-        <a:effectLst/>
-      </p:bgPr>
-    </p:bg>
-    <p:spTree>
-      <p:nvGrpSpPr>
-        <p:cNvPr id="1" name=""/>
-        <p:cNvGrpSpPr/>
-        <p:nvPr/>
-      </p:nvGrpSpPr>
-      <p:grpSpPr>
-        <a:xfrm>
-          <a:off x="0" y="0"/>
-          <a:ext cx="0" cy="0"/>
-          <a:chOff x="0" y="0"/>
-          <a:chExt cx="0" cy="0"/>
-        </a:xfrm>
-      </p:grpSpPr>
-      <p:sp>
-        <p:nvSpPr>
-          <p:cNvPr id="5" name="TextBox 4">
-            <a:extLst>
-              <a:ext uri="{FF2B5EF4-FFF2-40B4-BE49-F238E27FC236}">
-                <a16:creationId xmlns:a16="http://schemas.microsoft.com/office/drawing/2014/main" id="{44B7E921-4FB7-284B-9679-627B0D7126F5}"/>
-              </a:ext>
-            </a:extLst>
-          </p:cNvPr>
-          <p:cNvSpPr txBox="1"/>
-          <p:nvPr/>
-        </p:nvSpPr>
-        <p:spPr>
-          <a:xfrm>
-            <a:off x="571500" y="538619"/>
-            <a:ext cx="11040127" cy="461665"/>
-          </a:xfrm>
-          <a:prstGeom prst="rect">
-            <a:avLst/>
-          </a:prstGeom>
-          <a:noFill/>
-        </p:spPr>
-        <p:txBody>
-          <a:bodyPr wrap="square" rtlCol="0">
-            <a:spAutoFit/>
-          </a:bodyPr>
-          <a:lstStyle/>
-          <a:p>
-            <a:r>
-              <a:rPr lang="en-US" sz="2400" b="1" dirty="0">
-                <a:solidFill>
-                  <a:srgbClr val="63666A"/>
-                </a:solidFill>
-                <a:latin typeface="Gotham Narrow Bold" pitchFamily="2" charset="0"/>
-              </a:rPr>
-              <a:t>Pooling Layer (cont.)</a:t>
-            </a:r>
-          </a:p>
-        </p:txBody>
-      </p:sp>
-      <p:sp>
-        <p:nvSpPr>
-          <p:cNvPr id="4" name="TextBox 3">
-            <a:extLst>
-              <a:ext uri="{FF2B5EF4-FFF2-40B4-BE49-F238E27FC236}">
-                <a16:creationId xmlns:a16="http://schemas.microsoft.com/office/drawing/2014/main" id="{6CEFF733-E084-6853-F8C7-07BD3594FCDE}"/>
-              </a:ext>
-            </a:extLst>
-          </p:cNvPr>
-          <p:cNvSpPr txBox="1"/>
-          <p:nvPr/>
-        </p:nvSpPr>
-        <p:spPr>
-          <a:xfrm>
-            <a:off x="876821" y="1115395"/>
-            <a:ext cx="10734806" cy="4256705"/>
-          </a:xfrm>
-          <a:prstGeom prst="rect">
-            <a:avLst/>
-          </a:prstGeom>
-          <a:noFill/>
-        </p:spPr>
-        <p:txBody>
-          <a:bodyPr wrap="square" rtlCol="0">
-            <a:noAutofit/>
-          </a:bodyPr>
-          <a:lstStyle/>
-          <a:p>
-            <a:pPr marL="285750" indent="-285750">
-              <a:lnSpc>
-                <a:spcPct val="125000"/>
-              </a:lnSpc>
-              <a:buFont typeface="Wingdings" panose="05000000000000000000" pitchFamily="2" charset="2"/>
-              <a:buChar char="§"/>
-            </a:pPr>
-            <a:r>
-              <a:rPr lang="en-US" dirty="0">
-                <a:latin typeface="Gotham Narrow Book" pitchFamily="2" charset="0"/>
-              </a:rPr>
-              <a:t>How the pooling layer is realized using memristor crossbar array:</a:t>
-            </a:r>
-          </a:p>
-          <a:p>
-            <a:pPr marL="742950" lvl="1" indent="-285750">
-              <a:lnSpc>
-                <a:spcPct val="125000"/>
-              </a:lnSpc>
-              <a:buFont typeface="Wingdings" panose="05000000000000000000" pitchFamily="2" charset="2"/>
-              <a:buChar char="§"/>
-            </a:pPr>
-            <a:endParaRPr lang="en-US" dirty="0">
-              <a:latin typeface="Gotham Narrow Book" pitchFamily="2" charset="0"/>
-            </a:endParaRPr>
-          </a:p>
-        </p:txBody>
-      </p:sp>
-    </p:spTree>
-    <p:extLst>
-      <p:ext uri="{BB962C8B-B14F-4D97-AF65-F5344CB8AC3E}">
-        <p14:creationId xmlns:p14="http://schemas.microsoft.com/office/powerpoint/2010/main" val="3048468621"/>
-      </p:ext>
-    </p:extLst>
-  </p:cSld>
-  <p:clrMapOvr>
-    <a:masterClrMapping/>
-  </p:clrMapOvr>
-</p:sld>
-</file>
-
-<file path=ppt/slides/slide2.xml><?xml version="1.0" encoding="utf-8"?>
-<p:sld xmlns:a="http://schemas.openxmlformats.org/drawingml/2006/main" xmlns:r="http://schemas.openxmlformats.org/officeDocument/2006/relationships" xmlns:p="http://schemas.openxmlformats.org/presentationml/2006/main">
-  <p:cSld>
-    <p:bg>
-      <p:bgPr>
-        <a:blipFill dpi="0" rotWithShape="1">
-          <a:blip r:embed="rId2">
-            <a:lum/>
-          </a:blip>
-          <a:srcRect/>
-          <a:stretch>
-            <a:fillRect/>
-          </a:stretch>
-        </a:blipFill>
-        <a:effectLst/>
-      </p:bgPr>
-    </p:bg>
-    <p:spTree>
-      <p:nvGrpSpPr>
-        <p:cNvPr id="1" name=""/>
-        <p:cNvGrpSpPr/>
-        <p:nvPr/>
-      </p:nvGrpSpPr>
-      <p:grpSpPr>
-        <a:xfrm>
-          <a:off x="0" y="0"/>
-          <a:ext cx="0" cy="0"/>
-          <a:chOff x="0" y="0"/>
-          <a:chExt cx="0" cy="0"/>
-        </a:xfrm>
-      </p:grpSpPr>
-      <p:sp>
-        <p:nvSpPr>
           <p:cNvPr id="4" name="TextBox 3">
             <a:extLst>
               <a:ext uri="{FF2B5EF4-FFF2-40B4-BE49-F238E27FC236}">
@@ -6570,23 +7289,9 @@
 </p:sld>
 </file>
 
-<file path=ppt/slides/slide3.xml><?xml version="1.0" encoding="utf-8"?>
+<file path=ppt/slides/slide16.xml><?xml version="1.0" encoding="utf-8"?>
 <p:sld xmlns:a="http://schemas.openxmlformats.org/drawingml/2006/main" xmlns:r="http://schemas.openxmlformats.org/officeDocument/2006/relationships" xmlns:p="http://schemas.openxmlformats.org/presentationml/2006/main">
   <p:cSld>
-    <p:bg>
-      <p:bgPr>
-        <a:blipFill dpi="0" rotWithShape="1">
-          <a:blip r:embed="rId2">
-            <a:lum/>
-          </a:blip>
-          <a:srcRect/>
-          <a:stretch>
-            <a:fillRect/>
-          </a:stretch>
-        </a:blipFill>
-        <a:effectLst/>
-      </p:bgPr>
-    </p:bg>
     <p:spTree>
       <p:nvGrpSpPr>
         <p:cNvPr id="1" name=""/>
@@ -7135,6 +7840,41 @@
           </a:extLst>
         </p:spPr>
       </p:pic>
+      <p:sp>
+        <p:nvSpPr>
+          <p:cNvPr id="2" name="TextBox 1">
+            <a:extLst>
+              <a:ext uri="{FF2B5EF4-FFF2-40B4-BE49-F238E27FC236}">
+                <a16:creationId xmlns:a16="http://schemas.microsoft.com/office/drawing/2014/main" id="{D898EE50-4C80-717D-A194-640DF74760A5}"/>
+              </a:ext>
+            </a:extLst>
+          </p:cNvPr>
+          <p:cNvSpPr txBox="1"/>
+          <p:nvPr/>
+        </p:nvSpPr>
+        <p:spPr>
+          <a:xfrm>
+            <a:off x="7952877" y="5885278"/>
+            <a:ext cx="3709065" cy="369332"/>
+          </a:xfrm>
+          <a:prstGeom prst="rect">
+            <a:avLst/>
+          </a:prstGeom>
+          <a:noFill/>
+        </p:spPr>
+        <p:txBody>
+          <a:bodyPr wrap="square" rtlCol="0">
+            <a:spAutoFit/>
+          </a:bodyPr>
+          <a:lstStyle/>
+          <a:p>
+            <a:r>
+              <a:rPr lang="en-US" dirty="0"/>
+              <a:t>Source: Montgomery (Wiley 2019) </a:t>
+            </a:r>
+          </a:p>
+        </p:txBody>
+      </p:sp>
     </p:spTree>
     <p:extLst>
       <p:ext uri="{BB962C8B-B14F-4D97-AF65-F5344CB8AC3E}">
@@ -7148,23 +7888,9 @@
 </p:sld>
 </file>
 
-<file path=ppt/slides/slide4.xml><?xml version="1.0" encoding="utf-8"?>
+<file path=ppt/slides/slide17.xml><?xml version="1.0" encoding="utf-8"?>
 <p:sld xmlns:a="http://schemas.openxmlformats.org/drawingml/2006/main" xmlns:r="http://schemas.openxmlformats.org/officeDocument/2006/relationships" xmlns:p="http://schemas.openxmlformats.org/presentationml/2006/main">
   <p:cSld>
-    <p:bg>
-      <p:bgPr>
-        <a:blipFill dpi="0" rotWithShape="1">
-          <a:blip r:embed="rId2">
-            <a:lum/>
-          </a:blip>
-          <a:srcRect/>
-          <a:stretch>
-            <a:fillRect/>
-          </a:stretch>
-        </a:blipFill>
-        <a:effectLst/>
-      </p:bgPr>
-    </p:bg>
     <p:spTree>
       <p:nvGrpSpPr>
         <p:cNvPr id="1" name=""/>
@@ -7278,7 +8004,7 @@
           <p:nvPr/>
         </p:nvPicPr>
         <p:blipFill>
-          <a:blip r:embed="rId3"/>
+          <a:blip r:embed="rId2"/>
           <a:stretch>
             <a:fillRect/>
           </a:stretch>
@@ -7306,23 +8032,9 @@
 </p:sld>
 </file>
 
-<file path=ppt/slides/slide5.xml><?xml version="1.0" encoding="utf-8"?>
+<file path=ppt/slides/slide18.xml><?xml version="1.0" encoding="utf-8"?>
 <p:sld xmlns:a="http://schemas.openxmlformats.org/drawingml/2006/main" xmlns:r="http://schemas.openxmlformats.org/officeDocument/2006/relationships" xmlns:p="http://schemas.openxmlformats.org/presentationml/2006/main">
   <p:cSld>
-    <p:bg>
-      <p:bgPr>
-        <a:blipFill dpi="0" rotWithShape="1">
-          <a:blip r:embed="rId2">
-            <a:lum/>
-          </a:blip>
-          <a:srcRect/>
-          <a:stretch>
-            <a:fillRect/>
-          </a:stretch>
-        </a:blipFill>
-        <a:effectLst/>
-      </p:bgPr>
-    </p:bg>
     <p:spTree>
       <p:nvGrpSpPr>
         <p:cNvPr id="1" name=""/>
@@ -7921,7 +8633,190 @@
 </p:sld>
 </file>
 
-<file path=ppt/slides/slide6.xml><?xml version="1.0" encoding="utf-8"?>
+<file path=ppt/slides/slide19.xml><?xml version="1.0" encoding="utf-8"?>
+<p:sld xmlns:a="http://schemas.openxmlformats.org/drawingml/2006/main" xmlns:r="http://schemas.openxmlformats.org/officeDocument/2006/relationships" xmlns:p="http://schemas.openxmlformats.org/presentationml/2006/main">
+  <p:cSld>
+    <p:spTree>
+      <p:nvGrpSpPr>
+        <p:cNvPr id="1" name=""/>
+        <p:cNvGrpSpPr/>
+        <p:nvPr/>
+      </p:nvGrpSpPr>
+      <p:grpSpPr>
+        <a:xfrm>
+          <a:off x="0" y="0"/>
+          <a:ext cx="0" cy="0"/>
+          <a:chOff x="0" y="0"/>
+          <a:chExt cx="0" cy="0"/>
+        </a:xfrm>
+      </p:grpSpPr>
+      <p:sp>
+        <p:nvSpPr>
+          <p:cNvPr id="5" name="TextBox 4">
+            <a:extLst>
+              <a:ext uri="{FF2B5EF4-FFF2-40B4-BE49-F238E27FC236}">
+                <a16:creationId xmlns:a16="http://schemas.microsoft.com/office/drawing/2014/main" id="{44B7E921-4FB7-284B-9679-627B0D7126F5}"/>
+              </a:ext>
+            </a:extLst>
+          </p:cNvPr>
+          <p:cNvSpPr txBox="1"/>
+          <p:nvPr/>
+        </p:nvSpPr>
+        <p:spPr>
+          <a:xfrm>
+            <a:off x="571500" y="522320"/>
+            <a:ext cx="11040127" cy="461665"/>
+          </a:xfrm>
+          <a:prstGeom prst="rect">
+            <a:avLst/>
+          </a:prstGeom>
+          <a:noFill/>
+        </p:spPr>
+        <p:txBody>
+          <a:bodyPr wrap="square" rtlCol="0">
+            <a:spAutoFit/>
+          </a:bodyPr>
+          <a:lstStyle/>
+          <a:p>
+            <a:r>
+              <a:rPr lang="en-US" sz="2400" b="1" dirty="0">
+                <a:solidFill>
+                  <a:srgbClr val="63666A"/>
+                </a:solidFill>
+                <a:latin typeface="Gotham Narrow Bold" pitchFamily="2" charset="0"/>
+              </a:rPr>
+              <a:t>Example (cont.)</a:t>
+            </a:r>
+          </a:p>
+        </p:txBody>
+      </p:sp>
+      <p:sp>
+        <p:nvSpPr>
+          <p:cNvPr id="3" name="TextBox 2">
+            <a:extLst>
+              <a:ext uri="{FF2B5EF4-FFF2-40B4-BE49-F238E27FC236}">
+                <a16:creationId xmlns:a16="http://schemas.microsoft.com/office/drawing/2014/main" id="{9DCB283D-F175-FEA0-9056-8F4585C5FCAB}"/>
+              </a:ext>
+            </a:extLst>
+          </p:cNvPr>
+          <p:cNvSpPr txBox="1"/>
+          <p:nvPr/>
+        </p:nvSpPr>
+        <p:spPr>
+          <a:xfrm>
+            <a:off x="872385" y="1115395"/>
+            <a:ext cx="5219178" cy="4256705"/>
+          </a:xfrm>
+          <a:prstGeom prst="rect">
+            <a:avLst/>
+          </a:prstGeom>
+          <a:noFill/>
+        </p:spPr>
+        <p:txBody>
+          <a:bodyPr wrap="square" rtlCol="0">
+            <a:noAutofit/>
+          </a:bodyPr>
+          <a:lstStyle/>
+          <a:p>
+            <a:pPr marL="285750" indent="-285750">
+              <a:lnSpc>
+                <a:spcPct val="125000"/>
+              </a:lnSpc>
+              <a:buFont typeface="Wingdings" panose="05000000000000000000" pitchFamily="2" charset="2"/>
+              <a:buChar char="§"/>
+            </a:pPr>
+            <a:r>
+              <a:rPr lang="en-US" dirty="0">
+                <a:latin typeface="Gotham Narrow Book" pitchFamily="2" charset="0"/>
+              </a:rPr>
+              <a:t>Code snippet:</a:t>
+            </a:r>
+          </a:p>
+          <a:p>
+            <a:pPr>
+              <a:lnSpc>
+                <a:spcPct val="125000"/>
+              </a:lnSpc>
+            </a:pPr>
+            <a:endParaRPr lang="en-US" dirty="0">
+              <a:latin typeface="Gotham Narrow Book" pitchFamily="2" charset="0"/>
+            </a:endParaRPr>
+          </a:p>
+        </p:txBody>
+      </p:sp>
+      <p:pic>
+        <p:nvPicPr>
+          <p:cNvPr id="7" name="Picture 6">
+            <a:extLst>
+              <a:ext uri="{FF2B5EF4-FFF2-40B4-BE49-F238E27FC236}">
+                <a16:creationId xmlns:a16="http://schemas.microsoft.com/office/drawing/2014/main" id="{98E33A24-BED1-FFC0-8A92-3D6CE99CA391}"/>
+              </a:ext>
+            </a:extLst>
+          </p:cNvPr>
+          <p:cNvPicPr>
+            <a:picLocks noChangeAspect="1"/>
+          </p:cNvPicPr>
+          <p:nvPr/>
+        </p:nvPicPr>
+        <p:blipFill rotWithShape="1">
+          <a:blip r:embed="rId2"/>
+          <a:srcRect r="29500"/>
+          <a:stretch/>
+        </p:blipFill>
+        <p:spPr>
+          <a:xfrm>
+            <a:off x="4719133" y="220124"/>
+            <a:ext cx="5749197" cy="1659132"/>
+          </a:xfrm>
+          <a:prstGeom prst="rect">
+            <a:avLst/>
+          </a:prstGeom>
+        </p:spPr>
+      </p:pic>
+      <p:pic>
+        <p:nvPicPr>
+          <p:cNvPr id="9" name="Picture 8">
+            <a:extLst>
+              <a:ext uri="{FF2B5EF4-FFF2-40B4-BE49-F238E27FC236}">
+                <a16:creationId xmlns:a16="http://schemas.microsoft.com/office/drawing/2014/main" id="{AE628CCD-B98B-FF34-CE22-74FAA680DED1}"/>
+              </a:ext>
+            </a:extLst>
+          </p:cNvPr>
+          <p:cNvPicPr>
+            <a:picLocks noChangeAspect="1"/>
+          </p:cNvPicPr>
+          <p:nvPr/>
+        </p:nvPicPr>
+        <p:blipFill>
+          <a:blip r:embed="rId3"/>
+          <a:stretch>
+            <a:fillRect/>
+          </a:stretch>
+        </p:blipFill>
+        <p:spPr>
+          <a:xfrm>
+            <a:off x="5535264" y="1916487"/>
+            <a:ext cx="4116934" cy="3926449"/>
+          </a:xfrm>
+          <a:prstGeom prst="rect">
+            <a:avLst/>
+          </a:prstGeom>
+        </p:spPr>
+      </p:pic>
+    </p:spTree>
+    <p:extLst>
+      <p:ext uri="{BB962C8B-B14F-4D97-AF65-F5344CB8AC3E}">
+        <p14:creationId xmlns:p14="http://schemas.microsoft.com/office/powerpoint/2010/main" val="1304093165"/>
+      </p:ext>
+    </p:extLst>
+  </p:cSld>
+  <p:clrMapOvr>
+    <a:masterClrMapping/>
+  </p:clrMapOvr>
+</p:sld>
+</file>
+
+<file path=ppt/slides/slide2.xml><?xml version="1.0" encoding="utf-8"?>
 <p:sld xmlns:a="http://schemas.openxmlformats.org/drawingml/2006/main" xmlns:r="http://schemas.openxmlformats.org/officeDocument/2006/relationships" xmlns:p="http://schemas.openxmlformats.org/presentationml/2006/main">
   <p:cSld>
     <p:bg>
@@ -7954,10 +8849,10 @@
       </p:grpSpPr>
       <p:sp>
         <p:nvSpPr>
-          <p:cNvPr id="5" name="TextBox 4">
-            <a:extLst>
-              <a:ext uri="{FF2B5EF4-FFF2-40B4-BE49-F238E27FC236}">
-                <a16:creationId xmlns:a16="http://schemas.microsoft.com/office/drawing/2014/main" id="{44B7E921-4FB7-284B-9679-627B0D7126F5}"/>
+          <p:cNvPr id="4" name="TextBox 3">
+            <a:extLst>
+              <a:ext uri="{FF2B5EF4-FFF2-40B4-BE49-F238E27FC236}">
+                <a16:creationId xmlns:a16="http://schemas.microsoft.com/office/drawing/2014/main" id="{8DD93D6E-F700-FB4D-8333-A087C39ACBA6}"/>
               </a:ext>
             </a:extLst>
           </p:cNvPr>
@@ -7966,8 +8861,8 @@
         </p:nvSpPr>
         <p:spPr>
           <a:xfrm>
-            <a:off x="571500" y="522320"/>
-            <a:ext cx="11040127" cy="461665"/>
+            <a:off x="584026" y="2898085"/>
+            <a:ext cx="11040127" cy="1061829"/>
           </a:xfrm>
           <a:prstGeom prst="rect">
             <a:avLst/>
@@ -7980,135 +8875,23 @@
           </a:bodyPr>
           <a:lstStyle/>
           <a:p>
+            <a:pPr algn="ctr"/>
             <a:r>
-              <a:rPr lang="en-US" sz="2400" b="1" dirty="0">
+              <a:rPr lang="en-US" sz="6300" dirty="0">
                 <a:solidFill>
-                  <a:srgbClr val="63666A"/>
+                  <a:srgbClr val="FB6400"/>
                 </a:solidFill>
-                <a:latin typeface="Gotham Narrow Bold" pitchFamily="2" charset="0"/>
+                <a:latin typeface="FjallaOne" panose="02000506040000020004" pitchFamily="2" charset="77"/>
               </a:rPr>
-              <a:t>Example (cont.)</a:t>
+              <a:t>Convolution Neural Network</a:t>
             </a:r>
           </a:p>
         </p:txBody>
       </p:sp>
-      <p:sp>
-        <p:nvSpPr>
-          <p:cNvPr id="3" name="TextBox 2">
-            <a:extLst>
-              <a:ext uri="{FF2B5EF4-FFF2-40B4-BE49-F238E27FC236}">
-                <a16:creationId xmlns:a16="http://schemas.microsoft.com/office/drawing/2014/main" id="{9DCB283D-F175-FEA0-9056-8F4585C5FCAB}"/>
-              </a:ext>
-            </a:extLst>
-          </p:cNvPr>
-          <p:cNvSpPr txBox="1"/>
-          <p:nvPr/>
-        </p:nvSpPr>
-        <p:spPr>
-          <a:xfrm>
-            <a:off x="872385" y="1115395"/>
-            <a:ext cx="5219178" cy="4256705"/>
-          </a:xfrm>
-          <a:prstGeom prst="rect">
-            <a:avLst/>
-          </a:prstGeom>
-          <a:noFill/>
-        </p:spPr>
-        <p:txBody>
-          <a:bodyPr wrap="square" rtlCol="0">
-            <a:noAutofit/>
-          </a:bodyPr>
-          <a:lstStyle/>
-          <a:p>
-            <a:pPr marL="285750" indent="-285750">
-              <a:lnSpc>
-                <a:spcPct val="125000"/>
-              </a:lnSpc>
-              <a:buFont typeface="Wingdings" panose="05000000000000000000" pitchFamily="2" charset="2"/>
-              <a:buChar char="§"/>
-            </a:pPr>
-            <a:r>
-              <a:rPr lang="en-US" dirty="0">
-                <a:latin typeface="Gotham Narrow Book" pitchFamily="2" charset="0"/>
-              </a:rPr>
-              <a:t>Code snippet:</a:t>
-            </a:r>
-          </a:p>
-          <a:p>
-            <a:pPr>
-              <a:lnSpc>
-                <a:spcPct val="125000"/>
-              </a:lnSpc>
-            </a:pPr>
-            <a:endParaRPr lang="en-US" dirty="0">
-              <a:latin typeface="Gotham Narrow Book" pitchFamily="2" charset="0"/>
-            </a:endParaRPr>
-          </a:p>
-        </p:txBody>
-      </p:sp>
-      <p:pic>
-        <p:nvPicPr>
-          <p:cNvPr id="7" name="Picture 6">
-            <a:extLst>
-              <a:ext uri="{FF2B5EF4-FFF2-40B4-BE49-F238E27FC236}">
-                <a16:creationId xmlns:a16="http://schemas.microsoft.com/office/drawing/2014/main" id="{98E33A24-BED1-FFC0-8A92-3D6CE99CA391}"/>
-              </a:ext>
-            </a:extLst>
-          </p:cNvPr>
-          <p:cNvPicPr>
-            <a:picLocks noChangeAspect="1"/>
-          </p:cNvPicPr>
-          <p:nvPr/>
-        </p:nvPicPr>
-        <p:blipFill rotWithShape="1">
-          <a:blip r:embed="rId3"/>
-          <a:srcRect r="29500"/>
-          <a:stretch/>
-        </p:blipFill>
-        <p:spPr>
-          <a:xfrm>
-            <a:off x="4719133" y="220124"/>
-            <a:ext cx="5749197" cy="1659132"/>
-          </a:xfrm>
-          <a:prstGeom prst="rect">
-            <a:avLst/>
-          </a:prstGeom>
-        </p:spPr>
-      </p:pic>
-      <p:pic>
-        <p:nvPicPr>
-          <p:cNvPr id="9" name="Picture 8">
-            <a:extLst>
-              <a:ext uri="{FF2B5EF4-FFF2-40B4-BE49-F238E27FC236}">
-                <a16:creationId xmlns:a16="http://schemas.microsoft.com/office/drawing/2014/main" id="{AE628CCD-B98B-FF34-CE22-74FAA680DED1}"/>
-              </a:ext>
-            </a:extLst>
-          </p:cNvPr>
-          <p:cNvPicPr>
-            <a:picLocks noChangeAspect="1"/>
-          </p:cNvPicPr>
-          <p:nvPr/>
-        </p:nvPicPr>
-        <p:blipFill>
-          <a:blip r:embed="rId4"/>
-          <a:stretch>
-            <a:fillRect/>
-          </a:stretch>
-        </p:blipFill>
-        <p:spPr>
-          <a:xfrm>
-            <a:off x="5535264" y="1916487"/>
-            <a:ext cx="4116934" cy="3926449"/>
-          </a:xfrm>
-          <a:prstGeom prst="rect">
-            <a:avLst/>
-          </a:prstGeom>
-        </p:spPr>
-      </p:pic>
     </p:spTree>
     <p:extLst>
       <p:ext uri="{BB962C8B-B14F-4D97-AF65-F5344CB8AC3E}">
-        <p14:creationId xmlns:p14="http://schemas.microsoft.com/office/powerpoint/2010/main" val="1304093165"/>
+        <p14:creationId xmlns:p14="http://schemas.microsoft.com/office/powerpoint/2010/main" val="2940678898"/>
       </p:ext>
     </p:extLst>
   </p:cSld>
@@ -8118,23 +8901,9 @@
 </p:sld>
 </file>
 
-<file path=ppt/slides/slide7.xml><?xml version="1.0" encoding="utf-8"?>
+<file path=ppt/slides/slide20.xml><?xml version="1.0" encoding="utf-8"?>
 <p:sld xmlns:a="http://schemas.openxmlformats.org/drawingml/2006/main" xmlns:r="http://schemas.openxmlformats.org/officeDocument/2006/relationships" xmlns:p="http://schemas.openxmlformats.org/presentationml/2006/main">
   <p:cSld>
-    <p:bg>
-      <p:bgPr>
-        <a:blipFill dpi="0" rotWithShape="1">
-          <a:blip r:embed="rId2">
-            <a:lum/>
-          </a:blip>
-          <a:srcRect/>
-          <a:stretch>
-            <a:fillRect/>
-          </a:stretch>
-        </a:blipFill>
-        <a:effectLst/>
-      </p:bgPr>
-    </p:bg>
     <p:spTree>
       <p:nvGrpSpPr>
         <p:cNvPr id="1" name=""/>
@@ -8164,7 +8933,7 @@
           <p:nvPr/>
         </p:nvPicPr>
         <p:blipFill>
-          <a:blip r:embed="rId3"/>
+          <a:blip r:embed="rId2"/>
           <a:stretch>
             <a:fillRect/>
           </a:stretch>
@@ -8296,23 +9065,9 @@
 </p:sld>
 </file>
 
-<file path=ppt/slides/slide8.xml><?xml version="1.0" encoding="utf-8"?>
+<file path=ppt/slides/slide21.xml><?xml version="1.0" encoding="utf-8"?>
 <p:sld xmlns:a="http://schemas.openxmlformats.org/drawingml/2006/main" xmlns:r="http://schemas.openxmlformats.org/officeDocument/2006/relationships" xmlns:p="http://schemas.openxmlformats.org/presentationml/2006/main">
   <p:cSld>
-    <p:bg>
-      <p:bgPr>
-        <a:blipFill dpi="0" rotWithShape="1">
-          <a:blip r:embed="rId2">
-            <a:lum/>
-          </a:blip>
-          <a:srcRect/>
-          <a:stretch>
-            <a:fillRect/>
-          </a:stretch>
-        </a:blipFill>
-        <a:effectLst/>
-      </p:bgPr>
-    </p:bg>
     <p:spTree>
       <p:nvGrpSpPr>
         <p:cNvPr id="1" name=""/>
@@ -8446,7 +9201,7 @@
           <p:nvPr/>
         </p:nvPicPr>
         <p:blipFill>
-          <a:blip r:embed="rId3"/>
+          <a:blip r:embed="rId2"/>
           <a:stretch>
             <a:fillRect/>
           </a:stretch>
@@ -8476,7 +9231,7 @@
           <p:nvPr/>
         </p:nvPicPr>
         <p:blipFill>
-          <a:blip r:embed="rId4"/>
+          <a:blip r:embed="rId3"/>
           <a:stretch>
             <a:fillRect/>
           </a:stretch>
@@ -8506,7 +9261,7 @@
           <p:nvPr/>
         </p:nvPicPr>
         <p:blipFill rotWithShape="1">
-          <a:blip r:embed="rId5"/>
+          <a:blip r:embed="rId4"/>
           <a:srcRect r="50000"/>
           <a:stretch/>
         </p:blipFill>
@@ -8535,7 +9290,7 @@
           <p:nvPr/>
         </p:nvPicPr>
         <p:blipFill rotWithShape="1">
-          <a:blip r:embed="rId5"/>
+          <a:blip r:embed="rId4"/>
           <a:srcRect l="50000"/>
           <a:stretch/>
         </p:blipFill>
@@ -8564,7 +9319,7 @@
           <p:nvPr/>
         </p:nvPicPr>
         <p:blipFill>
-          <a:blip r:embed="rId6"/>
+          <a:blip r:embed="rId5"/>
           <a:stretch>
             <a:fillRect/>
           </a:stretch>
@@ -8592,23 +9347,9 @@
 </p:sld>
 </file>
 
-<file path=ppt/slides/slide9.xml><?xml version="1.0" encoding="utf-8"?>
+<file path=ppt/slides/slide22.xml><?xml version="1.0" encoding="utf-8"?>
 <p:sld xmlns:a="http://schemas.openxmlformats.org/drawingml/2006/main" xmlns:r="http://schemas.openxmlformats.org/officeDocument/2006/relationships" xmlns:p="http://schemas.openxmlformats.org/presentationml/2006/main">
   <p:cSld>
-    <p:bg>
-      <p:bgPr>
-        <a:blipFill dpi="0" rotWithShape="1">
-          <a:blip r:embed="rId2">
-            <a:lum/>
-          </a:blip>
-          <a:srcRect/>
-          <a:stretch>
-            <a:fillRect/>
-          </a:stretch>
-        </a:blipFill>
-        <a:effectLst/>
-      </p:bgPr>
-    </p:bg>
     <p:spTree>
       <p:nvGrpSpPr>
         <p:cNvPr id="1" name=""/>
@@ -8742,7 +9483,7 @@
           <p:nvPr/>
         </p:nvPicPr>
         <p:blipFill>
-          <a:blip r:embed="rId3"/>
+          <a:blip r:embed="rId2"/>
           <a:stretch>
             <a:fillRect/>
           </a:stretch>
@@ -8772,7 +9513,7 @@
           <p:nvPr/>
         </p:nvPicPr>
         <p:blipFill>
-          <a:blip r:embed="rId4"/>
+          <a:blip r:embed="rId3"/>
           <a:stretch>
             <a:fillRect/>
           </a:stretch>
@@ -8802,7 +9543,7 @@
           <p:nvPr/>
         </p:nvPicPr>
         <p:blipFill rotWithShape="1">
-          <a:blip r:embed="rId5"/>
+          <a:blip r:embed="rId4"/>
           <a:srcRect r="50000"/>
           <a:stretch/>
         </p:blipFill>
@@ -8831,7 +9572,7 @@
           <p:nvPr/>
         </p:nvPicPr>
         <p:blipFill rotWithShape="1">
-          <a:blip r:embed="rId5"/>
+          <a:blip r:embed="rId4"/>
           <a:srcRect l="50000"/>
           <a:stretch/>
         </p:blipFill>
@@ -8860,7 +9601,7 @@
           <p:nvPr/>
         </p:nvPicPr>
         <p:blipFill>
-          <a:blip r:embed="rId6"/>
+          <a:blip r:embed="rId5"/>
           <a:stretch>
             <a:fillRect/>
           </a:stretch>
@@ -8879,6 +9620,3931 @@
     <p:extLst>
       <p:ext uri="{BB962C8B-B14F-4D97-AF65-F5344CB8AC3E}">
         <p14:creationId xmlns:p14="http://schemas.microsoft.com/office/powerpoint/2010/main" val="1009595425"/>
+      </p:ext>
+    </p:extLst>
+  </p:cSld>
+  <p:clrMapOvr>
+    <a:masterClrMapping/>
+  </p:clrMapOvr>
+</p:sld>
+</file>
+
+<file path=ppt/slides/slide23.xml><?xml version="1.0" encoding="utf-8"?>
+<p:sld xmlns:a="http://schemas.openxmlformats.org/drawingml/2006/main" xmlns:r="http://schemas.openxmlformats.org/officeDocument/2006/relationships" xmlns:p="http://schemas.openxmlformats.org/presentationml/2006/main">
+  <p:cSld>
+    <p:spTree>
+      <p:nvGrpSpPr>
+        <p:cNvPr id="1" name=""/>
+        <p:cNvGrpSpPr/>
+        <p:nvPr/>
+      </p:nvGrpSpPr>
+      <p:grpSpPr>
+        <a:xfrm>
+          <a:off x="0" y="0"/>
+          <a:ext cx="0" cy="0"/>
+          <a:chOff x="0" y="0"/>
+          <a:chExt cx="0" cy="0"/>
+        </a:xfrm>
+      </p:grpSpPr>
+      <p:sp>
+        <p:nvSpPr>
+          <p:cNvPr id="11" name="TextBox 10">
+            <a:extLst>
+              <a:ext uri="{FF2B5EF4-FFF2-40B4-BE49-F238E27FC236}">
+                <a16:creationId xmlns:a16="http://schemas.microsoft.com/office/drawing/2014/main" id="{DD074894-0E99-894A-9B1A-0D7C79F5F6D7}"/>
+              </a:ext>
+            </a:extLst>
+          </p:cNvPr>
+          <p:cNvSpPr txBox="1"/>
+          <p:nvPr/>
+        </p:nvSpPr>
+        <p:spPr>
+          <a:xfrm>
+            <a:off x="571500" y="538619"/>
+            <a:ext cx="11040127" cy="461665"/>
+          </a:xfrm>
+          <a:prstGeom prst="rect">
+            <a:avLst/>
+          </a:prstGeom>
+          <a:noFill/>
+        </p:spPr>
+        <p:txBody>
+          <a:bodyPr wrap="square" rtlCol="0">
+            <a:spAutoFit/>
+          </a:bodyPr>
+          <a:lstStyle/>
+          <a:p>
+            <a:r>
+              <a:rPr lang="en-US" sz="2400" b="1" dirty="0">
+                <a:solidFill>
+                  <a:srgbClr val="63666A"/>
+                </a:solidFill>
+                <a:latin typeface="Gotham Narrow Bold" pitchFamily="2" charset="0"/>
+              </a:rPr>
+              <a:t>Discussion</a:t>
+            </a:r>
+          </a:p>
+        </p:txBody>
+      </p:sp>
+      <p:sp>
+        <p:nvSpPr>
+          <p:cNvPr id="12" name="TextBox 11">
+            <a:extLst>
+              <a:ext uri="{FF2B5EF4-FFF2-40B4-BE49-F238E27FC236}">
+                <a16:creationId xmlns:a16="http://schemas.microsoft.com/office/drawing/2014/main" id="{B0E297CD-5450-7441-A033-60CDC02876B0}"/>
+              </a:ext>
+            </a:extLst>
+          </p:cNvPr>
+          <p:cNvSpPr txBox="1"/>
+          <p:nvPr/>
+        </p:nvSpPr>
+        <p:spPr>
+          <a:xfrm>
+            <a:off x="876822" y="1115395"/>
+            <a:ext cx="9704092" cy="4256705"/>
+          </a:xfrm>
+          <a:prstGeom prst="rect">
+            <a:avLst/>
+          </a:prstGeom>
+          <a:noFill/>
+        </p:spPr>
+        <p:txBody>
+          <a:bodyPr wrap="square" rtlCol="0">
+            <a:noAutofit/>
+          </a:bodyPr>
+          <a:lstStyle/>
+          <a:p>
+            <a:pPr marL="285750" indent="-285750">
+              <a:lnSpc>
+                <a:spcPct val="125000"/>
+              </a:lnSpc>
+              <a:buFont typeface="Wingdings" panose="05000000000000000000" pitchFamily="2" charset="2"/>
+              <a:buChar char="§"/>
+            </a:pPr>
+            <a:r>
+              <a:rPr lang="en-US" dirty="0">
+                <a:latin typeface="Gotham Narrow Book" pitchFamily="2" charset="0"/>
+              </a:rPr>
+              <a:t>Despite the promising performance of gradient descent for optimization, it is unlikely that it can be used for constrained optimization due to: </a:t>
+            </a:r>
+          </a:p>
+          <a:p>
+            <a:pPr marL="742950" lvl="1" indent="-285750">
+              <a:lnSpc>
+                <a:spcPct val="125000"/>
+              </a:lnSpc>
+              <a:buFont typeface="Wingdings" panose="05000000000000000000" pitchFamily="2" charset="2"/>
+              <a:buChar char="§"/>
+            </a:pPr>
+            <a:r>
+              <a:rPr lang="en-US" dirty="0">
+                <a:latin typeface="Gotham Narrow Book" pitchFamily="2" charset="0"/>
+              </a:rPr>
+              <a:t>The initial weights that we initialized may be </a:t>
+            </a:r>
+            <a:r>
+              <a:rPr lang="en-US" b="1" u="sng" dirty="0">
+                <a:latin typeface="Gotham Narrow Book" pitchFamily="2" charset="0"/>
+              </a:rPr>
+              <a:t>out of the feasible region</a:t>
+            </a:r>
+            <a:r>
+              <a:rPr lang="en-US" dirty="0">
+                <a:latin typeface="Gotham Narrow Book" pitchFamily="2" charset="0"/>
+              </a:rPr>
+              <a:t>.</a:t>
+            </a:r>
+          </a:p>
+          <a:p>
+            <a:pPr marL="742950" lvl="1" indent="-285750">
+              <a:lnSpc>
+                <a:spcPct val="125000"/>
+              </a:lnSpc>
+              <a:buFont typeface="Wingdings" panose="05000000000000000000" pitchFamily="2" charset="2"/>
+              <a:buChar char="§"/>
+            </a:pPr>
+            <a:r>
+              <a:rPr lang="en-US" b="1" u="sng" dirty="0">
+                <a:latin typeface="Gotham Narrow Book" pitchFamily="2" charset="0"/>
+              </a:rPr>
+              <a:t>Step-size selection</a:t>
+            </a:r>
+            <a:r>
+              <a:rPr lang="en-US" dirty="0">
+                <a:latin typeface="Gotham Narrow Book" pitchFamily="2" charset="0"/>
+              </a:rPr>
+              <a:t>. </a:t>
+            </a:r>
+          </a:p>
+          <a:p>
+            <a:pPr marL="1200150" lvl="2" indent="-285750">
+              <a:lnSpc>
+                <a:spcPct val="125000"/>
+              </a:lnSpc>
+              <a:buFont typeface="Wingdings" panose="05000000000000000000" pitchFamily="2" charset="2"/>
+              <a:buChar char="§"/>
+            </a:pPr>
+            <a:r>
+              <a:rPr lang="en-US" dirty="0">
+                <a:latin typeface="Gotham Narrow Book" pitchFamily="2" charset="0"/>
+              </a:rPr>
+              <a:t>Going back to the wire bonding example, the step size for the first factor (wire length) is different than that of die height.</a:t>
+            </a:r>
+          </a:p>
+          <a:p>
+            <a:pPr marL="1200150" lvl="2" indent="-285750">
+              <a:lnSpc>
+                <a:spcPct val="125000"/>
+              </a:lnSpc>
+              <a:buFont typeface="Wingdings" panose="05000000000000000000" pitchFamily="2" charset="2"/>
+              <a:buChar char="§"/>
+            </a:pPr>
+            <a:r>
+              <a:rPr lang="en-US" dirty="0">
+                <a:latin typeface="Gotham Narrow Book" pitchFamily="2" charset="0"/>
+              </a:rPr>
+              <a:t>When we selected these step sizes to be the same, our results were not optimal.</a:t>
+            </a:r>
+          </a:p>
+          <a:p>
+            <a:pPr marL="742950" lvl="1" indent="-285750">
+              <a:lnSpc>
+                <a:spcPct val="125000"/>
+              </a:lnSpc>
+              <a:buFont typeface="Wingdings" panose="05000000000000000000" pitchFamily="2" charset="2"/>
+              <a:buChar char="§"/>
+            </a:pPr>
+            <a:r>
+              <a:rPr lang="en-US" dirty="0">
+                <a:latin typeface="Gotham Narrow Book" pitchFamily="2" charset="0"/>
+              </a:rPr>
+              <a:t>The objective function </a:t>
+            </a:r>
+            <a:r>
+              <a:rPr lang="en-US" b="1" u="sng" dirty="0">
+                <a:latin typeface="Gotham Narrow Book" pitchFamily="2" charset="0"/>
+              </a:rPr>
+              <a:t>may not be differentiable</a:t>
+            </a:r>
+            <a:r>
+              <a:rPr lang="en-US" dirty="0">
+                <a:latin typeface="Gotham Narrow Book" pitchFamily="2" charset="0"/>
+              </a:rPr>
+              <a:t>.</a:t>
+            </a:r>
+          </a:p>
+          <a:p>
+            <a:pPr marL="742950" lvl="1" indent="-285750">
+              <a:lnSpc>
+                <a:spcPct val="125000"/>
+              </a:lnSpc>
+              <a:buFont typeface="Wingdings" panose="05000000000000000000" pitchFamily="2" charset="2"/>
+              <a:buChar char="§"/>
+            </a:pPr>
+            <a:endParaRPr lang="en-US" dirty="0">
+              <a:latin typeface="Gotham Narrow Book" pitchFamily="2" charset="0"/>
+            </a:endParaRPr>
+          </a:p>
+          <a:p>
+            <a:pPr marL="742950" lvl="1" indent="-285750">
+              <a:lnSpc>
+                <a:spcPct val="125000"/>
+              </a:lnSpc>
+              <a:buFont typeface="Wingdings" panose="05000000000000000000" pitchFamily="2" charset="2"/>
+              <a:buChar char="§"/>
+            </a:pPr>
+            <a:endParaRPr lang="en-US" dirty="0">
+              <a:latin typeface="Gotham Narrow Book" pitchFamily="2" charset="0"/>
+            </a:endParaRPr>
+          </a:p>
+        </p:txBody>
+      </p:sp>
+    </p:spTree>
+    <p:extLst>
+      <p:ext uri="{BB962C8B-B14F-4D97-AF65-F5344CB8AC3E}">
+        <p14:creationId xmlns:p14="http://schemas.microsoft.com/office/powerpoint/2010/main" val="1663129815"/>
+      </p:ext>
+    </p:extLst>
+  </p:cSld>
+  <p:clrMapOvr>
+    <a:masterClrMapping/>
+  </p:clrMapOvr>
+</p:sld>
+</file>
+
+<file path=ppt/slides/slide24.xml><?xml version="1.0" encoding="utf-8"?>
+<p:sld xmlns:a="http://schemas.openxmlformats.org/drawingml/2006/main" xmlns:r="http://schemas.openxmlformats.org/officeDocument/2006/relationships" xmlns:p="http://schemas.openxmlformats.org/presentationml/2006/main">
+  <p:cSld>
+    <p:spTree>
+      <p:nvGrpSpPr>
+        <p:cNvPr id="1" name=""/>
+        <p:cNvGrpSpPr/>
+        <p:nvPr/>
+      </p:nvGrpSpPr>
+      <p:grpSpPr>
+        <a:xfrm>
+          <a:off x="0" y="0"/>
+          <a:ext cx="0" cy="0"/>
+          <a:chOff x="0" y="0"/>
+          <a:chExt cx="0" cy="0"/>
+        </a:xfrm>
+      </p:grpSpPr>
+      <p:sp>
+        <p:nvSpPr>
+          <p:cNvPr id="4" name="TextBox 3">
+            <a:extLst>
+              <a:ext uri="{FF2B5EF4-FFF2-40B4-BE49-F238E27FC236}">
+                <a16:creationId xmlns:a16="http://schemas.microsoft.com/office/drawing/2014/main" id="{6F92F23E-7385-2D0C-1533-4D0DCDC86E6E}"/>
+              </a:ext>
+            </a:extLst>
+          </p:cNvPr>
+          <p:cNvSpPr txBox="1"/>
+          <p:nvPr/>
+        </p:nvSpPr>
+        <p:spPr>
+          <a:xfrm>
+            <a:off x="571500" y="538619"/>
+            <a:ext cx="11040127" cy="461665"/>
+          </a:xfrm>
+          <a:prstGeom prst="rect">
+            <a:avLst/>
+          </a:prstGeom>
+          <a:noFill/>
+        </p:spPr>
+        <p:txBody>
+          <a:bodyPr wrap="square" rtlCol="0">
+            <a:spAutoFit/>
+          </a:bodyPr>
+          <a:lstStyle/>
+          <a:p>
+            <a:r>
+              <a:rPr lang="en-US" sz="2400" b="1" dirty="0">
+                <a:solidFill>
+                  <a:srgbClr val="63666A"/>
+                </a:solidFill>
+                <a:latin typeface="Gotham Narrow Bold" pitchFamily="2" charset="0"/>
+              </a:rPr>
+              <a:t>Discussion (cont.)</a:t>
+            </a:r>
+          </a:p>
+        </p:txBody>
+      </p:sp>
+      <mc:AlternateContent xmlns:mc="http://schemas.openxmlformats.org/markup-compatibility/2006" xmlns:a14="http://schemas.microsoft.com/office/drawing/2010/main">
+        <mc:Choice Requires="a14">
+          <p:sp>
+            <p:nvSpPr>
+              <p:cNvPr id="5" name="TextBox 4">
+                <a:extLst>
+                  <a:ext uri="{FF2B5EF4-FFF2-40B4-BE49-F238E27FC236}">
+                    <a16:creationId xmlns:a16="http://schemas.microsoft.com/office/drawing/2014/main" id="{8AA6ACE7-ECE5-BC81-6E4A-8684BA811D83}"/>
+                  </a:ext>
+                </a:extLst>
+              </p:cNvPr>
+              <p:cNvSpPr txBox="1"/>
+              <p:nvPr/>
+            </p:nvSpPr>
+            <p:spPr>
+              <a:xfrm>
+                <a:off x="811508" y="1115395"/>
+                <a:ext cx="5219178" cy="4256705"/>
+              </a:xfrm>
+              <a:prstGeom prst="rect">
+                <a:avLst/>
+              </a:prstGeom>
+              <a:noFill/>
+            </p:spPr>
+            <p:txBody>
+              <a:bodyPr wrap="square" rtlCol="0">
+                <a:noAutofit/>
+              </a:bodyPr>
+              <a:lstStyle/>
+              <a:p>
+                <a:pPr marL="285750" indent="-285750">
+                  <a:lnSpc>
+                    <a:spcPct val="125000"/>
+                  </a:lnSpc>
+                  <a:buFont typeface="Wingdings" panose="05000000000000000000" pitchFamily="2" charset="2"/>
+                  <a:buChar char="§"/>
+                </a:pPr>
+                <a:r>
+                  <a:rPr lang="en-US" dirty="0">
+                    <a:latin typeface="Gotham Narrow Book" pitchFamily="2" charset="0"/>
+                  </a:rPr>
+                  <a:t>Consider the following linear programming problem:</a:t>
+                </a:r>
+              </a:p>
+              <a:p>
+                <a:pPr>
+                  <a:lnSpc>
+                    <a:spcPct val="125000"/>
+                  </a:lnSpc>
+                </a:pPr>
+                <a14:m>
+                  <m:oMathPara xmlns:m="http://schemas.openxmlformats.org/officeDocument/2006/math">
+                    <m:oMathParaPr>
+                      <m:jc m:val="centerGroup"/>
+                    </m:oMathParaPr>
+                    <m:oMath xmlns:m="http://schemas.openxmlformats.org/officeDocument/2006/math">
+                      <m:func>
+                        <m:funcPr>
+                          <m:ctrlPr>
+                            <a:rPr lang="en-US" b="0" i="1" smtClean="0">
+                              <a:latin typeface="Cambria Math" panose="02040503050406030204" pitchFamily="18" charset="0"/>
+                            </a:rPr>
+                          </m:ctrlPr>
+                        </m:funcPr>
+                        <m:fName>
+                          <m:r>
+                            <m:rPr>
+                              <m:sty m:val="p"/>
+                            </m:rPr>
+                            <a:rPr lang="en-US" b="0" i="0" smtClean="0">
+                              <a:latin typeface="Cambria Math" panose="02040503050406030204" pitchFamily="18" charset="0"/>
+                            </a:rPr>
+                            <m:t>max</m:t>
+                          </m:r>
+                        </m:fName>
+                        <m:e>
+                          <m:r>
+                            <a:rPr lang="en-US" b="0" i="1" smtClean="0">
+                              <a:latin typeface="Cambria Math" panose="02040503050406030204" pitchFamily="18" charset="0"/>
+                            </a:rPr>
+                            <m:t>𝑧</m:t>
+                          </m:r>
+                          <m:r>
+                            <a:rPr lang="en-US" b="0" i="1" smtClean="0">
+                              <a:latin typeface="Cambria Math" panose="02040503050406030204" pitchFamily="18" charset="0"/>
+                            </a:rPr>
+                            <m:t>=50</m:t>
+                          </m:r>
+                          <m:r>
+                            <a:rPr lang="en-US" b="0" i="1" smtClean="0">
+                              <a:latin typeface="Cambria Math" panose="02040503050406030204" pitchFamily="18" charset="0"/>
+                            </a:rPr>
+                            <m:t>𝑥</m:t>
+                          </m:r>
+                          <m:r>
+                            <a:rPr lang="en-US" b="0" i="1" smtClean="0">
+                              <a:latin typeface="Cambria Math" panose="02040503050406030204" pitchFamily="18" charset="0"/>
+                            </a:rPr>
+                            <m:t>+18</m:t>
+                          </m:r>
+                          <m:r>
+                            <a:rPr lang="en-US" b="0" i="1" smtClean="0">
+                              <a:latin typeface="Cambria Math" panose="02040503050406030204" pitchFamily="18" charset="0"/>
+                            </a:rPr>
+                            <m:t>𝑦</m:t>
+                          </m:r>
+                        </m:e>
+                      </m:func>
+                    </m:oMath>
+                  </m:oMathPara>
+                </a14:m>
+                <a:endParaRPr lang="en-US" b="0" dirty="0">
+                  <a:latin typeface="Gotham Narrow Book" pitchFamily="2" charset="0"/>
+                </a:endParaRPr>
+              </a:p>
+              <a:p>
+                <a:pPr>
+                  <a:lnSpc>
+                    <a:spcPct val="125000"/>
+                  </a:lnSpc>
+                </a:pPr>
+                <a:r>
+                  <a:rPr lang="en-US" dirty="0" err="1">
+                    <a:latin typeface="Gotham Narrow Book" pitchFamily="2" charset="0"/>
+                  </a:rPr>
+                  <a:t>s.t.</a:t>
+                </a:r>
+                <a:endParaRPr lang="en-US" dirty="0">
+                  <a:latin typeface="Gotham Narrow Book" pitchFamily="2" charset="0"/>
+                </a:endParaRPr>
+              </a:p>
+              <a:p>
+                <a:pPr>
+                  <a:lnSpc>
+                    <a:spcPct val="125000"/>
+                  </a:lnSpc>
+                </a:pPr>
+                <a14:m>
+                  <m:oMathPara xmlns:m="http://schemas.openxmlformats.org/officeDocument/2006/math">
+                    <m:oMathParaPr>
+                      <m:jc m:val="centerGroup"/>
+                    </m:oMathParaPr>
+                    <m:oMath xmlns:m="http://schemas.openxmlformats.org/officeDocument/2006/math">
+                      <m:d>
+                        <m:dPr>
+                          <m:begChr m:val="{"/>
+                          <m:endChr m:val=""/>
+                          <m:ctrlPr>
+                            <a:rPr lang="en-US" i="1" smtClean="0">
+                              <a:latin typeface="Cambria Math" panose="02040503050406030204" pitchFamily="18" charset="0"/>
+                            </a:rPr>
+                          </m:ctrlPr>
+                        </m:dPr>
+                        <m:e>
+                          <m:eqArr>
+                            <m:eqArrPr>
+                              <m:ctrlPr>
+                                <a:rPr lang="en-US" b="0" i="1" smtClean="0">
+                                  <a:latin typeface="Cambria Math" panose="02040503050406030204" pitchFamily="18" charset="0"/>
+                                </a:rPr>
+                              </m:ctrlPr>
+                            </m:eqArrPr>
+                            <m:e>
+                              <m:r>
+                                <a:rPr lang="en-US" b="0" i="1" smtClean="0">
+                                  <a:latin typeface="Cambria Math" panose="02040503050406030204" pitchFamily="18" charset="0"/>
+                                </a:rPr>
+                                <m:t>2</m:t>
+                              </m:r>
+                              <m:r>
+                                <a:rPr lang="en-US" b="0" i="1" smtClean="0">
+                                  <a:latin typeface="Cambria Math" panose="02040503050406030204" pitchFamily="18" charset="0"/>
+                                </a:rPr>
+                                <m:t>𝑥</m:t>
+                              </m:r>
+                              <m:r>
+                                <a:rPr lang="en-US" b="0" i="1" smtClean="0">
+                                  <a:latin typeface="Cambria Math" panose="02040503050406030204" pitchFamily="18" charset="0"/>
+                                </a:rPr>
+                                <m:t>+</m:t>
+                              </m:r>
+                              <m:r>
+                                <a:rPr lang="en-US" b="0" i="1" smtClean="0">
+                                  <a:latin typeface="Cambria Math" panose="02040503050406030204" pitchFamily="18" charset="0"/>
+                                </a:rPr>
+                                <m:t>𝑦</m:t>
+                              </m:r>
+                              <m:r>
+                                <a:rPr lang="en-US" b="0" i="1" smtClean="0">
+                                  <a:latin typeface="Cambria Math" panose="02040503050406030204" pitchFamily="18" charset="0"/>
+                                </a:rPr>
+                                <m:t>≤100</m:t>
+                              </m:r>
+                            </m:e>
+                            <m:e>
+                              <m:r>
+                                <a:rPr lang="en-US" b="0" i="1" smtClean="0">
+                                  <a:latin typeface="Cambria Math" panose="02040503050406030204" pitchFamily="18" charset="0"/>
+                                </a:rPr>
+                                <m:t>𝑥</m:t>
+                              </m:r>
+                              <m:r>
+                                <a:rPr lang="en-US" b="0" i="1" smtClean="0">
+                                  <a:latin typeface="Cambria Math" panose="02040503050406030204" pitchFamily="18" charset="0"/>
+                                </a:rPr>
+                                <m:t>+</m:t>
+                              </m:r>
+                              <m:r>
+                                <a:rPr lang="en-US" b="0" i="1" smtClean="0">
+                                  <a:latin typeface="Cambria Math" panose="02040503050406030204" pitchFamily="18" charset="0"/>
+                                </a:rPr>
+                                <m:t>𝑦</m:t>
+                              </m:r>
+                              <m:r>
+                                <a:rPr lang="en-US" b="0" i="1" smtClean="0">
+                                  <a:latin typeface="Cambria Math" panose="02040503050406030204" pitchFamily="18" charset="0"/>
+                                </a:rPr>
+                                <m:t>≤80</m:t>
+                              </m:r>
+                            </m:e>
+                            <m:e>
+                              <m:r>
+                                <a:rPr lang="en-US" b="0" i="1" smtClean="0">
+                                  <a:latin typeface="Cambria Math" panose="02040503050406030204" pitchFamily="18" charset="0"/>
+                                </a:rPr>
+                                <m:t>𝑥</m:t>
+                              </m:r>
+                              <m:r>
+                                <a:rPr lang="en-US" b="0" i="1" smtClean="0">
+                                  <a:latin typeface="Cambria Math" panose="02040503050406030204" pitchFamily="18" charset="0"/>
+                                </a:rPr>
+                                <m:t>≥0</m:t>
+                              </m:r>
+                            </m:e>
+                            <m:e>
+                              <m:r>
+                                <a:rPr lang="en-US" b="0" i="1" smtClean="0">
+                                  <a:latin typeface="Cambria Math" panose="02040503050406030204" pitchFamily="18" charset="0"/>
+                                </a:rPr>
+                                <m:t>𝑦</m:t>
+                              </m:r>
+                              <m:r>
+                                <a:rPr lang="en-US" b="0" i="1" smtClean="0">
+                                  <a:latin typeface="Cambria Math" panose="02040503050406030204" pitchFamily="18" charset="0"/>
+                                </a:rPr>
+                                <m:t>≥0</m:t>
+                              </m:r>
+                            </m:e>
+                          </m:eqArr>
+                        </m:e>
+                      </m:d>
+                    </m:oMath>
+                  </m:oMathPara>
+                </a14:m>
+                <a:endParaRPr lang="en-US" dirty="0">
+                  <a:latin typeface="Gotham Narrow Book" pitchFamily="2" charset="0"/>
+                </a:endParaRPr>
+              </a:p>
+              <a:p>
+                <a:pPr marL="742950" lvl="1" indent="-285750">
+                  <a:lnSpc>
+                    <a:spcPct val="125000"/>
+                  </a:lnSpc>
+                  <a:buFont typeface="Wingdings" panose="05000000000000000000" pitchFamily="2" charset="2"/>
+                  <a:buChar char="§"/>
+                </a:pPr>
+                <a:endParaRPr lang="en-US" dirty="0">
+                  <a:latin typeface="Gotham Narrow Book" pitchFamily="2" charset="0"/>
+                </a:endParaRPr>
+              </a:p>
+              <a:p>
+                <a:pPr marL="742950" lvl="1" indent="-285750">
+                  <a:lnSpc>
+                    <a:spcPct val="125000"/>
+                  </a:lnSpc>
+                  <a:buFont typeface="Wingdings" panose="05000000000000000000" pitchFamily="2" charset="2"/>
+                  <a:buChar char="§"/>
+                </a:pPr>
+                <a:endParaRPr lang="en-US" dirty="0">
+                  <a:latin typeface="Gotham Narrow Book" pitchFamily="2" charset="0"/>
+                </a:endParaRPr>
+              </a:p>
+            </p:txBody>
+          </p:sp>
+        </mc:Choice>
+        <mc:Fallback xmlns="">
+          <p:sp>
+            <p:nvSpPr>
+              <p:cNvPr id="5" name="TextBox 4">
+                <a:extLst>
+                  <a:ext uri="{FF2B5EF4-FFF2-40B4-BE49-F238E27FC236}">
+                    <a16:creationId xmlns:a16="http://schemas.microsoft.com/office/drawing/2014/main" id="{8AA6ACE7-ECE5-BC81-6E4A-8684BA811D83}"/>
+                  </a:ext>
+                </a:extLst>
+              </p:cNvPr>
+              <p:cNvSpPr txBox="1">
+                <a:spLocks noRot="1" noChangeAspect="1" noMove="1" noResize="1" noEditPoints="1" noAdjustHandles="1" noChangeArrowheads="1" noChangeShapeType="1" noTextEdit="1"/>
+              </p:cNvSpPr>
+              <p:nvPr/>
+            </p:nvSpPr>
+            <p:spPr>
+              <a:xfrm>
+                <a:off x="811508" y="1115395"/>
+                <a:ext cx="5219178" cy="4256705"/>
+              </a:xfrm>
+              <a:prstGeom prst="rect">
+                <a:avLst/>
+              </a:prstGeom>
+              <a:blipFill>
+                <a:blip r:embed="rId2"/>
+                <a:stretch>
+                  <a:fillRect l="-935" t="-143"/>
+                </a:stretch>
+              </a:blipFill>
+            </p:spPr>
+            <p:txBody>
+              <a:bodyPr/>
+              <a:lstStyle/>
+              <a:p>
+                <a:r>
+                  <a:rPr lang="en-US">
+                    <a:noFill/>
+                  </a:rPr>
+                  <a:t> </a:t>
+                </a:r>
+              </a:p>
+            </p:txBody>
+          </p:sp>
+        </mc:Fallback>
+      </mc:AlternateContent>
+      <p:pic>
+        <p:nvPicPr>
+          <p:cNvPr id="7" name="Picture 6">
+            <a:extLst>
+              <a:ext uri="{FF2B5EF4-FFF2-40B4-BE49-F238E27FC236}">
+                <a16:creationId xmlns:a16="http://schemas.microsoft.com/office/drawing/2014/main" id="{70C480FF-FD9C-EDBF-B59F-FE9683F3A04F}"/>
+              </a:ext>
+            </a:extLst>
+          </p:cNvPr>
+          <p:cNvPicPr>
+            <a:picLocks noChangeAspect="1"/>
+          </p:cNvPicPr>
+          <p:nvPr/>
+        </p:nvPicPr>
+        <p:blipFill>
+          <a:blip r:embed="rId3"/>
+          <a:stretch>
+            <a:fillRect/>
+          </a:stretch>
+        </p:blipFill>
+        <p:spPr>
+          <a:xfrm>
+            <a:off x="6030686" y="1485900"/>
+            <a:ext cx="5903692" cy="3521919"/>
+          </a:xfrm>
+          <a:prstGeom prst="rect">
+            <a:avLst/>
+          </a:prstGeom>
+        </p:spPr>
+      </p:pic>
+      <p:sp>
+        <p:nvSpPr>
+          <p:cNvPr id="13" name="TextBox 12">
+            <a:extLst>
+              <a:ext uri="{FF2B5EF4-FFF2-40B4-BE49-F238E27FC236}">
+                <a16:creationId xmlns:a16="http://schemas.microsoft.com/office/drawing/2014/main" id="{206F0997-9D26-C9EA-EA4B-CB441DF75166}"/>
+              </a:ext>
+            </a:extLst>
+          </p:cNvPr>
+          <p:cNvSpPr txBox="1"/>
+          <p:nvPr/>
+        </p:nvSpPr>
+        <p:spPr>
+          <a:xfrm>
+            <a:off x="8686800" y="2269067"/>
+            <a:ext cx="1801583" cy="369332"/>
+          </a:xfrm>
+          <a:prstGeom prst="rect">
+            <a:avLst/>
+          </a:prstGeom>
+          <a:solidFill>
+            <a:schemeClr val="bg1"/>
+          </a:solidFill>
+          <a:ln>
+            <a:solidFill>
+              <a:schemeClr val="tx1">
+                <a:lumMod val="95000"/>
+                <a:lumOff val="5000"/>
+              </a:schemeClr>
+            </a:solidFill>
+          </a:ln>
+        </p:spPr>
+        <p:txBody>
+          <a:bodyPr wrap="none" rtlCol="0">
+            <a:spAutoFit/>
+          </a:bodyPr>
+          <a:lstStyle/>
+          <a:p>
+            <a:r>
+              <a:rPr lang="en-US" dirty="0"/>
+              <a:t>unfeasible region</a:t>
+            </a:r>
+          </a:p>
+        </p:txBody>
+      </p:sp>
+      <p:sp>
+        <p:nvSpPr>
+          <p:cNvPr id="14" name="TextBox 13">
+            <a:extLst>
+              <a:ext uri="{FF2B5EF4-FFF2-40B4-BE49-F238E27FC236}">
+                <a16:creationId xmlns:a16="http://schemas.microsoft.com/office/drawing/2014/main" id="{E7F61238-7118-3AC7-920D-2D9E8A5DD61D}"/>
+              </a:ext>
+            </a:extLst>
+          </p:cNvPr>
+          <p:cNvSpPr txBox="1"/>
+          <p:nvPr/>
+        </p:nvSpPr>
+        <p:spPr>
+          <a:xfrm>
+            <a:off x="6536267" y="4279900"/>
+            <a:ext cx="1559273" cy="369332"/>
+          </a:xfrm>
+          <a:prstGeom prst="rect">
+            <a:avLst/>
+          </a:prstGeom>
+          <a:solidFill>
+            <a:schemeClr val="bg1"/>
+          </a:solidFill>
+          <a:ln>
+            <a:solidFill>
+              <a:schemeClr val="tx1">
+                <a:lumMod val="95000"/>
+                <a:lumOff val="5000"/>
+              </a:schemeClr>
+            </a:solidFill>
+          </a:ln>
+        </p:spPr>
+        <p:txBody>
+          <a:bodyPr wrap="none" rtlCol="0">
+            <a:spAutoFit/>
+          </a:bodyPr>
+          <a:lstStyle/>
+          <a:p>
+            <a:r>
+              <a:rPr lang="en-US" dirty="0"/>
+              <a:t>feasible region</a:t>
+            </a:r>
+          </a:p>
+        </p:txBody>
+      </p:sp>
+      <p:sp>
+        <p:nvSpPr>
+          <p:cNvPr id="2" name="Oval 1">
+            <a:extLst>
+              <a:ext uri="{FF2B5EF4-FFF2-40B4-BE49-F238E27FC236}">
+                <a16:creationId xmlns:a16="http://schemas.microsoft.com/office/drawing/2014/main" id="{989A0384-9EE4-CB41-BA8F-30A59507DBDC}"/>
+              </a:ext>
+            </a:extLst>
+          </p:cNvPr>
+          <p:cNvSpPr/>
+          <p:nvPr/>
+        </p:nvSpPr>
+        <p:spPr>
+          <a:xfrm>
+            <a:off x="6282047" y="2689761"/>
+            <a:ext cx="77189" cy="83127"/>
+          </a:xfrm>
+          <a:prstGeom prst="ellipse">
+            <a:avLst/>
+          </a:prstGeom>
+          <a:solidFill>
+            <a:srgbClr val="FF0000"/>
+          </a:solidFill>
+        </p:spPr>
+        <p:style>
+          <a:lnRef idx="2">
+            <a:schemeClr val="accent1">
+              <a:shade val="15000"/>
+            </a:schemeClr>
+          </a:lnRef>
+          <a:fillRef idx="1">
+            <a:schemeClr val="accent1"/>
+          </a:fillRef>
+          <a:effectRef idx="0">
+            <a:schemeClr val="accent1"/>
+          </a:effectRef>
+          <a:fontRef idx="minor">
+            <a:schemeClr val="lt1"/>
+          </a:fontRef>
+        </p:style>
+        <p:txBody>
+          <a:bodyPr rtlCol="0" anchor="ctr"/>
+          <a:lstStyle/>
+          <a:p>
+            <a:pPr algn="ctr"/>
+            <a:endParaRPr lang="en-US"/>
+          </a:p>
+        </p:txBody>
+      </p:sp>
+      <p:sp>
+        <p:nvSpPr>
+          <p:cNvPr id="3" name="Oval 2">
+            <a:extLst>
+              <a:ext uri="{FF2B5EF4-FFF2-40B4-BE49-F238E27FC236}">
+                <a16:creationId xmlns:a16="http://schemas.microsoft.com/office/drawing/2014/main" id="{F1B2F298-A67D-FD21-6643-3D0525BB15F1}"/>
+              </a:ext>
+            </a:extLst>
+          </p:cNvPr>
+          <p:cNvSpPr/>
+          <p:nvPr/>
+        </p:nvSpPr>
+        <p:spPr>
+          <a:xfrm>
+            <a:off x="7361547" y="3202183"/>
+            <a:ext cx="77189" cy="83127"/>
+          </a:xfrm>
+          <a:prstGeom prst="ellipse">
+            <a:avLst/>
+          </a:prstGeom>
+          <a:solidFill>
+            <a:srgbClr val="FF0000"/>
+          </a:solidFill>
+        </p:spPr>
+        <p:style>
+          <a:lnRef idx="2">
+            <a:schemeClr val="accent1">
+              <a:shade val="15000"/>
+            </a:schemeClr>
+          </a:lnRef>
+          <a:fillRef idx="1">
+            <a:schemeClr val="accent1"/>
+          </a:fillRef>
+          <a:effectRef idx="0">
+            <a:schemeClr val="accent1"/>
+          </a:effectRef>
+          <a:fontRef idx="minor">
+            <a:schemeClr val="lt1"/>
+          </a:fontRef>
+        </p:style>
+        <p:txBody>
+          <a:bodyPr rtlCol="0" anchor="ctr"/>
+          <a:lstStyle/>
+          <a:p>
+            <a:pPr algn="ctr"/>
+            <a:endParaRPr lang="en-US"/>
+          </a:p>
+        </p:txBody>
+      </p:sp>
+      <p:sp>
+        <p:nvSpPr>
+          <p:cNvPr id="6" name="Oval 5">
+            <a:extLst>
+              <a:ext uri="{FF2B5EF4-FFF2-40B4-BE49-F238E27FC236}">
+                <a16:creationId xmlns:a16="http://schemas.microsoft.com/office/drawing/2014/main" id="{28B0E7E8-3D97-1F3C-AB89-9D1B7675A1A9}"/>
+              </a:ext>
+            </a:extLst>
+          </p:cNvPr>
+          <p:cNvSpPr/>
+          <p:nvPr/>
+        </p:nvSpPr>
+        <p:spPr>
+          <a:xfrm>
+            <a:off x="9027787" y="4756663"/>
+            <a:ext cx="77189" cy="83127"/>
+          </a:xfrm>
+          <a:prstGeom prst="ellipse">
+            <a:avLst/>
+          </a:prstGeom>
+          <a:solidFill>
+            <a:srgbClr val="FF0000"/>
+          </a:solidFill>
+        </p:spPr>
+        <p:style>
+          <a:lnRef idx="2">
+            <a:schemeClr val="accent1">
+              <a:shade val="15000"/>
+            </a:schemeClr>
+          </a:lnRef>
+          <a:fillRef idx="1">
+            <a:schemeClr val="accent1"/>
+          </a:fillRef>
+          <a:effectRef idx="0">
+            <a:schemeClr val="accent1"/>
+          </a:effectRef>
+          <a:fontRef idx="minor">
+            <a:schemeClr val="lt1"/>
+          </a:fontRef>
+        </p:style>
+        <p:txBody>
+          <a:bodyPr rtlCol="0" anchor="ctr"/>
+          <a:lstStyle/>
+          <a:p>
+            <a:pPr algn="ctr"/>
+            <a:endParaRPr lang="en-US"/>
+          </a:p>
+        </p:txBody>
+      </p:sp>
+      <p:cxnSp>
+        <p:nvCxnSpPr>
+          <p:cNvPr id="9" name="Straight Connector 8">
+            <a:extLst>
+              <a:ext uri="{FF2B5EF4-FFF2-40B4-BE49-F238E27FC236}">
+                <a16:creationId xmlns:a16="http://schemas.microsoft.com/office/drawing/2014/main" id="{4E62ADFD-E7D1-FD37-C574-B92D2492877B}"/>
+              </a:ext>
+            </a:extLst>
+          </p:cNvPr>
+          <p:cNvCxnSpPr>
+            <a:cxnSpLocks/>
+            <a:stCxn id="2" idx="5"/>
+          </p:cNvCxnSpPr>
+          <p:nvPr/>
+        </p:nvCxnSpPr>
+        <p:spPr>
+          <a:xfrm>
+            <a:off x="6347932" y="2760714"/>
+            <a:ext cx="1047129" cy="2037512"/>
+          </a:xfrm>
+          <a:prstGeom prst="line">
+            <a:avLst/>
+          </a:prstGeom>
+          <a:ln w="19050">
+            <a:solidFill>
+              <a:srgbClr val="00B050"/>
+            </a:solidFill>
+          </a:ln>
+        </p:spPr>
+        <p:style>
+          <a:lnRef idx="1">
+            <a:schemeClr val="accent2"/>
+          </a:lnRef>
+          <a:fillRef idx="0">
+            <a:schemeClr val="accent2"/>
+          </a:fillRef>
+          <a:effectRef idx="0">
+            <a:schemeClr val="accent2"/>
+          </a:effectRef>
+          <a:fontRef idx="minor">
+            <a:schemeClr val="tx1"/>
+          </a:fontRef>
+        </p:style>
+      </p:cxnSp>
+      <mc:AlternateContent xmlns:mc="http://schemas.openxmlformats.org/markup-compatibility/2006" xmlns:a14="http://schemas.microsoft.com/office/drawing/2010/main">
+        <mc:Choice Requires="a14">
+          <p:sp>
+            <p:nvSpPr>
+              <p:cNvPr id="12" name="TextBox 11">
+                <a:extLst>
+                  <a:ext uri="{FF2B5EF4-FFF2-40B4-BE49-F238E27FC236}">
+                    <a16:creationId xmlns:a16="http://schemas.microsoft.com/office/drawing/2014/main" id="{E0338CE4-17F6-E336-5004-B86B72AEE58D}"/>
+                  </a:ext>
+                </a:extLst>
+              </p:cNvPr>
+              <p:cNvSpPr txBox="1"/>
+              <p:nvPr/>
+            </p:nvSpPr>
+            <p:spPr>
+              <a:xfrm>
+                <a:off x="6354628" y="884802"/>
+                <a:ext cx="5672963" cy="489814"/>
+              </a:xfrm>
+              <a:prstGeom prst="rect">
+                <a:avLst/>
+              </a:prstGeom>
+              <a:solidFill>
+                <a:schemeClr val="bg1"/>
+              </a:solidFill>
+              <a:ln>
+                <a:solidFill>
+                  <a:schemeClr val="tx1">
+                    <a:lumMod val="95000"/>
+                    <a:lumOff val="5000"/>
+                  </a:schemeClr>
+                </a:solidFill>
+              </a:ln>
+            </p:spPr>
+            <p:txBody>
+              <a:bodyPr wrap="none" rtlCol="0">
+                <a:spAutoFit/>
+              </a:bodyPr>
+              <a:lstStyle/>
+              <a:p>
+                <a:r>
+                  <a:rPr lang="en-US" dirty="0"/>
+                  <a:t>The line </a:t>
+                </a:r>
+                <a14:m>
+                  <m:oMath xmlns:m="http://schemas.openxmlformats.org/officeDocument/2006/math">
+                    <m:r>
+                      <a:rPr lang="en-US" b="0" i="1" smtClean="0">
+                        <a:latin typeface="Cambria Math" panose="02040503050406030204" pitchFamily="18" charset="0"/>
+                      </a:rPr>
+                      <m:t>𝑦</m:t>
+                    </m:r>
+                    <m:r>
+                      <a:rPr lang="en-US" b="0" i="1" smtClean="0">
+                        <a:latin typeface="Cambria Math" panose="02040503050406030204" pitchFamily="18" charset="0"/>
+                      </a:rPr>
+                      <m:t>=−</m:t>
+                    </m:r>
+                    <m:f>
+                      <m:fPr>
+                        <m:ctrlPr>
+                          <a:rPr lang="en-US" b="0" i="1" smtClean="0">
+                            <a:latin typeface="Cambria Math" panose="02040503050406030204" pitchFamily="18" charset="0"/>
+                          </a:rPr>
+                        </m:ctrlPr>
+                      </m:fPr>
+                      <m:num>
+                        <m:r>
+                          <a:rPr lang="en-US" b="0" i="1" smtClean="0">
+                            <a:latin typeface="Cambria Math" panose="02040503050406030204" pitchFamily="18" charset="0"/>
+                          </a:rPr>
+                          <m:t>50</m:t>
+                        </m:r>
+                      </m:num>
+                      <m:den>
+                        <m:r>
+                          <a:rPr lang="en-US" b="0" i="1" smtClean="0">
+                            <a:latin typeface="Cambria Math" panose="02040503050406030204" pitchFamily="18" charset="0"/>
+                          </a:rPr>
+                          <m:t>18</m:t>
+                        </m:r>
+                      </m:den>
+                    </m:f>
+                    <m:r>
+                      <a:rPr lang="en-US" b="0" i="1" smtClean="0">
+                        <a:latin typeface="Cambria Math" panose="02040503050406030204" pitchFamily="18" charset="0"/>
+                      </a:rPr>
+                      <m:t>𝑥</m:t>
+                    </m:r>
+                  </m:oMath>
+                </a14:m>
+                <a:r>
+                  <a:rPr lang="en-US" dirty="0"/>
+                  <a:t> is translating across the feasible region</a:t>
+                </a:r>
+              </a:p>
+            </p:txBody>
+          </p:sp>
+        </mc:Choice>
+        <mc:Fallback xmlns="">
+          <p:sp>
+            <p:nvSpPr>
+              <p:cNvPr id="12" name="TextBox 11">
+                <a:extLst>
+                  <a:ext uri="{FF2B5EF4-FFF2-40B4-BE49-F238E27FC236}">
+                    <a16:creationId xmlns:a16="http://schemas.microsoft.com/office/drawing/2014/main" id="{E0338CE4-17F6-E336-5004-B86B72AEE58D}"/>
+                  </a:ext>
+                </a:extLst>
+              </p:cNvPr>
+              <p:cNvSpPr txBox="1">
+                <a:spLocks noRot="1" noChangeAspect="1" noMove="1" noResize="1" noEditPoints="1" noAdjustHandles="1" noChangeArrowheads="1" noChangeShapeType="1" noTextEdit="1"/>
+              </p:cNvSpPr>
+              <p:nvPr/>
+            </p:nvSpPr>
+            <p:spPr>
+              <a:xfrm>
+                <a:off x="6354628" y="884802"/>
+                <a:ext cx="5672963" cy="489814"/>
+              </a:xfrm>
+              <a:prstGeom prst="rect">
+                <a:avLst/>
+              </a:prstGeom>
+              <a:blipFill>
+                <a:blip r:embed="rId4"/>
+                <a:stretch>
+                  <a:fillRect l="-750" b="-6098"/>
+                </a:stretch>
+              </a:blipFill>
+              <a:ln>
+                <a:solidFill>
+                  <a:schemeClr val="tx1">
+                    <a:lumMod val="95000"/>
+                    <a:lumOff val="5000"/>
+                  </a:schemeClr>
+                </a:solidFill>
+              </a:ln>
+            </p:spPr>
+            <p:txBody>
+              <a:bodyPr/>
+              <a:lstStyle/>
+              <a:p>
+                <a:r>
+                  <a:rPr lang="en-US">
+                    <a:noFill/>
+                  </a:rPr>
+                  <a:t> </a:t>
+                </a:r>
+              </a:p>
+            </p:txBody>
+          </p:sp>
+        </mc:Fallback>
+      </mc:AlternateContent>
+      <p:cxnSp>
+        <p:nvCxnSpPr>
+          <p:cNvPr id="16" name="Straight Arrow Connector 15">
+            <a:extLst>
+              <a:ext uri="{FF2B5EF4-FFF2-40B4-BE49-F238E27FC236}">
+                <a16:creationId xmlns:a16="http://schemas.microsoft.com/office/drawing/2014/main" id="{61E6571B-3315-5FB4-8C29-4386863BAD60}"/>
+              </a:ext>
+            </a:extLst>
+          </p:cNvPr>
+          <p:cNvCxnSpPr>
+            <a:cxnSpLocks/>
+            <a:stCxn id="12" idx="2"/>
+          </p:cNvCxnSpPr>
+          <p:nvPr/>
+        </p:nvCxnSpPr>
+        <p:spPr>
+          <a:xfrm flipH="1">
+            <a:off x="6624320" y="1374616"/>
+            <a:ext cx="2566790" cy="1827567"/>
+          </a:xfrm>
+          <a:prstGeom prst="straightConnector1">
+            <a:avLst/>
+          </a:prstGeom>
+          <a:ln w="12700">
+            <a:solidFill>
+              <a:srgbClr val="FB6400"/>
+            </a:solidFill>
+            <a:tailEnd type="triangle"/>
+          </a:ln>
+        </p:spPr>
+        <p:style>
+          <a:lnRef idx="1">
+            <a:schemeClr val="accent1"/>
+          </a:lnRef>
+          <a:fillRef idx="0">
+            <a:schemeClr val="accent1"/>
+          </a:fillRef>
+          <a:effectRef idx="0">
+            <a:schemeClr val="accent1"/>
+          </a:effectRef>
+          <a:fontRef idx="minor">
+            <a:schemeClr val="tx1"/>
+          </a:fontRef>
+        </p:style>
+      </p:cxnSp>
+    </p:spTree>
+    <p:extLst>
+      <p:ext uri="{BB962C8B-B14F-4D97-AF65-F5344CB8AC3E}">
+        <p14:creationId xmlns:p14="http://schemas.microsoft.com/office/powerpoint/2010/main" val="2050951475"/>
+      </p:ext>
+    </p:extLst>
+  </p:cSld>
+  <p:clrMapOvr>
+    <a:masterClrMapping/>
+  </p:clrMapOvr>
+</p:sld>
+</file>
+
+<file path=ppt/slides/slide3.xml><?xml version="1.0" encoding="utf-8"?>
+<p:sld xmlns:a="http://schemas.openxmlformats.org/drawingml/2006/main" xmlns:r="http://schemas.openxmlformats.org/officeDocument/2006/relationships" xmlns:p="http://schemas.openxmlformats.org/presentationml/2006/main">
+  <p:cSld>
+    <p:spTree>
+      <p:nvGrpSpPr>
+        <p:cNvPr id="1" name=""/>
+        <p:cNvGrpSpPr/>
+        <p:nvPr/>
+      </p:nvGrpSpPr>
+      <p:grpSpPr>
+        <a:xfrm>
+          <a:off x="0" y="0"/>
+          <a:ext cx="0" cy="0"/>
+          <a:chOff x="0" y="0"/>
+          <a:chExt cx="0" cy="0"/>
+        </a:xfrm>
+      </p:grpSpPr>
+      <p:sp>
+        <p:nvSpPr>
+          <p:cNvPr id="5" name="TextBox 4">
+            <a:extLst>
+              <a:ext uri="{FF2B5EF4-FFF2-40B4-BE49-F238E27FC236}">
+                <a16:creationId xmlns:a16="http://schemas.microsoft.com/office/drawing/2014/main" id="{44B7E921-4FB7-284B-9679-627B0D7126F5}"/>
+              </a:ext>
+            </a:extLst>
+          </p:cNvPr>
+          <p:cNvSpPr txBox="1"/>
+          <p:nvPr/>
+        </p:nvSpPr>
+        <p:spPr>
+          <a:xfrm>
+            <a:off x="571500" y="538619"/>
+            <a:ext cx="11040127" cy="461665"/>
+          </a:xfrm>
+          <a:prstGeom prst="rect">
+            <a:avLst/>
+          </a:prstGeom>
+          <a:noFill/>
+        </p:spPr>
+        <p:txBody>
+          <a:bodyPr wrap="square" rtlCol="0">
+            <a:spAutoFit/>
+          </a:bodyPr>
+          <a:lstStyle/>
+          <a:p>
+            <a:r>
+              <a:rPr lang="en-US" sz="2400" b="1" dirty="0">
+                <a:solidFill>
+                  <a:srgbClr val="63666A"/>
+                </a:solidFill>
+                <a:latin typeface="Gotham Narrow Bold" pitchFamily="2" charset="0"/>
+              </a:rPr>
+              <a:t>Architecture</a:t>
+            </a:r>
+          </a:p>
+        </p:txBody>
+      </p:sp>
+      <p:pic>
+        <p:nvPicPr>
+          <p:cNvPr id="4" name="Picture 2" descr="An overview of VGG16 and NiN models | by Khuyen Le | MLearning.ai | Medium">
+            <a:extLst>
+              <a:ext uri="{FF2B5EF4-FFF2-40B4-BE49-F238E27FC236}">
+                <a16:creationId xmlns:a16="http://schemas.microsoft.com/office/drawing/2014/main" id="{0F5C7299-0E51-637D-0A10-2F9970A61155}"/>
+              </a:ext>
+            </a:extLst>
+          </p:cNvPr>
+          <p:cNvPicPr>
+            <a:picLocks noChangeAspect="1" noChangeArrowheads="1"/>
+          </p:cNvPicPr>
+          <p:nvPr/>
+        </p:nvPicPr>
+        <p:blipFill>
+          <a:blip r:embed="rId2">
+            <a:extLst>
+              <a:ext uri="{28A0092B-C50C-407E-A947-70E740481C1C}">
+                <a14:useLocalDpi xmlns:a14="http://schemas.microsoft.com/office/drawing/2010/main" val="0"/>
+              </a:ext>
+            </a:extLst>
+          </a:blip>
+          <a:srcRect/>
+          <a:stretch>
+            <a:fillRect/>
+          </a:stretch>
+        </p:blipFill>
+        <p:spPr bwMode="auto">
+          <a:xfrm>
+            <a:off x="5765606" y="769451"/>
+            <a:ext cx="6101340" cy="3884715"/>
+          </a:xfrm>
+          <a:prstGeom prst="rect">
+            <a:avLst/>
+          </a:prstGeom>
+          <a:noFill/>
+          <a:extLst>
+            <a:ext uri="{909E8E84-426E-40DD-AFC4-6F175D3DCCD1}">
+              <a14:hiddenFill xmlns:a14="http://schemas.microsoft.com/office/drawing/2010/main">
+                <a:solidFill>
+                  <a:srgbClr val="FFFFFF"/>
+                </a:solidFill>
+              </a14:hiddenFill>
+            </a:ext>
+          </a:extLst>
+        </p:spPr>
+      </p:pic>
+      <p:sp>
+        <p:nvSpPr>
+          <p:cNvPr id="6" name="TextBox 5">
+            <a:extLst>
+              <a:ext uri="{FF2B5EF4-FFF2-40B4-BE49-F238E27FC236}">
+                <a16:creationId xmlns:a16="http://schemas.microsoft.com/office/drawing/2014/main" id="{16CE58D0-E20E-D5CA-6EA1-CAD05F957410}"/>
+              </a:ext>
+            </a:extLst>
+          </p:cNvPr>
+          <p:cNvSpPr txBox="1"/>
+          <p:nvPr/>
+        </p:nvSpPr>
+        <p:spPr>
+          <a:xfrm>
+            <a:off x="876822" y="1115395"/>
+            <a:ext cx="5219178" cy="4256705"/>
+          </a:xfrm>
+          <a:prstGeom prst="rect">
+            <a:avLst/>
+          </a:prstGeom>
+          <a:noFill/>
+        </p:spPr>
+        <p:txBody>
+          <a:bodyPr wrap="square" rtlCol="0">
+            <a:noAutofit/>
+          </a:bodyPr>
+          <a:lstStyle/>
+          <a:p>
+            <a:pPr marL="285750" indent="-285750">
+              <a:lnSpc>
+                <a:spcPct val="125000"/>
+              </a:lnSpc>
+              <a:buFont typeface="Wingdings" panose="05000000000000000000" pitchFamily="2" charset="2"/>
+              <a:buChar char="§"/>
+            </a:pPr>
+            <a:r>
+              <a:rPr lang="en-US" dirty="0">
+                <a:latin typeface="Gotham Narrow Book" pitchFamily="2" charset="0"/>
+              </a:rPr>
+              <a:t>Consider the architecture of VGG16, one of the basic CNN architectures, it has the following fundamental layers.</a:t>
+            </a:r>
+          </a:p>
+          <a:p>
+            <a:pPr marL="742950" lvl="1" indent="-285750">
+              <a:lnSpc>
+                <a:spcPct val="125000"/>
+              </a:lnSpc>
+              <a:buFont typeface="Wingdings" panose="05000000000000000000" pitchFamily="2" charset="2"/>
+              <a:buChar char="§"/>
+            </a:pPr>
+            <a:r>
+              <a:rPr lang="en-US" dirty="0">
+                <a:latin typeface="Gotham Narrow Book" pitchFamily="2" charset="0"/>
+              </a:rPr>
+              <a:t>Convolution layer.</a:t>
+            </a:r>
+          </a:p>
+          <a:p>
+            <a:pPr marL="742950" lvl="1" indent="-285750">
+              <a:lnSpc>
+                <a:spcPct val="125000"/>
+              </a:lnSpc>
+              <a:buFont typeface="Wingdings" panose="05000000000000000000" pitchFamily="2" charset="2"/>
+              <a:buChar char="§"/>
+            </a:pPr>
+            <a:r>
+              <a:rPr lang="en-US" dirty="0">
+                <a:latin typeface="Gotham Narrow Book" pitchFamily="2" charset="0"/>
+              </a:rPr>
+              <a:t>Pooling layer.</a:t>
+            </a:r>
+          </a:p>
+          <a:p>
+            <a:pPr marL="742950" lvl="1" indent="-285750">
+              <a:lnSpc>
+                <a:spcPct val="125000"/>
+              </a:lnSpc>
+              <a:buFont typeface="Wingdings" panose="05000000000000000000" pitchFamily="2" charset="2"/>
+              <a:buChar char="§"/>
+            </a:pPr>
+            <a:r>
+              <a:rPr lang="en-US" dirty="0">
+                <a:latin typeface="Gotham Narrow Book" pitchFamily="2" charset="0"/>
+              </a:rPr>
+              <a:t>Fully connected layer.</a:t>
+            </a:r>
+          </a:p>
+          <a:p>
+            <a:pPr marL="742950" lvl="1" indent="-285750">
+              <a:lnSpc>
+                <a:spcPct val="125000"/>
+              </a:lnSpc>
+              <a:buFont typeface="Wingdings" panose="05000000000000000000" pitchFamily="2" charset="2"/>
+              <a:buChar char="§"/>
+            </a:pPr>
+            <a:endParaRPr lang="en-US" dirty="0">
+              <a:latin typeface="Gotham Narrow Book" pitchFamily="2" charset="0"/>
+            </a:endParaRPr>
+          </a:p>
+          <a:p>
+            <a:pPr marL="742950" lvl="1" indent="-285750">
+              <a:lnSpc>
+                <a:spcPct val="125000"/>
+              </a:lnSpc>
+              <a:buFont typeface="Wingdings" panose="05000000000000000000" pitchFamily="2" charset="2"/>
+              <a:buChar char="§"/>
+            </a:pPr>
+            <a:endParaRPr lang="en-US" dirty="0">
+              <a:latin typeface="Gotham Narrow Book" pitchFamily="2" charset="0"/>
+            </a:endParaRPr>
+          </a:p>
+        </p:txBody>
+      </p:sp>
+      <p:sp>
+        <p:nvSpPr>
+          <p:cNvPr id="2" name="TextBox 1">
+            <a:extLst>
+              <a:ext uri="{FF2B5EF4-FFF2-40B4-BE49-F238E27FC236}">
+                <a16:creationId xmlns:a16="http://schemas.microsoft.com/office/drawing/2014/main" id="{57C4F96A-CF57-2FE1-0370-4623E6586D8A}"/>
+              </a:ext>
+            </a:extLst>
+          </p:cNvPr>
+          <p:cNvSpPr txBox="1"/>
+          <p:nvPr/>
+        </p:nvSpPr>
+        <p:spPr>
+          <a:xfrm>
+            <a:off x="7483475" y="4654166"/>
+            <a:ext cx="2665602" cy="369332"/>
+          </a:xfrm>
+          <a:prstGeom prst="rect">
+            <a:avLst/>
+          </a:prstGeom>
+          <a:noFill/>
+        </p:spPr>
+        <p:txBody>
+          <a:bodyPr wrap="none" rtlCol="0">
+            <a:spAutoFit/>
+          </a:bodyPr>
+          <a:lstStyle/>
+          <a:p>
+            <a:r>
+              <a:rPr lang="en-US" dirty="0"/>
+              <a:t>Architecture of the VGG16</a:t>
+            </a:r>
+          </a:p>
+        </p:txBody>
+      </p:sp>
+    </p:spTree>
+    <p:extLst>
+      <p:ext uri="{BB962C8B-B14F-4D97-AF65-F5344CB8AC3E}">
+        <p14:creationId xmlns:p14="http://schemas.microsoft.com/office/powerpoint/2010/main" val="2008436367"/>
+      </p:ext>
+    </p:extLst>
+  </p:cSld>
+  <p:clrMapOvr>
+    <a:masterClrMapping/>
+  </p:clrMapOvr>
+</p:sld>
+</file>
+
+<file path=ppt/slides/slide4.xml><?xml version="1.0" encoding="utf-8"?>
+<p:sld xmlns:a="http://schemas.openxmlformats.org/drawingml/2006/main" xmlns:r="http://schemas.openxmlformats.org/officeDocument/2006/relationships" xmlns:p="http://schemas.openxmlformats.org/presentationml/2006/main">
+  <p:cSld>
+    <p:spTree>
+      <p:nvGrpSpPr>
+        <p:cNvPr id="1" name=""/>
+        <p:cNvGrpSpPr/>
+        <p:nvPr/>
+      </p:nvGrpSpPr>
+      <p:grpSpPr>
+        <a:xfrm>
+          <a:off x="0" y="0"/>
+          <a:ext cx="0" cy="0"/>
+          <a:chOff x="0" y="0"/>
+          <a:chExt cx="0" cy="0"/>
+        </a:xfrm>
+      </p:grpSpPr>
+      <p:sp>
+        <p:nvSpPr>
+          <p:cNvPr id="5" name="TextBox 4">
+            <a:extLst>
+              <a:ext uri="{FF2B5EF4-FFF2-40B4-BE49-F238E27FC236}">
+                <a16:creationId xmlns:a16="http://schemas.microsoft.com/office/drawing/2014/main" id="{44B7E921-4FB7-284B-9679-627B0D7126F5}"/>
+              </a:ext>
+            </a:extLst>
+          </p:cNvPr>
+          <p:cNvSpPr txBox="1"/>
+          <p:nvPr/>
+        </p:nvSpPr>
+        <p:spPr>
+          <a:xfrm>
+            <a:off x="571500" y="538619"/>
+            <a:ext cx="11040127" cy="461665"/>
+          </a:xfrm>
+          <a:prstGeom prst="rect">
+            <a:avLst/>
+          </a:prstGeom>
+          <a:noFill/>
+        </p:spPr>
+        <p:txBody>
+          <a:bodyPr wrap="square" rtlCol="0">
+            <a:spAutoFit/>
+          </a:bodyPr>
+          <a:lstStyle/>
+          <a:p>
+            <a:r>
+              <a:rPr lang="en-US" sz="2400" b="1" dirty="0">
+                <a:solidFill>
+                  <a:srgbClr val="63666A"/>
+                </a:solidFill>
+                <a:latin typeface="Gotham Narrow Bold" pitchFamily="2" charset="0"/>
+              </a:rPr>
+              <a:t>Convolution Layer</a:t>
+            </a:r>
+          </a:p>
+        </p:txBody>
+      </p:sp>
+      <p:pic>
+        <p:nvPicPr>
+          <p:cNvPr id="3" name="Picture 2" descr="An intuitive guide to Convolutional Neural Networks">
+            <a:extLst>
+              <a:ext uri="{FF2B5EF4-FFF2-40B4-BE49-F238E27FC236}">
+                <a16:creationId xmlns:a16="http://schemas.microsoft.com/office/drawing/2014/main" id="{CB6FCCCE-FBF9-31D9-25B8-103F22B1F994}"/>
+              </a:ext>
+            </a:extLst>
+          </p:cNvPr>
+          <p:cNvPicPr>
+            <a:picLocks noChangeAspect="1" noChangeArrowheads="1"/>
+          </p:cNvPicPr>
+          <p:nvPr/>
+        </p:nvPicPr>
+        <p:blipFill>
+          <a:blip r:embed="rId2">
+            <a:extLst>
+              <a:ext uri="{28A0092B-C50C-407E-A947-70E740481C1C}">
+                <a14:useLocalDpi xmlns:a14="http://schemas.microsoft.com/office/drawing/2010/main" val="0"/>
+              </a:ext>
+            </a:extLst>
+          </a:blip>
+          <a:srcRect/>
+          <a:stretch>
+            <a:fillRect/>
+          </a:stretch>
+        </p:blipFill>
+        <p:spPr bwMode="auto">
+          <a:xfrm>
+            <a:off x="2368410" y="2954172"/>
+            <a:ext cx="2921221" cy="3320578"/>
+          </a:xfrm>
+          <a:prstGeom prst="rect">
+            <a:avLst/>
+          </a:prstGeom>
+          <a:noFill/>
+          <a:extLst>
+            <a:ext uri="{909E8E84-426E-40DD-AFC4-6F175D3DCCD1}">
+              <a14:hiddenFill xmlns:a14="http://schemas.microsoft.com/office/drawing/2010/main">
+                <a:solidFill>
+                  <a:srgbClr val="FFFFFF"/>
+                </a:solidFill>
+              </a14:hiddenFill>
+            </a:ext>
+          </a:extLst>
+        </p:spPr>
+      </p:pic>
+      <p:pic>
+        <p:nvPicPr>
+          <p:cNvPr id="2052" name="Picture 4" descr="Example of a Filter Applied to a Two-Dimensional Input to Create a Filter Map">
+            <a:extLst>
+              <a:ext uri="{FF2B5EF4-FFF2-40B4-BE49-F238E27FC236}">
+                <a16:creationId xmlns:a16="http://schemas.microsoft.com/office/drawing/2014/main" id="{63A9A0B2-76D0-5E70-0BCD-8E91361358C9}"/>
+              </a:ext>
+            </a:extLst>
+          </p:cNvPr>
+          <p:cNvPicPr>
+            <a:picLocks noChangeAspect="1" noChangeArrowheads="1"/>
+          </p:cNvPicPr>
+          <p:nvPr/>
+        </p:nvPicPr>
+        <p:blipFill>
+          <a:blip r:embed="rId3">
+            <a:extLst>
+              <a:ext uri="{28A0092B-C50C-407E-A947-70E740481C1C}">
+                <a14:useLocalDpi xmlns:a14="http://schemas.microsoft.com/office/drawing/2010/main" val="0"/>
+              </a:ext>
+            </a:extLst>
+          </a:blip>
+          <a:srcRect/>
+          <a:stretch>
+            <a:fillRect/>
+          </a:stretch>
+        </p:blipFill>
+        <p:spPr bwMode="auto">
+          <a:xfrm>
+            <a:off x="7495468" y="2758087"/>
+            <a:ext cx="3819710" cy="3819710"/>
+          </a:xfrm>
+          <a:prstGeom prst="rect">
+            <a:avLst/>
+          </a:prstGeom>
+          <a:noFill/>
+          <a:extLst>
+            <a:ext uri="{909E8E84-426E-40DD-AFC4-6F175D3DCCD1}">
+              <a14:hiddenFill xmlns:a14="http://schemas.microsoft.com/office/drawing/2010/main">
+                <a:solidFill>
+                  <a:srgbClr val="FFFFFF"/>
+                </a:solidFill>
+              </a14:hiddenFill>
+            </a:ext>
+          </a:extLst>
+        </p:spPr>
+      </p:pic>
+      <p:sp>
+        <p:nvSpPr>
+          <p:cNvPr id="4" name="TextBox 3">
+            <a:extLst>
+              <a:ext uri="{FF2B5EF4-FFF2-40B4-BE49-F238E27FC236}">
+                <a16:creationId xmlns:a16="http://schemas.microsoft.com/office/drawing/2014/main" id="{6CEFF733-E084-6853-F8C7-07BD3594FCDE}"/>
+              </a:ext>
+            </a:extLst>
+          </p:cNvPr>
+          <p:cNvSpPr txBox="1"/>
+          <p:nvPr/>
+        </p:nvSpPr>
+        <p:spPr>
+          <a:xfrm>
+            <a:off x="876822" y="1115395"/>
+            <a:ext cx="10907274" cy="4256705"/>
+          </a:xfrm>
+          <a:prstGeom prst="rect">
+            <a:avLst/>
+          </a:prstGeom>
+          <a:noFill/>
+        </p:spPr>
+        <p:txBody>
+          <a:bodyPr wrap="square" rtlCol="0">
+            <a:noAutofit/>
+          </a:bodyPr>
+          <a:lstStyle/>
+          <a:p>
+            <a:pPr marL="285750" indent="-285750">
+              <a:lnSpc>
+                <a:spcPct val="125000"/>
+              </a:lnSpc>
+              <a:buFont typeface="Wingdings" panose="05000000000000000000" pitchFamily="2" charset="2"/>
+              <a:buChar char="§"/>
+            </a:pPr>
+            <a:r>
+              <a:rPr lang="en-US" dirty="0">
+                <a:latin typeface="Gotham Narrow Book" pitchFamily="2" charset="0"/>
+              </a:rPr>
+              <a:t>Operating principles of the convolution layer (assuming that there is padding):</a:t>
+            </a:r>
+          </a:p>
+          <a:p>
+            <a:pPr marL="742950" lvl="1" indent="-285750">
+              <a:lnSpc>
+                <a:spcPct val="125000"/>
+              </a:lnSpc>
+              <a:buFont typeface="Wingdings" panose="05000000000000000000" pitchFamily="2" charset="2"/>
+              <a:buChar char="§"/>
+            </a:pPr>
+            <a:r>
+              <a:rPr lang="en-US" dirty="0">
+                <a:latin typeface="Gotham Narrow Book" pitchFamily="2" charset="0"/>
+              </a:rPr>
+              <a:t>First, the convolution operation between the input and the filter is executed. The result is a feature map.</a:t>
+            </a:r>
+          </a:p>
+          <a:p>
+            <a:pPr marL="742950" lvl="1" indent="-285750">
+              <a:lnSpc>
+                <a:spcPct val="125000"/>
+              </a:lnSpc>
+              <a:buFont typeface="Wingdings" panose="05000000000000000000" pitchFamily="2" charset="2"/>
+              <a:buChar char="§"/>
+            </a:pPr>
+            <a:r>
+              <a:rPr lang="en-US" dirty="0">
+                <a:latin typeface="Gotham Narrow Book" pitchFamily="2" charset="0"/>
+              </a:rPr>
+              <a:t>Next, each element of the feature map is subjected to the activation function. The result is an activation map.</a:t>
+            </a:r>
+          </a:p>
+          <a:p>
+            <a:pPr marL="742950" lvl="1" indent="-285750">
+              <a:lnSpc>
+                <a:spcPct val="125000"/>
+              </a:lnSpc>
+              <a:buFont typeface="Wingdings" panose="05000000000000000000" pitchFamily="2" charset="2"/>
+              <a:buChar char="§"/>
+            </a:pPr>
+            <a:endParaRPr lang="en-US" dirty="0">
+              <a:latin typeface="Gotham Narrow Book" pitchFamily="2" charset="0"/>
+            </a:endParaRPr>
+          </a:p>
+          <a:p>
+            <a:pPr marL="742950" lvl="1" indent="-285750">
+              <a:lnSpc>
+                <a:spcPct val="125000"/>
+              </a:lnSpc>
+              <a:buFont typeface="Wingdings" panose="05000000000000000000" pitchFamily="2" charset="2"/>
+              <a:buChar char="§"/>
+            </a:pPr>
+            <a:endParaRPr lang="en-US" dirty="0">
+              <a:latin typeface="Gotham Narrow Book" pitchFamily="2" charset="0"/>
+            </a:endParaRPr>
+          </a:p>
+        </p:txBody>
+      </p:sp>
+      <p:sp>
+        <p:nvSpPr>
+          <p:cNvPr id="2" name="TextBox 1">
+            <a:extLst>
+              <a:ext uri="{FF2B5EF4-FFF2-40B4-BE49-F238E27FC236}">
+                <a16:creationId xmlns:a16="http://schemas.microsoft.com/office/drawing/2014/main" id="{BA08EFFF-548B-D298-83D4-F978C39B7C01}"/>
+              </a:ext>
+            </a:extLst>
+          </p:cNvPr>
+          <p:cNvSpPr txBox="1"/>
+          <p:nvPr/>
+        </p:nvSpPr>
+        <p:spPr>
+          <a:xfrm>
+            <a:off x="2143924" y="6131651"/>
+            <a:ext cx="3370191" cy="646331"/>
+          </a:xfrm>
+          <a:prstGeom prst="rect">
+            <a:avLst/>
+          </a:prstGeom>
+          <a:noFill/>
+        </p:spPr>
+        <p:txBody>
+          <a:bodyPr wrap="square" rtlCol="0">
+            <a:spAutoFit/>
+          </a:bodyPr>
+          <a:lstStyle/>
+          <a:p>
+            <a:r>
+              <a:rPr lang="en-US" dirty="0"/>
+              <a:t>How the output feature map is created from the input </a:t>
+            </a:r>
+          </a:p>
+        </p:txBody>
+      </p:sp>
+      <p:cxnSp>
+        <p:nvCxnSpPr>
+          <p:cNvPr id="7" name="Straight Arrow Connector 6">
+            <a:extLst>
+              <a:ext uri="{FF2B5EF4-FFF2-40B4-BE49-F238E27FC236}">
+                <a16:creationId xmlns:a16="http://schemas.microsoft.com/office/drawing/2014/main" id="{DBDDEBE1-DEDB-0605-75B1-F0DC8BC039E0}"/>
+              </a:ext>
+            </a:extLst>
+          </p:cNvPr>
+          <p:cNvCxnSpPr>
+            <a:cxnSpLocks/>
+            <a:stCxn id="8" idx="3"/>
+          </p:cNvCxnSpPr>
+          <p:nvPr/>
+        </p:nvCxnSpPr>
+        <p:spPr>
+          <a:xfrm>
+            <a:off x="2143924" y="5140628"/>
+            <a:ext cx="1032725" cy="422962"/>
+          </a:xfrm>
+          <a:prstGeom prst="straightConnector1">
+            <a:avLst/>
+          </a:prstGeom>
+          <a:ln w="12700">
+            <a:tailEnd type="triangle"/>
+          </a:ln>
+        </p:spPr>
+        <p:style>
+          <a:lnRef idx="1">
+            <a:schemeClr val="accent2"/>
+          </a:lnRef>
+          <a:fillRef idx="0">
+            <a:schemeClr val="accent2"/>
+          </a:fillRef>
+          <a:effectRef idx="0">
+            <a:schemeClr val="accent2"/>
+          </a:effectRef>
+          <a:fontRef idx="minor">
+            <a:schemeClr val="tx1"/>
+          </a:fontRef>
+        </p:style>
+      </p:cxnSp>
+      <p:sp>
+        <p:nvSpPr>
+          <p:cNvPr id="8" name="TextBox 7">
+            <a:extLst>
+              <a:ext uri="{FF2B5EF4-FFF2-40B4-BE49-F238E27FC236}">
+                <a16:creationId xmlns:a16="http://schemas.microsoft.com/office/drawing/2014/main" id="{68C2C746-B8AF-C8C4-E25F-3C39FEFD2770}"/>
+              </a:ext>
+            </a:extLst>
+          </p:cNvPr>
+          <p:cNvSpPr txBox="1"/>
+          <p:nvPr/>
+        </p:nvSpPr>
+        <p:spPr>
+          <a:xfrm>
+            <a:off x="407904" y="4263465"/>
+            <a:ext cx="1736020" cy="1754326"/>
+          </a:xfrm>
+          <a:prstGeom prst="rect">
+            <a:avLst/>
+          </a:prstGeom>
+          <a:noFill/>
+        </p:spPr>
+        <p:txBody>
+          <a:bodyPr wrap="square" rtlCol="0">
+            <a:spAutoFit/>
+          </a:bodyPr>
+          <a:lstStyle/>
+          <a:p>
+            <a:r>
+              <a:rPr lang="en-US" dirty="0"/>
+              <a:t>We apply padding so that the input dimension and the output are the same</a:t>
+            </a:r>
+          </a:p>
+        </p:txBody>
+      </p:sp>
+    </p:spTree>
+    <p:extLst>
+      <p:ext uri="{BB962C8B-B14F-4D97-AF65-F5344CB8AC3E}">
+        <p14:creationId xmlns:p14="http://schemas.microsoft.com/office/powerpoint/2010/main" val="1416715288"/>
+      </p:ext>
+    </p:extLst>
+  </p:cSld>
+  <p:clrMapOvr>
+    <a:masterClrMapping/>
+  </p:clrMapOvr>
+</p:sld>
+</file>
+
+<file path=ppt/slides/slide5.xml><?xml version="1.0" encoding="utf-8"?>
+<p:sld xmlns:a="http://schemas.openxmlformats.org/drawingml/2006/main" xmlns:r="http://schemas.openxmlformats.org/officeDocument/2006/relationships" xmlns:p="http://schemas.openxmlformats.org/presentationml/2006/main">
+  <p:cSld>
+    <p:spTree>
+      <p:nvGrpSpPr>
+        <p:cNvPr id="1" name=""/>
+        <p:cNvGrpSpPr/>
+        <p:nvPr/>
+      </p:nvGrpSpPr>
+      <p:grpSpPr>
+        <a:xfrm>
+          <a:off x="0" y="0"/>
+          <a:ext cx="0" cy="0"/>
+          <a:chOff x="0" y="0"/>
+          <a:chExt cx="0" cy="0"/>
+        </a:xfrm>
+      </p:grpSpPr>
+      <p:sp>
+        <p:nvSpPr>
+          <p:cNvPr id="4" name="TextBox 3">
+            <a:extLst>
+              <a:ext uri="{FF2B5EF4-FFF2-40B4-BE49-F238E27FC236}">
+                <a16:creationId xmlns:a16="http://schemas.microsoft.com/office/drawing/2014/main" id="{24729218-F0FF-30B7-14D5-971461A701CB}"/>
+              </a:ext>
+            </a:extLst>
+          </p:cNvPr>
+          <p:cNvSpPr txBox="1"/>
+          <p:nvPr/>
+        </p:nvSpPr>
+        <p:spPr>
+          <a:xfrm>
+            <a:off x="571500" y="538619"/>
+            <a:ext cx="11040127" cy="461665"/>
+          </a:xfrm>
+          <a:prstGeom prst="rect">
+            <a:avLst/>
+          </a:prstGeom>
+          <a:noFill/>
+        </p:spPr>
+        <p:txBody>
+          <a:bodyPr wrap="square" rtlCol="0">
+            <a:spAutoFit/>
+          </a:bodyPr>
+          <a:lstStyle/>
+          <a:p>
+            <a:r>
+              <a:rPr lang="en-US" sz="2400" b="1">
+                <a:solidFill>
+                  <a:srgbClr val="63666A"/>
+                </a:solidFill>
+                <a:latin typeface="Gotham Narrow Bold" pitchFamily="2" charset="0"/>
+              </a:rPr>
+              <a:t>Convolution Layer (cont.)</a:t>
+            </a:r>
+            <a:endParaRPr lang="en-US" sz="2400" b="1" dirty="0">
+              <a:solidFill>
+                <a:srgbClr val="63666A"/>
+              </a:solidFill>
+              <a:latin typeface="Gotham Narrow Bold" pitchFamily="2" charset="0"/>
+            </a:endParaRPr>
+          </a:p>
+        </p:txBody>
+      </p:sp>
+      <p:pic>
+        <p:nvPicPr>
+          <p:cNvPr id="6" name="Picture 5">
+            <a:extLst>
+              <a:ext uri="{FF2B5EF4-FFF2-40B4-BE49-F238E27FC236}">
+                <a16:creationId xmlns:a16="http://schemas.microsoft.com/office/drawing/2014/main" id="{F5AF08FE-B668-A8E5-ACE2-C024355826FC}"/>
+              </a:ext>
+            </a:extLst>
+          </p:cNvPr>
+          <p:cNvPicPr>
+            <a:picLocks noChangeAspect="1"/>
+          </p:cNvPicPr>
+          <p:nvPr/>
+        </p:nvPicPr>
+        <p:blipFill>
+          <a:blip r:embed="rId2"/>
+          <a:stretch>
+            <a:fillRect/>
+          </a:stretch>
+        </p:blipFill>
+        <p:spPr>
+          <a:xfrm>
+            <a:off x="571501" y="1074245"/>
+            <a:ext cx="3776442" cy="1869533"/>
+          </a:xfrm>
+          <a:prstGeom prst="rect">
+            <a:avLst/>
+          </a:prstGeom>
+        </p:spPr>
+      </p:pic>
+      <p:pic>
+        <p:nvPicPr>
+          <p:cNvPr id="8" name="Picture 7">
+            <a:extLst>
+              <a:ext uri="{FF2B5EF4-FFF2-40B4-BE49-F238E27FC236}">
+                <a16:creationId xmlns:a16="http://schemas.microsoft.com/office/drawing/2014/main" id="{E9BAC5C2-EB1D-C9B8-F108-F9D89AEBA09A}"/>
+              </a:ext>
+            </a:extLst>
+          </p:cNvPr>
+          <p:cNvPicPr>
+            <a:picLocks noChangeAspect="1"/>
+          </p:cNvPicPr>
+          <p:nvPr/>
+        </p:nvPicPr>
+        <p:blipFill>
+          <a:blip r:embed="rId3"/>
+          <a:stretch>
+            <a:fillRect/>
+          </a:stretch>
+        </p:blipFill>
+        <p:spPr>
+          <a:xfrm>
+            <a:off x="4549177" y="1074245"/>
+            <a:ext cx="3146945" cy="1869534"/>
+          </a:xfrm>
+          <a:prstGeom prst="rect">
+            <a:avLst/>
+          </a:prstGeom>
+        </p:spPr>
+      </p:pic>
+      <p:pic>
+        <p:nvPicPr>
+          <p:cNvPr id="10" name="Picture 9">
+            <a:extLst>
+              <a:ext uri="{FF2B5EF4-FFF2-40B4-BE49-F238E27FC236}">
+                <a16:creationId xmlns:a16="http://schemas.microsoft.com/office/drawing/2014/main" id="{619F50F7-5B52-3577-4982-12A8F3F251FB}"/>
+              </a:ext>
+            </a:extLst>
+          </p:cNvPr>
+          <p:cNvPicPr>
+            <a:picLocks noChangeAspect="1"/>
+          </p:cNvPicPr>
+          <p:nvPr/>
+        </p:nvPicPr>
+        <p:blipFill>
+          <a:blip r:embed="rId4"/>
+          <a:stretch>
+            <a:fillRect/>
+          </a:stretch>
+        </p:blipFill>
+        <p:spPr>
+          <a:xfrm>
+            <a:off x="8404898" y="1074245"/>
+            <a:ext cx="3146945" cy="1869535"/>
+          </a:xfrm>
+          <a:prstGeom prst="rect">
+            <a:avLst/>
+          </a:prstGeom>
+        </p:spPr>
+      </p:pic>
+      <p:pic>
+        <p:nvPicPr>
+          <p:cNvPr id="12" name="Picture 11">
+            <a:extLst>
+              <a:ext uri="{FF2B5EF4-FFF2-40B4-BE49-F238E27FC236}">
+                <a16:creationId xmlns:a16="http://schemas.microsoft.com/office/drawing/2014/main" id="{CF959D8E-A6D2-BE40-E197-CE0DB142DAAF}"/>
+              </a:ext>
+            </a:extLst>
+          </p:cNvPr>
+          <p:cNvPicPr>
+            <a:picLocks noChangeAspect="1"/>
+          </p:cNvPicPr>
+          <p:nvPr/>
+        </p:nvPicPr>
+        <p:blipFill>
+          <a:blip r:embed="rId5"/>
+          <a:stretch>
+            <a:fillRect/>
+          </a:stretch>
+        </p:blipFill>
+        <p:spPr>
+          <a:xfrm>
+            <a:off x="1333255" y="3636953"/>
+            <a:ext cx="9525490" cy="2743341"/>
+          </a:xfrm>
+          <a:prstGeom prst="rect">
+            <a:avLst/>
+          </a:prstGeom>
+        </p:spPr>
+      </p:pic>
+      <p:sp>
+        <p:nvSpPr>
+          <p:cNvPr id="14" name="TextBox 13">
+            <a:extLst>
+              <a:ext uri="{FF2B5EF4-FFF2-40B4-BE49-F238E27FC236}">
+                <a16:creationId xmlns:a16="http://schemas.microsoft.com/office/drawing/2014/main" id="{EA7E4DD2-2C4A-6BE5-9A95-E8FAFF1FED74}"/>
+              </a:ext>
+            </a:extLst>
+          </p:cNvPr>
+          <p:cNvSpPr txBox="1"/>
+          <p:nvPr/>
+        </p:nvSpPr>
+        <p:spPr>
+          <a:xfrm>
+            <a:off x="2241553" y="2943778"/>
+            <a:ext cx="436338" cy="369332"/>
+          </a:xfrm>
+          <a:prstGeom prst="rect">
+            <a:avLst/>
+          </a:prstGeom>
+          <a:noFill/>
+        </p:spPr>
+        <p:txBody>
+          <a:bodyPr wrap="none" rtlCol="0">
+            <a:spAutoFit/>
+          </a:bodyPr>
+          <a:lstStyle/>
+          <a:p>
+            <a:r>
+              <a:rPr lang="en-US" dirty="0"/>
+              <a:t>(a)</a:t>
+            </a:r>
+          </a:p>
+        </p:txBody>
+      </p:sp>
+      <p:sp>
+        <p:nvSpPr>
+          <p:cNvPr id="16" name="TextBox 15">
+            <a:extLst>
+              <a:ext uri="{FF2B5EF4-FFF2-40B4-BE49-F238E27FC236}">
+                <a16:creationId xmlns:a16="http://schemas.microsoft.com/office/drawing/2014/main" id="{8B51B9A2-93A7-37AF-18CD-F1099BBE3670}"/>
+              </a:ext>
+            </a:extLst>
+          </p:cNvPr>
+          <p:cNvSpPr txBox="1"/>
+          <p:nvPr/>
+        </p:nvSpPr>
+        <p:spPr>
+          <a:xfrm>
+            <a:off x="6122649" y="2851715"/>
+            <a:ext cx="447558" cy="369332"/>
+          </a:xfrm>
+          <a:prstGeom prst="rect">
+            <a:avLst/>
+          </a:prstGeom>
+          <a:noFill/>
+        </p:spPr>
+        <p:txBody>
+          <a:bodyPr wrap="none" rtlCol="0">
+            <a:spAutoFit/>
+          </a:bodyPr>
+          <a:lstStyle/>
+          <a:p>
+            <a:r>
+              <a:rPr lang="en-US" dirty="0"/>
+              <a:t>(b)</a:t>
+            </a:r>
+          </a:p>
+        </p:txBody>
+      </p:sp>
+      <p:sp>
+        <p:nvSpPr>
+          <p:cNvPr id="17" name="TextBox 16">
+            <a:extLst>
+              <a:ext uri="{FF2B5EF4-FFF2-40B4-BE49-F238E27FC236}">
+                <a16:creationId xmlns:a16="http://schemas.microsoft.com/office/drawing/2014/main" id="{6393C83B-42FB-2A23-CA08-95DFBCCE4DFB}"/>
+              </a:ext>
+            </a:extLst>
+          </p:cNvPr>
+          <p:cNvSpPr txBox="1"/>
+          <p:nvPr/>
+        </p:nvSpPr>
+        <p:spPr>
+          <a:xfrm>
+            <a:off x="10014965" y="2851715"/>
+            <a:ext cx="423514" cy="369332"/>
+          </a:xfrm>
+          <a:prstGeom prst="rect">
+            <a:avLst/>
+          </a:prstGeom>
+          <a:noFill/>
+        </p:spPr>
+        <p:txBody>
+          <a:bodyPr wrap="none" rtlCol="0">
+            <a:spAutoFit/>
+          </a:bodyPr>
+          <a:lstStyle/>
+          <a:p>
+            <a:r>
+              <a:rPr lang="en-US" dirty="0"/>
+              <a:t>(c)</a:t>
+            </a:r>
+          </a:p>
+        </p:txBody>
+      </p:sp>
+    </p:spTree>
+    <p:extLst>
+      <p:ext uri="{BB962C8B-B14F-4D97-AF65-F5344CB8AC3E}">
+        <p14:creationId xmlns:p14="http://schemas.microsoft.com/office/powerpoint/2010/main" val="1143209542"/>
+      </p:ext>
+    </p:extLst>
+  </p:cSld>
+  <p:clrMapOvr>
+    <a:masterClrMapping/>
+  </p:clrMapOvr>
+</p:sld>
+</file>
+
+<file path=ppt/slides/slide6.xml><?xml version="1.0" encoding="utf-8"?>
+<p:sld xmlns:a="http://schemas.openxmlformats.org/drawingml/2006/main" xmlns:r="http://schemas.openxmlformats.org/officeDocument/2006/relationships" xmlns:p="http://schemas.openxmlformats.org/presentationml/2006/main">
+  <p:cSld>
+    <p:spTree>
+      <p:nvGrpSpPr>
+        <p:cNvPr id="1" name=""/>
+        <p:cNvGrpSpPr/>
+        <p:nvPr/>
+      </p:nvGrpSpPr>
+      <p:grpSpPr>
+        <a:xfrm>
+          <a:off x="0" y="0"/>
+          <a:ext cx="0" cy="0"/>
+          <a:chOff x="0" y="0"/>
+          <a:chExt cx="0" cy="0"/>
+        </a:xfrm>
+      </p:grpSpPr>
+      <p:sp>
+        <p:nvSpPr>
+          <p:cNvPr id="5" name="TextBox 4">
+            <a:extLst>
+              <a:ext uri="{FF2B5EF4-FFF2-40B4-BE49-F238E27FC236}">
+                <a16:creationId xmlns:a16="http://schemas.microsoft.com/office/drawing/2014/main" id="{44B7E921-4FB7-284B-9679-627B0D7126F5}"/>
+              </a:ext>
+            </a:extLst>
+          </p:cNvPr>
+          <p:cNvSpPr txBox="1"/>
+          <p:nvPr/>
+        </p:nvSpPr>
+        <p:spPr>
+          <a:xfrm>
+            <a:off x="571500" y="538619"/>
+            <a:ext cx="11040127" cy="461665"/>
+          </a:xfrm>
+          <a:prstGeom prst="rect">
+            <a:avLst/>
+          </a:prstGeom>
+          <a:noFill/>
+        </p:spPr>
+        <p:txBody>
+          <a:bodyPr wrap="square" rtlCol="0">
+            <a:spAutoFit/>
+          </a:bodyPr>
+          <a:lstStyle/>
+          <a:p>
+            <a:r>
+              <a:rPr lang="en-US" sz="2400" b="1" dirty="0">
+                <a:solidFill>
+                  <a:srgbClr val="63666A"/>
+                </a:solidFill>
+                <a:latin typeface="Gotham Narrow Bold" pitchFamily="2" charset="0"/>
+              </a:rPr>
+              <a:t>Convolution Layer (cont.)</a:t>
+            </a:r>
+          </a:p>
+        </p:txBody>
+      </p:sp>
+      <p:sp>
+        <p:nvSpPr>
+          <p:cNvPr id="4" name="TextBox 3">
+            <a:extLst>
+              <a:ext uri="{FF2B5EF4-FFF2-40B4-BE49-F238E27FC236}">
+                <a16:creationId xmlns:a16="http://schemas.microsoft.com/office/drawing/2014/main" id="{6CEFF733-E084-6853-F8C7-07BD3594FCDE}"/>
+              </a:ext>
+            </a:extLst>
+          </p:cNvPr>
+          <p:cNvSpPr txBox="1"/>
+          <p:nvPr/>
+        </p:nvSpPr>
+        <p:spPr>
+          <a:xfrm>
+            <a:off x="876821" y="1115395"/>
+            <a:ext cx="10734805" cy="4256705"/>
+          </a:xfrm>
+          <a:prstGeom prst="rect">
+            <a:avLst/>
+          </a:prstGeom>
+          <a:noFill/>
+        </p:spPr>
+        <p:txBody>
+          <a:bodyPr wrap="square" rtlCol="0">
+            <a:noAutofit/>
+          </a:bodyPr>
+          <a:lstStyle/>
+          <a:p>
+            <a:pPr marL="285750" indent="-285750">
+              <a:lnSpc>
+                <a:spcPct val="125000"/>
+              </a:lnSpc>
+              <a:buFont typeface="Wingdings" panose="05000000000000000000" pitchFamily="2" charset="2"/>
+              <a:buChar char="§"/>
+            </a:pPr>
+            <a:r>
+              <a:rPr lang="en-US" dirty="0">
+                <a:latin typeface="Gotham Narrow Book" pitchFamily="2" charset="0"/>
+              </a:rPr>
+              <a:t>How the convolutional layer is realized using memristor crossbar array:</a:t>
+            </a:r>
+          </a:p>
+          <a:p>
+            <a:pPr marL="742950" lvl="1" indent="-285750">
+              <a:lnSpc>
+                <a:spcPct val="125000"/>
+              </a:lnSpc>
+              <a:buFont typeface="Wingdings" panose="05000000000000000000" pitchFamily="2" charset="2"/>
+              <a:buChar char="§"/>
+            </a:pPr>
+            <a:r>
+              <a:rPr lang="en-US" dirty="0">
+                <a:latin typeface="Gotham Narrow Book" pitchFamily="2" charset="0"/>
+              </a:rPr>
+              <a:t>A compact memristor crossbar as a set of sliding windows that slide over input feature maps in turn to obtain the output feature map.</a:t>
+            </a:r>
+          </a:p>
+          <a:p>
+            <a:pPr marL="742950" lvl="1" indent="-285750">
+              <a:lnSpc>
+                <a:spcPct val="125000"/>
+              </a:lnSpc>
+              <a:buFont typeface="Wingdings" panose="05000000000000000000" pitchFamily="2" charset="2"/>
+              <a:buChar char="§"/>
+            </a:pPr>
+            <a:endParaRPr lang="en-US" dirty="0">
+              <a:latin typeface="Gotham Narrow Book" pitchFamily="2" charset="0"/>
+            </a:endParaRPr>
+          </a:p>
+          <a:p>
+            <a:pPr marL="742950" lvl="1" indent="-285750">
+              <a:lnSpc>
+                <a:spcPct val="125000"/>
+              </a:lnSpc>
+              <a:buFont typeface="Wingdings" panose="05000000000000000000" pitchFamily="2" charset="2"/>
+              <a:buChar char="§"/>
+            </a:pPr>
+            <a:endParaRPr lang="en-US" dirty="0">
+              <a:latin typeface="Gotham Narrow Book" pitchFamily="2" charset="0"/>
+            </a:endParaRPr>
+          </a:p>
+        </p:txBody>
+      </p:sp>
+      <p:pic>
+        <p:nvPicPr>
+          <p:cNvPr id="8" name="Picture 7">
+            <a:extLst>
+              <a:ext uri="{FF2B5EF4-FFF2-40B4-BE49-F238E27FC236}">
+                <a16:creationId xmlns:a16="http://schemas.microsoft.com/office/drawing/2014/main" id="{97EA5B01-9137-E043-45D1-401385E8E9C6}"/>
+              </a:ext>
+            </a:extLst>
+          </p:cNvPr>
+          <p:cNvPicPr>
+            <a:picLocks noChangeAspect="1"/>
+          </p:cNvPicPr>
+          <p:nvPr/>
+        </p:nvPicPr>
+        <p:blipFill>
+          <a:blip r:embed="rId2"/>
+          <a:stretch>
+            <a:fillRect/>
+          </a:stretch>
+        </p:blipFill>
+        <p:spPr>
+          <a:xfrm>
+            <a:off x="3161452" y="2188520"/>
+            <a:ext cx="5869095" cy="4378786"/>
+          </a:xfrm>
+          <a:prstGeom prst="rect">
+            <a:avLst/>
+          </a:prstGeom>
+        </p:spPr>
+      </p:pic>
+      <p:sp>
+        <p:nvSpPr>
+          <p:cNvPr id="2" name="TextBox 1">
+            <a:extLst>
+              <a:ext uri="{FF2B5EF4-FFF2-40B4-BE49-F238E27FC236}">
+                <a16:creationId xmlns:a16="http://schemas.microsoft.com/office/drawing/2014/main" id="{B8BFF3C5-8DDC-06EA-492B-9947990970B8}"/>
+              </a:ext>
+            </a:extLst>
+          </p:cNvPr>
+          <p:cNvSpPr txBox="1"/>
+          <p:nvPr/>
+        </p:nvSpPr>
+        <p:spPr>
+          <a:xfrm>
+            <a:off x="629820" y="6462963"/>
+            <a:ext cx="3370191" cy="369332"/>
+          </a:xfrm>
+          <a:prstGeom prst="rect">
+            <a:avLst/>
+          </a:prstGeom>
+          <a:noFill/>
+        </p:spPr>
+        <p:txBody>
+          <a:bodyPr wrap="square" rtlCol="0">
+            <a:spAutoFit/>
+          </a:bodyPr>
+          <a:lstStyle/>
+          <a:p>
+            <a:r>
+              <a:rPr lang="en-US" dirty="0"/>
+              <a:t>Source: Yao et al. (Nature 2020)</a:t>
+            </a:r>
+          </a:p>
+        </p:txBody>
+      </p:sp>
+    </p:spTree>
+    <p:extLst>
+      <p:ext uri="{BB962C8B-B14F-4D97-AF65-F5344CB8AC3E}">
+        <p14:creationId xmlns:p14="http://schemas.microsoft.com/office/powerpoint/2010/main" val="3902807117"/>
+      </p:ext>
+    </p:extLst>
+  </p:cSld>
+  <p:clrMapOvr>
+    <a:masterClrMapping/>
+  </p:clrMapOvr>
+</p:sld>
+</file>
+
+<file path=ppt/slides/slide7.xml><?xml version="1.0" encoding="utf-8"?>
+<p:sld xmlns:a="http://schemas.openxmlformats.org/drawingml/2006/main" xmlns:r="http://schemas.openxmlformats.org/officeDocument/2006/relationships" xmlns:p="http://schemas.openxmlformats.org/presentationml/2006/main">
+  <p:cSld>
+    <p:spTree>
+      <p:nvGrpSpPr>
+        <p:cNvPr id="1" name=""/>
+        <p:cNvGrpSpPr/>
+        <p:nvPr/>
+      </p:nvGrpSpPr>
+      <p:grpSpPr>
+        <a:xfrm>
+          <a:off x="0" y="0"/>
+          <a:ext cx="0" cy="0"/>
+          <a:chOff x="0" y="0"/>
+          <a:chExt cx="0" cy="0"/>
+        </a:xfrm>
+      </p:grpSpPr>
+      <p:sp>
+        <p:nvSpPr>
+          <p:cNvPr id="4" name="TextBox 3">
+            <a:extLst>
+              <a:ext uri="{FF2B5EF4-FFF2-40B4-BE49-F238E27FC236}">
+                <a16:creationId xmlns:a16="http://schemas.microsoft.com/office/drawing/2014/main" id="{AA6CC5E2-CA09-3E67-D3EE-F7240A71E737}"/>
+              </a:ext>
+            </a:extLst>
+          </p:cNvPr>
+          <p:cNvSpPr txBox="1"/>
+          <p:nvPr/>
+        </p:nvSpPr>
+        <p:spPr>
+          <a:xfrm>
+            <a:off x="571500" y="538619"/>
+            <a:ext cx="11040127" cy="461665"/>
+          </a:xfrm>
+          <a:prstGeom prst="rect">
+            <a:avLst/>
+          </a:prstGeom>
+          <a:noFill/>
+        </p:spPr>
+        <p:txBody>
+          <a:bodyPr wrap="square" rtlCol="0">
+            <a:spAutoFit/>
+          </a:bodyPr>
+          <a:lstStyle/>
+          <a:p>
+            <a:r>
+              <a:rPr lang="en-US" sz="2400" b="1" dirty="0">
+                <a:solidFill>
+                  <a:srgbClr val="63666A"/>
+                </a:solidFill>
+                <a:latin typeface="Gotham Narrow Bold" pitchFamily="2" charset="0"/>
+              </a:rPr>
+              <a:t>Convolution Layer (cont.)</a:t>
+            </a:r>
+          </a:p>
+        </p:txBody>
+      </p:sp>
+      <p:pic>
+        <p:nvPicPr>
+          <p:cNvPr id="6" name="Picture 5">
+            <a:extLst>
+              <a:ext uri="{FF2B5EF4-FFF2-40B4-BE49-F238E27FC236}">
+                <a16:creationId xmlns:a16="http://schemas.microsoft.com/office/drawing/2014/main" id="{411EE173-3612-9582-50C7-76F1EF78DAAC}"/>
+              </a:ext>
+            </a:extLst>
+          </p:cNvPr>
+          <p:cNvPicPr>
+            <a:picLocks noChangeAspect="1"/>
+          </p:cNvPicPr>
+          <p:nvPr/>
+        </p:nvPicPr>
+        <p:blipFill>
+          <a:blip r:embed="rId2"/>
+          <a:stretch>
+            <a:fillRect/>
+          </a:stretch>
+        </p:blipFill>
+        <p:spPr>
+          <a:xfrm>
+            <a:off x="8272281" y="0"/>
+            <a:ext cx="3348219" cy="6858000"/>
+          </a:xfrm>
+          <a:prstGeom prst="rect">
+            <a:avLst/>
+          </a:prstGeom>
+        </p:spPr>
+      </p:pic>
+      <mc:AlternateContent xmlns:mc="http://schemas.openxmlformats.org/markup-compatibility/2006" xmlns:a14="http://schemas.microsoft.com/office/drawing/2010/main">
+        <mc:Choice Requires="a14">
+          <p:sp>
+            <p:nvSpPr>
+              <p:cNvPr id="7" name="TextBox 6">
+                <a:extLst>
+                  <a:ext uri="{FF2B5EF4-FFF2-40B4-BE49-F238E27FC236}">
+                    <a16:creationId xmlns:a16="http://schemas.microsoft.com/office/drawing/2014/main" id="{30A9E19B-2779-578C-B284-2E5085E98DC9}"/>
+                  </a:ext>
+                </a:extLst>
+              </p:cNvPr>
+              <p:cNvSpPr txBox="1"/>
+              <p:nvPr/>
+            </p:nvSpPr>
+            <p:spPr>
+              <a:xfrm>
+                <a:off x="876821" y="1115395"/>
+                <a:ext cx="6120879" cy="4256705"/>
+              </a:xfrm>
+              <a:prstGeom prst="rect">
+                <a:avLst/>
+              </a:prstGeom>
+              <a:noFill/>
+            </p:spPr>
+            <p:txBody>
+              <a:bodyPr wrap="square" rtlCol="0">
+                <a:noAutofit/>
+              </a:bodyPr>
+              <a:lstStyle/>
+              <a:p>
+                <a:pPr marL="285750" indent="-285750">
+                  <a:lnSpc>
+                    <a:spcPct val="125000"/>
+                  </a:lnSpc>
+                  <a:buFont typeface="Wingdings" panose="05000000000000000000" pitchFamily="2" charset="2"/>
+                  <a:buChar char="§"/>
+                </a:pPr>
+                <a:r>
+                  <a:rPr lang="en-US" dirty="0">
+                    <a:latin typeface="Gotham Narrow Book" pitchFamily="2" charset="0"/>
+                  </a:rPr>
+                  <a:t>How the convolutional layer is realized using memristor crossbar array:</a:t>
+                </a:r>
+              </a:p>
+              <a:p>
+                <a:pPr marL="742950" lvl="1" indent="-285750">
+                  <a:lnSpc>
+                    <a:spcPct val="125000"/>
+                  </a:lnSpc>
+                  <a:buFont typeface="Wingdings" panose="05000000000000000000" pitchFamily="2" charset="2"/>
+                  <a:buChar char="§"/>
+                </a:pPr>
+                <a:r>
+                  <a:rPr lang="en-US" dirty="0">
+                    <a:latin typeface="Gotham Narrow Book" pitchFamily="2" charset="0"/>
+                  </a:rPr>
+                  <a:t>Each column contains </a:t>
+                </a:r>
+                <a14:m>
+                  <m:oMath xmlns:m="http://schemas.openxmlformats.org/officeDocument/2006/math">
+                    <m:r>
+                      <a:rPr lang="en-US" i="1" dirty="0" smtClean="0">
+                        <a:latin typeface="Cambria Math" panose="02040503050406030204" pitchFamily="18" charset="0"/>
+                      </a:rPr>
+                      <m:t>𝑀</m:t>
+                    </m:r>
+                  </m:oMath>
+                </a14:m>
+                <a:r>
+                  <a:rPr lang="en-US" dirty="0">
+                    <a:latin typeface="Gotham Narrow Book" pitchFamily="2" charset="0"/>
+                  </a:rPr>
+                  <a:t> convolution kernels, and the number of columns </a:t>
+                </a:r>
+                <a14:m>
+                  <m:oMath xmlns:m="http://schemas.openxmlformats.org/officeDocument/2006/math">
+                    <m:r>
+                      <a:rPr lang="en-US" i="1" dirty="0" smtClean="0">
+                        <a:latin typeface="Cambria Math" panose="02040503050406030204" pitchFamily="18" charset="0"/>
+                      </a:rPr>
+                      <m:t>𝑁</m:t>
+                    </m:r>
+                  </m:oMath>
+                </a14:m>
+                <a:r>
+                  <a:rPr lang="en-US" dirty="0">
+                    <a:latin typeface="Gotham Narrow Book" pitchFamily="2" charset="0"/>
+                  </a:rPr>
+                  <a:t> is the same as the number of output channels.</a:t>
+                </a:r>
+              </a:p>
+              <a:p>
+                <a:pPr marL="742950" lvl="1" indent="-285750">
+                  <a:lnSpc>
+                    <a:spcPct val="125000"/>
+                  </a:lnSpc>
+                  <a:buFont typeface="Wingdings" panose="05000000000000000000" pitchFamily="2" charset="2"/>
+                  <a:buChar char="§"/>
+                </a:pPr>
+                <a:endParaRPr lang="en-US" dirty="0">
+                  <a:latin typeface="Gotham Narrow Book" pitchFamily="2" charset="0"/>
+                </a:endParaRPr>
+              </a:p>
+              <a:p>
+                <a:pPr marL="742950" lvl="1" indent="-285750">
+                  <a:lnSpc>
+                    <a:spcPct val="125000"/>
+                  </a:lnSpc>
+                  <a:buFont typeface="Wingdings" panose="05000000000000000000" pitchFamily="2" charset="2"/>
+                  <a:buChar char="§"/>
+                </a:pPr>
+                <a:endParaRPr lang="en-US" dirty="0">
+                  <a:latin typeface="Gotham Narrow Book" pitchFamily="2" charset="0"/>
+                </a:endParaRPr>
+              </a:p>
+            </p:txBody>
+          </p:sp>
+        </mc:Choice>
+        <mc:Fallback xmlns="">
+          <p:sp>
+            <p:nvSpPr>
+              <p:cNvPr id="7" name="TextBox 6">
+                <a:extLst>
+                  <a:ext uri="{FF2B5EF4-FFF2-40B4-BE49-F238E27FC236}">
+                    <a16:creationId xmlns:a16="http://schemas.microsoft.com/office/drawing/2014/main" id="{30A9E19B-2779-578C-B284-2E5085E98DC9}"/>
+                  </a:ext>
+                </a:extLst>
+              </p:cNvPr>
+              <p:cNvSpPr txBox="1">
+                <a:spLocks noRot="1" noChangeAspect="1" noMove="1" noResize="1" noEditPoints="1" noAdjustHandles="1" noChangeArrowheads="1" noChangeShapeType="1" noTextEdit="1"/>
+              </p:cNvSpPr>
+              <p:nvPr/>
+            </p:nvSpPr>
+            <p:spPr>
+              <a:xfrm>
+                <a:off x="876821" y="1115395"/>
+                <a:ext cx="6120879" cy="4256705"/>
+              </a:xfrm>
+              <a:prstGeom prst="rect">
+                <a:avLst/>
+              </a:prstGeom>
+              <a:blipFill>
+                <a:blip r:embed="rId3"/>
+                <a:stretch>
+                  <a:fillRect l="-697" t="-143" r="-598"/>
+                </a:stretch>
+              </a:blipFill>
+            </p:spPr>
+            <p:txBody>
+              <a:bodyPr/>
+              <a:lstStyle/>
+              <a:p>
+                <a:r>
+                  <a:rPr lang="en-US">
+                    <a:noFill/>
+                  </a:rPr>
+                  <a:t> </a:t>
+                </a:r>
+              </a:p>
+            </p:txBody>
+          </p:sp>
+        </mc:Fallback>
+      </mc:AlternateContent>
+      <p:sp>
+        <p:nvSpPr>
+          <p:cNvPr id="2" name="TextBox 1">
+            <a:extLst>
+              <a:ext uri="{FF2B5EF4-FFF2-40B4-BE49-F238E27FC236}">
+                <a16:creationId xmlns:a16="http://schemas.microsoft.com/office/drawing/2014/main" id="{D31E52A0-9ACA-7ABA-8FAB-FF3839B008C2}"/>
+              </a:ext>
+            </a:extLst>
+          </p:cNvPr>
+          <p:cNvSpPr txBox="1"/>
+          <p:nvPr/>
+        </p:nvSpPr>
+        <p:spPr>
+          <a:xfrm>
+            <a:off x="6157356" y="6458715"/>
+            <a:ext cx="3709065" cy="369332"/>
+          </a:xfrm>
+          <a:prstGeom prst="rect">
+            <a:avLst/>
+          </a:prstGeom>
+          <a:noFill/>
+        </p:spPr>
+        <p:txBody>
+          <a:bodyPr wrap="square" rtlCol="0">
+            <a:spAutoFit/>
+          </a:bodyPr>
+          <a:lstStyle/>
+          <a:p>
+            <a:r>
+              <a:rPr lang="en-US" dirty="0"/>
+              <a:t>Source: Liu &amp; Zeng (Springer 2021)</a:t>
+            </a:r>
+          </a:p>
+        </p:txBody>
+      </p:sp>
+    </p:spTree>
+    <p:extLst>
+      <p:ext uri="{BB962C8B-B14F-4D97-AF65-F5344CB8AC3E}">
+        <p14:creationId xmlns:p14="http://schemas.microsoft.com/office/powerpoint/2010/main" val="1301408383"/>
+      </p:ext>
+    </p:extLst>
+  </p:cSld>
+  <p:clrMapOvr>
+    <a:masterClrMapping/>
+  </p:clrMapOvr>
+</p:sld>
+</file>
+
+<file path=ppt/slides/slide8.xml><?xml version="1.0" encoding="utf-8"?>
+<p:sld xmlns:a="http://schemas.openxmlformats.org/drawingml/2006/main" xmlns:r="http://schemas.openxmlformats.org/officeDocument/2006/relationships" xmlns:p="http://schemas.openxmlformats.org/presentationml/2006/main">
+  <p:cSld>
+    <p:spTree>
+      <p:nvGrpSpPr>
+        <p:cNvPr id="1" name=""/>
+        <p:cNvGrpSpPr/>
+        <p:nvPr/>
+      </p:nvGrpSpPr>
+      <p:grpSpPr>
+        <a:xfrm>
+          <a:off x="0" y="0"/>
+          <a:ext cx="0" cy="0"/>
+          <a:chOff x="0" y="0"/>
+          <a:chExt cx="0" cy="0"/>
+        </a:xfrm>
+      </p:grpSpPr>
+      <p:sp>
+        <p:nvSpPr>
+          <p:cNvPr id="5" name="TextBox 4">
+            <a:extLst>
+              <a:ext uri="{FF2B5EF4-FFF2-40B4-BE49-F238E27FC236}">
+                <a16:creationId xmlns:a16="http://schemas.microsoft.com/office/drawing/2014/main" id="{44B7E921-4FB7-284B-9679-627B0D7126F5}"/>
+              </a:ext>
+            </a:extLst>
+          </p:cNvPr>
+          <p:cNvSpPr txBox="1"/>
+          <p:nvPr/>
+        </p:nvSpPr>
+        <p:spPr>
+          <a:xfrm>
+            <a:off x="571500" y="538619"/>
+            <a:ext cx="11040127" cy="461665"/>
+          </a:xfrm>
+          <a:prstGeom prst="rect">
+            <a:avLst/>
+          </a:prstGeom>
+          <a:noFill/>
+        </p:spPr>
+        <p:txBody>
+          <a:bodyPr wrap="square" rtlCol="0">
+            <a:spAutoFit/>
+          </a:bodyPr>
+          <a:lstStyle/>
+          <a:p>
+            <a:r>
+              <a:rPr lang="en-US" sz="2400" b="1" dirty="0">
+                <a:solidFill>
+                  <a:srgbClr val="63666A"/>
+                </a:solidFill>
+                <a:latin typeface="Gotham Narrow Bold" pitchFamily="2" charset="0"/>
+              </a:rPr>
+              <a:t>Pooling Layer</a:t>
+            </a:r>
+          </a:p>
+        </p:txBody>
+      </p:sp>
+      <mc:AlternateContent xmlns:mc="http://schemas.openxmlformats.org/markup-compatibility/2006" xmlns:a14="http://schemas.microsoft.com/office/drawing/2010/main">
+        <mc:Choice Requires="a14">
+          <p:sp>
+            <p:nvSpPr>
+              <p:cNvPr id="4" name="TextBox 3">
+                <a:extLst>
+                  <a:ext uri="{FF2B5EF4-FFF2-40B4-BE49-F238E27FC236}">
+                    <a16:creationId xmlns:a16="http://schemas.microsoft.com/office/drawing/2014/main" id="{6CEFF733-E084-6853-F8C7-07BD3594FCDE}"/>
+                  </a:ext>
+                </a:extLst>
+              </p:cNvPr>
+              <p:cNvSpPr txBox="1"/>
+              <p:nvPr/>
+            </p:nvSpPr>
+            <p:spPr>
+              <a:xfrm>
+                <a:off x="876821" y="1115395"/>
+                <a:ext cx="5219179" cy="4256705"/>
+              </a:xfrm>
+              <a:prstGeom prst="rect">
+                <a:avLst/>
+              </a:prstGeom>
+              <a:noFill/>
+            </p:spPr>
+            <p:txBody>
+              <a:bodyPr wrap="square" rtlCol="0">
+                <a:noAutofit/>
+              </a:bodyPr>
+              <a:lstStyle/>
+              <a:p>
+                <a:pPr marL="285750" indent="-285750">
+                  <a:lnSpc>
+                    <a:spcPct val="125000"/>
+                  </a:lnSpc>
+                  <a:buFont typeface="Wingdings" panose="05000000000000000000" pitchFamily="2" charset="2"/>
+                  <a:buChar char="§"/>
+                </a:pPr>
+                <a:r>
+                  <a:rPr lang="en-US" dirty="0">
+                    <a:latin typeface="Gotham Narrow Book" pitchFamily="2" charset="0"/>
+                  </a:rPr>
+                  <a:t>Operating principles of the pooling layer (assuming that the pooling operation is averaging):</a:t>
+                </a:r>
+              </a:p>
+              <a:p>
+                <a:pPr marL="742950" lvl="1" indent="-285750">
+                  <a:lnSpc>
+                    <a:spcPct val="125000"/>
+                  </a:lnSpc>
+                  <a:buFont typeface="Wingdings" panose="05000000000000000000" pitchFamily="2" charset="2"/>
+                  <a:buChar char="§"/>
+                </a:pPr>
+                <a:r>
+                  <a:rPr lang="en-US" dirty="0">
+                    <a:latin typeface="Gotham Narrow Book" pitchFamily="2" charset="0"/>
+                  </a:rPr>
+                  <a:t>The convolution operation between the input and the filter is executed. The result is a feature map.</a:t>
+                </a:r>
+              </a:p>
+              <a:p>
+                <a:pPr marL="742950" lvl="1" indent="-285750">
+                  <a:lnSpc>
+                    <a:spcPct val="125000"/>
+                  </a:lnSpc>
+                  <a:buFont typeface="Wingdings" panose="05000000000000000000" pitchFamily="2" charset="2"/>
+                  <a:buChar char="§"/>
+                </a:pPr>
+                <a:r>
+                  <a:rPr lang="en-US" dirty="0">
+                    <a:latin typeface="Gotham Narrow Book" pitchFamily="2" charset="0"/>
+                  </a:rPr>
+                  <a:t>The main difference between the convolution layer and the pooling layer lies on their weights.</a:t>
+                </a:r>
+              </a:p>
+              <a:p>
+                <a:pPr marL="742950" lvl="1" indent="-285750">
+                  <a:lnSpc>
+                    <a:spcPct val="125000"/>
+                  </a:lnSpc>
+                  <a:buFont typeface="Wingdings" panose="05000000000000000000" pitchFamily="2" charset="2"/>
+                  <a:buChar char="§"/>
+                </a:pPr>
+                <a:r>
+                  <a:rPr lang="en-US" dirty="0">
+                    <a:latin typeface="Gotham Narrow Book" pitchFamily="2" charset="0"/>
+                  </a:rPr>
+                  <a:t>Formulation:</a:t>
+                </a:r>
+              </a:p>
+              <a:p>
+                <a:pPr lvl="1">
+                  <a:lnSpc>
+                    <a:spcPct val="125000"/>
+                  </a:lnSpc>
+                </a:pPr>
+                <a14:m>
+                  <m:oMathPara xmlns:m="http://schemas.openxmlformats.org/officeDocument/2006/math">
+                    <m:oMathParaPr>
+                      <m:jc m:val="centerGroup"/>
+                    </m:oMathParaPr>
+                    <m:oMath xmlns:m="http://schemas.openxmlformats.org/officeDocument/2006/math">
+                      <m:sSup>
+                        <m:sSupPr>
+                          <m:ctrlPr>
+                            <a:rPr lang="en-US" b="0" i="1" smtClean="0">
+                              <a:latin typeface="Cambria Math" panose="02040503050406030204" pitchFamily="18" charset="0"/>
+                            </a:rPr>
+                          </m:ctrlPr>
+                        </m:sSupPr>
+                        <m:e>
+                          <m:r>
+                            <a:rPr lang="en-US" b="0" i="1" smtClean="0">
+                              <a:latin typeface="Cambria Math" panose="02040503050406030204" pitchFamily="18" charset="0"/>
+                            </a:rPr>
+                            <m:t>𝑦</m:t>
+                          </m:r>
+                        </m:e>
+                        <m:sup>
+                          <m:r>
+                            <a:rPr lang="en-US" b="0" i="1" smtClean="0">
+                              <a:latin typeface="Cambria Math" panose="02040503050406030204" pitchFamily="18" charset="0"/>
+                            </a:rPr>
+                            <m:t>𝑝</m:t>
+                          </m:r>
+                        </m:sup>
+                      </m:sSup>
+                      <m:r>
+                        <a:rPr lang="en-US" b="0" i="1" smtClean="0">
+                          <a:latin typeface="Cambria Math" panose="02040503050406030204" pitchFamily="18" charset="0"/>
+                        </a:rPr>
+                        <m:t>=</m:t>
+                      </m:r>
+                      <m:nary>
+                        <m:naryPr>
+                          <m:chr m:val="∑"/>
+                          <m:ctrlPr>
+                            <a:rPr lang="en-US" b="0" i="1" smtClean="0">
+                              <a:latin typeface="Cambria Math" panose="02040503050406030204" pitchFamily="18" charset="0"/>
+                            </a:rPr>
+                          </m:ctrlPr>
+                        </m:naryPr>
+                        <m:sub>
+                          <m:r>
+                            <m:rPr>
+                              <m:brk m:alnAt="23"/>
+                            </m:rPr>
+                            <a:rPr lang="en-US" b="0" i="1" smtClean="0">
+                              <a:latin typeface="Cambria Math" panose="02040503050406030204" pitchFamily="18" charset="0"/>
+                            </a:rPr>
+                            <m:t>𝑖</m:t>
+                          </m:r>
+                          <m:r>
+                            <a:rPr lang="en-US" b="0" i="1" smtClean="0">
+                              <a:latin typeface="Cambria Math" panose="02040503050406030204" pitchFamily="18" charset="0"/>
+                            </a:rPr>
+                            <m:t>=1</m:t>
+                          </m:r>
+                        </m:sub>
+                        <m:sup>
+                          <m:sSub>
+                            <m:sSubPr>
+                              <m:ctrlPr>
+                                <a:rPr lang="en-US" b="0" i="1" smtClean="0">
+                                  <a:latin typeface="Cambria Math" panose="02040503050406030204" pitchFamily="18" charset="0"/>
+                                </a:rPr>
+                              </m:ctrlPr>
+                            </m:sSubPr>
+                            <m:e>
+                              <m:r>
+                                <a:rPr lang="en-US" b="0" i="1" smtClean="0">
+                                  <a:latin typeface="Cambria Math" panose="02040503050406030204" pitchFamily="18" charset="0"/>
+                                </a:rPr>
+                                <m:t>𝐾</m:t>
+                              </m:r>
+                            </m:e>
+                            <m:sub>
+                              <m:r>
+                                <a:rPr lang="en-US" b="0" i="1" smtClean="0">
+                                  <a:latin typeface="Cambria Math" panose="02040503050406030204" pitchFamily="18" charset="0"/>
+                                </a:rPr>
+                                <m:t>1</m:t>
+                              </m:r>
+                            </m:sub>
+                          </m:sSub>
+                        </m:sup>
+                        <m:e>
+                          <m:nary>
+                            <m:naryPr>
+                              <m:chr m:val="∑"/>
+                              <m:ctrlPr>
+                                <a:rPr lang="en-US" b="0" i="1" smtClean="0">
+                                  <a:latin typeface="Cambria Math" panose="02040503050406030204" pitchFamily="18" charset="0"/>
+                                </a:rPr>
+                              </m:ctrlPr>
+                            </m:naryPr>
+                            <m:sub>
+                              <m:r>
+                                <m:rPr>
+                                  <m:brk m:alnAt="23"/>
+                                </m:rPr>
+                                <a:rPr lang="en-US" b="0" i="1" smtClean="0">
+                                  <a:latin typeface="Cambria Math" panose="02040503050406030204" pitchFamily="18" charset="0"/>
+                                </a:rPr>
+                                <m:t>𝑗</m:t>
+                              </m:r>
+                              <m:r>
+                                <a:rPr lang="en-US" b="0" i="1" smtClean="0">
+                                  <a:latin typeface="Cambria Math" panose="02040503050406030204" pitchFamily="18" charset="0"/>
+                                </a:rPr>
+                                <m:t>=1</m:t>
+                              </m:r>
+                            </m:sub>
+                            <m:sup>
+                              <m:sSub>
+                                <m:sSubPr>
+                                  <m:ctrlPr>
+                                    <a:rPr lang="en-US" b="0" i="1" smtClean="0">
+                                      <a:latin typeface="Cambria Math" panose="02040503050406030204" pitchFamily="18" charset="0"/>
+                                    </a:rPr>
+                                  </m:ctrlPr>
+                                </m:sSubPr>
+                                <m:e>
+                                  <m:r>
+                                    <a:rPr lang="en-US" b="0" i="1" smtClean="0">
+                                      <a:latin typeface="Cambria Math" panose="02040503050406030204" pitchFamily="18" charset="0"/>
+                                    </a:rPr>
+                                    <m:t>𝐾</m:t>
+                                  </m:r>
+                                </m:e>
+                                <m:sub>
+                                  <m:r>
+                                    <a:rPr lang="en-US" b="0" i="1" smtClean="0">
+                                      <a:latin typeface="Cambria Math" panose="02040503050406030204" pitchFamily="18" charset="0"/>
+                                    </a:rPr>
+                                    <m:t>2</m:t>
+                                  </m:r>
+                                </m:sub>
+                              </m:sSub>
+                            </m:sup>
+                            <m:e>
+                              <m:f>
+                                <m:fPr>
+                                  <m:ctrlPr>
+                                    <a:rPr lang="en-US" b="0" i="1" smtClean="0">
+                                      <a:latin typeface="Cambria Math" panose="02040503050406030204" pitchFamily="18" charset="0"/>
+                                    </a:rPr>
+                                  </m:ctrlPr>
+                                </m:fPr>
+                                <m:num>
+                                  <m:sSub>
+                                    <m:sSubPr>
+                                      <m:ctrlPr>
+                                        <a:rPr lang="en-US" b="0" i="1" smtClean="0">
+                                          <a:latin typeface="Cambria Math" panose="02040503050406030204" pitchFamily="18" charset="0"/>
+                                        </a:rPr>
+                                      </m:ctrlPr>
+                                    </m:sSubPr>
+                                    <m:e>
+                                      <m:r>
+                                        <a:rPr lang="en-US" b="0" i="1" smtClean="0">
+                                          <a:latin typeface="Cambria Math" panose="02040503050406030204" pitchFamily="18" charset="0"/>
+                                        </a:rPr>
+                                        <m:t>𝑥</m:t>
+                                      </m:r>
+                                    </m:e>
+                                    <m:sub>
+                                      <m:r>
+                                        <a:rPr lang="en-US" b="0" i="1" smtClean="0">
+                                          <a:latin typeface="Cambria Math" panose="02040503050406030204" pitchFamily="18" charset="0"/>
+                                        </a:rPr>
+                                        <m:t>𝑖</m:t>
+                                      </m:r>
+                                      <m:sSup>
+                                        <m:sSupPr>
+                                          <m:ctrlPr>
+                                            <a:rPr lang="en-US" b="0" i="1" smtClean="0">
+                                              <a:latin typeface="Cambria Math" panose="02040503050406030204" pitchFamily="18" charset="0"/>
+                                            </a:rPr>
+                                          </m:ctrlPr>
+                                        </m:sSupPr>
+                                        <m:e>
+                                          <m:r>
+                                            <a:rPr lang="en-US" b="0" i="1" smtClean="0">
+                                              <a:latin typeface="Cambria Math" panose="02040503050406030204" pitchFamily="18" charset="0"/>
+                                            </a:rPr>
+                                            <m:t>𝑗</m:t>
+                                          </m:r>
+                                        </m:e>
+                                        <m:sup>
+                                          <m:r>
+                                            <a:rPr lang="en-US" b="0" i="1" smtClean="0">
+                                              <a:latin typeface="Cambria Math" panose="02040503050406030204" pitchFamily="18" charset="0"/>
+                                            </a:rPr>
+                                            <m:t>𝑝</m:t>
+                                          </m:r>
+                                        </m:sup>
+                                      </m:sSup>
+                                    </m:sub>
+                                  </m:sSub>
+                                </m:num>
+                                <m:den>
+                                  <m:sSub>
+                                    <m:sSubPr>
+                                      <m:ctrlPr>
+                                        <a:rPr lang="en-US" b="0" i="1" smtClean="0">
+                                          <a:latin typeface="Cambria Math" panose="02040503050406030204" pitchFamily="18" charset="0"/>
+                                        </a:rPr>
+                                      </m:ctrlPr>
+                                    </m:sSubPr>
+                                    <m:e>
+                                      <m:r>
+                                        <a:rPr lang="en-US" b="0" i="1" smtClean="0">
+                                          <a:latin typeface="Cambria Math" panose="02040503050406030204" pitchFamily="18" charset="0"/>
+                                        </a:rPr>
+                                        <m:t>𝐾</m:t>
+                                      </m:r>
+                                    </m:e>
+                                    <m:sub>
+                                      <m:r>
+                                        <a:rPr lang="en-US" b="0" i="1" smtClean="0">
+                                          <a:latin typeface="Cambria Math" panose="02040503050406030204" pitchFamily="18" charset="0"/>
+                                        </a:rPr>
+                                        <m:t>1</m:t>
+                                      </m:r>
+                                    </m:sub>
+                                  </m:sSub>
+                                  <m:r>
+                                    <a:rPr lang="en-US" b="0" i="1" smtClean="0">
+                                      <a:latin typeface="Cambria Math" panose="02040503050406030204" pitchFamily="18" charset="0"/>
+                                    </a:rPr>
+                                    <m:t>×</m:t>
+                                  </m:r>
+                                  <m:sSub>
+                                    <m:sSubPr>
+                                      <m:ctrlPr>
+                                        <a:rPr lang="en-US" b="0" i="1" smtClean="0">
+                                          <a:latin typeface="Cambria Math" panose="02040503050406030204" pitchFamily="18" charset="0"/>
+                                        </a:rPr>
+                                      </m:ctrlPr>
+                                    </m:sSubPr>
+                                    <m:e>
+                                      <m:r>
+                                        <a:rPr lang="en-US" b="0" i="1" smtClean="0">
+                                          <a:latin typeface="Cambria Math" panose="02040503050406030204" pitchFamily="18" charset="0"/>
+                                        </a:rPr>
+                                        <m:t>𝐾</m:t>
+                                      </m:r>
+                                    </m:e>
+                                    <m:sub>
+                                      <m:r>
+                                        <a:rPr lang="en-US" b="0" i="1" smtClean="0">
+                                          <a:latin typeface="Cambria Math" panose="02040503050406030204" pitchFamily="18" charset="0"/>
+                                        </a:rPr>
+                                        <m:t>2</m:t>
+                                      </m:r>
+                                    </m:sub>
+                                  </m:sSub>
+                                </m:den>
+                              </m:f>
+                            </m:e>
+                          </m:nary>
+                        </m:e>
+                      </m:nary>
+                    </m:oMath>
+                  </m:oMathPara>
+                </a14:m>
+                <a:endParaRPr lang="en-US" dirty="0">
+                  <a:latin typeface="Gotham Narrow Book" pitchFamily="2" charset="0"/>
+                </a:endParaRPr>
+              </a:p>
+              <a:p>
+                <a:pPr marL="742950" lvl="1" indent="-285750">
+                  <a:lnSpc>
+                    <a:spcPct val="125000"/>
+                  </a:lnSpc>
+                  <a:buFont typeface="Wingdings" panose="05000000000000000000" pitchFamily="2" charset="2"/>
+                  <a:buChar char="§"/>
+                </a:pPr>
+                <a:endParaRPr lang="en-US" dirty="0">
+                  <a:latin typeface="Gotham Narrow Book" pitchFamily="2" charset="0"/>
+                </a:endParaRPr>
+              </a:p>
+              <a:p>
+                <a:pPr marL="742950" lvl="1" indent="-285750">
+                  <a:lnSpc>
+                    <a:spcPct val="125000"/>
+                  </a:lnSpc>
+                  <a:buFont typeface="Wingdings" panose="05000000000000000000" pitchFamily="2" charset="2"/>
+                  <a:buChar char="§"/>
+                </a:pPr>
+                <a:endParaRPr lang="en-US" dirty="0">
+                  <a:latin typeface="Gotham Narrow Book" pitchFamily="2" charset="0"/>
+                </a:endParaRPr>
+              </a:p>
+              <a:p>
+                <a:pPr marL="742950" lvl="1" indent="-285750">
+                  <a:lnSpc>
+                    <a:spcPct val="125000"/>
+                  </a:lnSpc>
+                  <a:buFont typeface="Wingdings" panose="05000000000000000000" pitchFamily="2" charset="2"/>
+                  <a:buChar char="§"/>
+                </a:pPr>
+                <a:endParaRPr lang="en-US" dirty="0">
+                  <a:latin typeface="Gotham Narrow Book" pitchFamily="2" charset="0"/>
+                </a:endParaRPr>
+              </a:p>
+            </p:txBody>
+          </p:sp>
+        </mc:Choice>
+        <mc:Fallback xmlns="">
+          <p:sp>
+            <p:nvSpPr>
+              <p:cNvPr id="4" name="TextBox 3">
+                <a:extLst>
+                  <a:ext uri="{FF2B5EF4-FFF2-40B4-BE49-F238E27FC236}">
+                    <a16:creationId xmlns:a16="http://schemas.microsoft.com/office/drawing/2014/main" id="{6CEFF733-E084-6853-F8C7-07BD3594FCDE}"/>
+                  </a:ext>
+                </a:extLst>
+              </p:cNvPr>
+              <p:cNvSpPr txBox="1">
+                <a:spLocks noRot="1" noChangeAspect="1" noMove="1" noResize="1" noEditPoints="1" noAdjustHandles="1" noChangeArrowheads="1" noChangeShapeType="1" noTextEdit="1"/>
+              </p:cNvSpPr>
+              <p:nvPr/>
+            </p:nvSpPr>
+            <p:spPr>
+              <a:xfrm>
+                <a:off x="876821" y="1115395"/>
+                <a:ext cx="5219179" cy="4256705"/>
+              </a:xfrm>
+              <a:prstGeom prst="rect">
+                <a:avLst/>
+              </a:prstGeom>
+              <a:blipFill>
+                <a:blip r:embed="rId2"/>
+                <a:stretch>
+                  <a:fillRect l="-818" t="-143" r="-1285" b="-5301"/>
+                </a:stretch>
+              </a:blipFill>
+            </p:spPr>
+            <p:txBody>
+              <a:bodyPr/>
+              <a:lstStyle/>
+              <a:p>
+                <a:r>
+                  <a:rPr lang="en-US">
+                    <a:noFill/>
+                  </a:rPr>
+                  <a:t> </a:t>
+                </a:r>
+              </a:p>
+            </p:txBody>
+          </p:sp>
+        </mc:Fallback>
+      </mc:AlternateContent>
+      <p:pic>
+        <p:nvPicPr>
+          <p:cNvPr id="4098" name="Picture 2" descr="[AI] CNN(Convolutional Neural Network) 개념정리">
+            <a:extLst>
+              <a:ext uri="{FF2B5EF4-FFF2-40B4-BE49-F238E27FC236}">
+                <a16:creationId xmlns:a16="http://schemas.microsoft.com/office/drawing/2014/main" id="{C851CA1A-5A5A-AEDA-B8A7-61C9EE39D1E2}"/>
+              </a:ext>
+            </a:extLst>
+          </p:cNvPr>
+          <p:cNvPicPr>
+            <a:picLocks noChangeAspect="1" noChangeArrowheads="1"/>
+          </p:cNvPicPr>
+          <p:nvPr/>
+        </p:nvPicPr>
+        <p:blipFill>
+          <a:blip r:embed="rId3">
+            <a:extLst>
+              <a:ext uri="{28A0092B-C50C-407E-A947-70E740481C1C}">
+                <a14:useLocalDpi xmlns:a14="http://schemas.microsoft.com/office/drawing/2010/main" val="0"/>
+              </a:ext>
+            </a:extLst>
+          </a:blip>
+          <a:srcRect/>
+          <a:stretch>
+            <a:fillRect/>
+          </a:stretch>
+        </p:blipFill>
+        <p:spPr bwMode="auto">
+          <a:xfrm>
+            <a:off x="6403927" y="1358982"/>
+            <a:ext cx="5207647" cy="2328307"/>
+          </a:xfrm>
+          <a:prstGeom prst="rect">
+            <a:avLst/>
+          </a:prstGeom>
+          <a:noFill/>
+          <a:extLst>
+            <a:ext uri="{909E8E84-426E-40DD-AFC4-6F175D3DCCD1}">
+              <a14:hiddenFill xmlns:a14="http://schemas.microsoft.com/office/drawing/2010/main">
+                <a:solidFill>
+                  <a:srgbClr val="FFFFFF"/>
+                </a:solidFill>
+              </a14:hiddenFill>
+            </a:ext>
+          </a:extLst>
+        </p:spPr>
+      </p:pic>
+    </p:spTree>
+    <p:extLst>
+      <p:ext uri="{BB962C8B-B14F-4D97-AF65-F5344CB8AC3E}">
+        <p14:creationId xmlns:p14="http://schemas.microsoft.com/office/powerpoint/2010/main" val="3283786850"/>
+      </p:ext>
+    </p:extLst>
+  </p:cSld>
+  <p:clrMapOvr>
+    <a:masterClrMapping/>
+  </p:clrMapOvr>
+</p:sld>
+</file>
+
+<file path=ppt/slides/slide9.xml><?xml version="1.0" encoding="utf-8"?>
+<p:sld xmlns:a="http://schemas.openxmlformats.org/drawingml/2006/main" xmlns:r="http://schemas.openxmlformats.org/officeDocument/2006/relationships" xmlns:p="http://schemas.openxmlformats.org/presentationml/2006/main">
+  <p:cSld>
+    <p:spTree>
+      <p:nvGrpSpPr>
+        <p:cNvPr id="1" name=""/>
+        <p:cNvGrpSpPr/>
+        <p:nvPr/>
+      </p:nvGrpSpPr>
+      <p:grpSpPr>
+        <a:xfrm>
+          <a:off x="0" y="0"/>
+          <a:ext cx="0" cy="0"/>
+          <a:chOff x="0" y="0"/>
+          <a:chExt cx="0" cy="0"/>
+        </a:xfrm>
+      </p:grpSpPr>
+      <p:sp>
+        <p:nvSpPr>
+          <p:cNvPr id="5" name="TextBox 4">
+            <a:extLst>
+              <a:ext uri="{FF2B5EF4-FFF2-40B4-BE49-F238E27FC236}">
+                <a16:creationId xmlns:a16="http://schemas.microsoft.com/office/drawing/2014/main" id="{44B7E921-4FB7-284B-9679-627B0D7126F5}"/>
+              </a:ext>
+            </a:extLst>
+          </p:cNvPr>
+          <p:cNvSpPr txBox="1"/>
+          <p:nvPr/>
+        </p:nvSpPr>
+        <p:spPr>
+          <a:xfrm>
+            <a:off x="571500" y="538619"/>
+            <a:ext cx="11040127" cy="461665"/>
+          </a:xfrm>
+          <a:prstGeom prst="rect">
+            <a:avLst/>
+          </a:prstGeom>
+          <a:noFill/>
+        </p:spPr>
+        <p:txBody>
+          <a:bodyPr wrap="square" rtlCol="0">
+            <a:spAutoFit/>
+          </a:bodyPr>
+          <a:lstStyle/>
+          <a:p>
+            <a:r>
+              <a:rPr lang="en-US" sz="2400" b="1" dirty="0">
+                <a:solidFill>
+                  <a:srgbClr val="63666A"/>
+                </a:solidFill>
+                <a:latin typeface="Gotham Narrow Bold" pitchFamily="2" charset="0"/>
+              </a:rPr>
+              <a:t>Pooling Layer (cont.)</a:t>
+            </a:r>
+          </a:p>
+        </p:txBody>
+      </p:sp>
+      <mc:AlternateContent xmlns:mc="http://schemas.openxmlformats.org/markup-compatibility/2006" xmlns:a14="http://schemas.microsoft.com/office/drawing/2010/main">
+        <mc:Choice Requires="a14">
+          <p:sp>
+            <p:nvSpPr>
+              <p:cNvPr id="4" name="TextBox 3">
+                <a:extLst>
+                  <a:ext uri="{FF2B5EF4-FFF2-40B4-BE49-F238E27FC236}">
+                    <a16:creationId xmlns:a16="http://schemas.microsoft.com/office/drawing/2014/main" id="{6CEFF733-E084-6853-F8C7-07BD3594FCDE}"/>
+                  </a:ext>
+                </a:extLst>
+              </p:cNvPr>
+              <p:cNvSpPr txBox="1"/>
+              <p:nvPr/>
+            </p:nvSpPr>
+            <p:spPr>
+              <a:xfrm>
+                <a:off x="876821" y="1115395"/>
+                <a:ext cx="6139929" cy="4256705"/>
+              </a:xfrm>
+              <a:prstGeom prst="rect">
+                <a:avLst/>
+              </a:prstGeom>
+              <a:noFill/>
+            </p:spPr>
+            <p:txBody>
+              <a:bodyPr wrap="square" rtlCol="0">
+                <a:noAutofit/>
+              </a:bodyPr>
+              <a:lstStyle/>
+              <a:p>
+                <a:pPr marL="285750" indent="-285750">
+                  <a:lnSpc>
+                    <a:spcPct val="125000"/>
+                  </a:lnSpc>
+                  <a:buFont typeface="Wingdings" panose="05000000000000000000" pitchFamily="2" charset="2"/>
+                  <a:buChar char="§"/>
+                </a:pPr>
+                <a:r>
+                  <a:rPr lang="en-US" dirty="0">
+                    <a:latin typeface="Gotham Narrow Book" pitchFamily="2" charset="0"/>
+                  </a:rPr>
+                  <a:t>How the pooling layer is realized using memristor crossbar array:</a:t>
+                </a:r>
+              </a:p>
+              <a:p>
+                <a:pPr marL="285750" indent="-285750">
+                  <a:lnSpc>
+                    <a:spcPct val="125000"/>
+                  </a:lnSpc>
+                  <a:buFont typeface="Wingdings" panose="05000000000000000000" pitchFamily="2" charset="2"/>
+                  <a:buChar char="§"/>
+                </a:pPr>
+                <a:r>
+                  <a:rPr lang="en-US" dirty="0">
+                    <a:latin typeface="Gotham Narrow Book" pitchFamily="2" charset="0"/>
+                  </a:rPr>
+                  <a:t>All memristors have resistance values of </a:t>
+                </a:r>
+                <a14:m>
+                  <m:oMath xmlns:m="http://schemas.openxmlformats.org/officeDocument/2006/math">
+                    <m:sSub>
+                      <m:sSubPr>
+                        <m:ctrlPr>
+                          <a:rPr lang="en-US" b="0" i="1" dirty="0" smtClean="0">
+                            <a:latin typeface="Cambria Math" panose="02040503050406030204" pitchFamily="18" charset="0"/>
+                          </a:rPr>
+                        </m:ctrlPr>
+                      </m:sSubPr>
+                      <m:e>
+                        <m:r>
+                          <a:rPr lang="en-US" i="1" dirty="0" smtClean="0">
+                            <a:latin typeface="Cambria Math" panose="02040503050406030204" pitchFamily="18" charset="0"/>
+                          </a:rPr>
+                          <m:t>𝐾</m:t>
+                        </m:r>
+                      </m:e>
+                      <m:sub>
+                        <m:r>
+                          <a:rPr lang="en-US" i="1" dirty="0" smtClean="0">
+                            <a:latin typeface="Cambria Math" panose="02040503050406030204" pitchFamily="18" charset="0"/>
+                          </a:rPr>
+                          <m:t>1</m:t>
+                        </m:r>
+                      </m:sub>
+                    </m:sSub>
+                    <m:r>
+                      <a:rPr lang="en-US" i="1" dirty="0" smtClean="0">
+                        <a:latin typeface="Cambria Math" panose="02040503050406030204" pitchFamily="18" charset="0"/>
+                      </a:rPr>
+                      <m:t> × </m:t>
+                    </m:r>
+                    <m:sSub>
+                      <m:sSubPr>
+                        <m:ctrlPr>
+                          <a:rPr lang="en-US" b="0" i="1" dirty="0" smtClean="0">
+                            <a:latin typeface="Cambria Math" panose="02040503050406030204" pitchFamily="18" charset="0"/>
+                          </a:rPr>
+                        </m:ctrlPr>
+                      </m:sSubPr>
+                      <m:e>
+                        <m:r>
+                          <a:rPr lang="en-US" i="1" dirty="0" smtClean="0">
+                            <a:latin typeface="Cambria Math" panose="02040503050406030204" pitchFamily="18" charset="0"/>
+                          </a:rPr>
+                          <m:t>𝐾</m:t>
+                        </m:r>
+                      </m:e>
+                      <m:sub>
+                        <m:r>
+                          <a:rPr lang="en-US" i="1" dirty="0" smtClean="0">
+                            <a:latin typeface="Cambria Math" panose="02040503050406030204" pitchFamily="18" charset="0"/>
+                          </a:rPr>
+                          <m:t>2</m:t>
+                        </m:r>
+                      </m:sub>
+                    </m:sSub>
+                    <m:r>
+                      <a:rPr lang="en-US" i="1" dirty="0" smtClean="0">
+                        <a:latin typeface="Cambria Math" panose="02040503050406030204" pitchFamily="18" charset="0"/>
+                      </a:rPr>
+                      <m:t> × </m:t>
+                    </m:r>
+                    <m:sSub>
+                      <m:sSubPr>
+                        <m:ctrlPr>
+                          <a:rPr lang="en-US" b="0" i="1" dirty="0" smtClean="0">
+                            <a:latin typeface="Cambria Math" panose="02040503050406030204" pitchFamily="18" charset="0"/>
+                          </a:rPr>
+                        </m:ctrlPr>
+                      </m:sSubPr>
+                      <m:e>
+                        <m:r>
+                          <a:rPr lang="en-US" i="1" dirty="0" smtClean="0">
+                            <a:latin typeface="Cambria Math" panose="02040503050406030204" pitchFamily="18" charset="0"/>
+                          </a:rPr>
+                          <m:t>𝑅</m:t>
+                        </m:r>
+                      </m:e>
+                      <m:sub>
+                        <m:r>
+                          <a:rPr lang="en-US" i="1" dirty="0" smtClean="0">
+                            <a:latin typeface="Cambria Math" panose="02040503050406030204" pitchFamily="18" charset="0"/>
+                          </a:rPr>
+                          <m:t>𝑎</m:t>
+                        </m:r>
+                      </m:sub>
+                    </m:sSub>
+                  </m:oMath>
+                </a14:m>
+                <a:r>
+                  <a:rPr lang="en-US" dirty="0">
+                    <a:latin typeface="Gotham Narrow Book" pitchFamily="2" charset="0"/>
+                  </a:rPr>
+                  <a:t>, where </a:t>
+                </a:r>
+                <a14:m>
+                  <m:oMath xmlns:m="http://schemas.openxmlformats.org/officeDocument/2006/math">
+                    <m:sSub>
+                      <m:sSubPr>
+                        <m:ctrlPr>
+                          <a:rPr lang="en-US" b="0" i="1" dirty="0" smtClean="0">
+                            <a:latin typeface="Cambria Math" panose="02040503050406030204" pitchFamily="18" charset="0"/>
+                          </a:rPr>
+                        </m:ctrlPr>
+                      </m:sSubPr>
+                      <m:e>
+                        <m:r>
+                          <a:rPr lang="en-US" i="1" dirty="0" smtClean="0">
+                            <a:latin typeface="Cambria Math" panose="02040503050406030204" pitchFamily="18" charset="0"/>
+                          </a:rPr>
+                          <m:t>𝑅</m:t>
+                        </m:r>
+                      </m:e>
+                      <m:sub>
+                        <m:r>
+                          <a:rPr lang="en-US" i="1" dirty="0" smtClean="0">
+                            <a:latin typeface="Cambria Math" panose="02040503050406030204" pitchFamily="18" charset="0"/>
+                          </a:rPr>
+                          <m:t>𝑎</m:t>
+                        </m:r>
+                      </m:sub>
+                    </m:sSub>
+                  </m:oMath>
+                </a14:m>
+                <a:r>
+                  <a:rPr lang="en-US" dirty="0">
+                    <a:latin typeface="Gotham Narrow Book" pitchFamily="2" charset="0"/>
+                  </a:rPr>
+                  <a:t> represents the resistance of the resistor </a:t>
+                </a:r>
+                <a14:m>
+                  <m:oMath xmlns:m="http://schemas.openxmlformats.org/officeDocument/2006/math">
+                    <m:sSub>
+                      <m:sSubPr>
+                        <m:ctrlPr>
+                          <a:rPr lang="en-US" b="0" i="1" dirty="0" smtClean="0">
+                            <a:latin typeface="Cambria Math" panose="02040503050406030204" pitchFamily="18" charset="0"/>
+                          </a:rPr>
+                        </m:ctrlPr>
+                      </m:sSubPr>
+                      <m:e>
+                        <m:r>
+                          <a:rPr lang="en-US" i="1" dirty="0" smtClean="0">
+                            <a:latin typeface="Cambria Math" panose="02040503050406030204" pitchFamily="18" charset="0"/>
+                          </a:rPr>
+                          <m:t>𝑅</m:t>
+                        </m:r>
+                      </m:e>
+                      <m:sub>
+                        <m:r>
+                          <a:rPr lang="en-US" i="1" dirty="0" smtClean="0">
+                            <a:latin typeface="Cambria Math" panose="02040503050406030204" pitchFamily="18" charset="0"/>
+                          </a:rPr>
+                          <m:t>𝑎</m:t>
+                        </m:r>
+                      </m:sub>
+                    </m:sSub>
+                    <m:r>
+                      <a:rPr lang="en-US" b="0" i="0" dirty="0" smtClean="0">
+                        <a:latin typeface="Cambria Math" panose="02040503050406030204" pitchFamily="18" charset="0"/>
+                      </a:rPr>
+                      <m:t>.</m:t>
+                    </m:r>
+                  </m:oMath>
+                </a14:m>
+                <a:endParaRPr lang="en-US" b="0" dirty="0">
+                  <a:latin typeface="Gotham Narrow Book" pitchFamily="2" charset="0"/>
+                </a:endParaRPr>
+              </a:p>
+              <a:p>
+                <a:pPr marL="285750" indent="-285750">
+                  <a:lnSpc>
+                    <a:spcPct val="125000"/>
+                  </a:lnSpc>
+                  <a:buFont typeface="Wingdings" panose="05000000000000000000" pitchFamily="2" charset="2"/>
+                  <a:buChar char="§"/>
+                </a:pPr>
+                <a:r>
+                  <a:rPr lang="en-US" dirty="0">
+                    <a:latin typeface="Gotham Narrow Book" pitchFamily="2" charset="0"/>
+                  </a:rPr>
+                  <a:t>The output voltage of each column is:</a:t>
+                </a:r>
+                <a:br>
+                  <a:rPr lang="en-US" dirty="0">
+                    <a:latin typeface="Gotham Narrow Book" pitchFamily="2" charset="0"/>
+                  </a:rPr>
+                </a:br>
+                <a:r>
+                  <a:rPr lang="en-US" dirty="0">
+                    <a:latin typeface="Gotham Narrow Book" pitchFamily="2" charset="0"/>
+                  </a:rPr>
+                  <a:t> </a:t>
+                </a:r>
+                <a14:m>
+                  <m:oMath xmlns:m="http://schemas.openxmlformats.org/officeDocument/2006/math">
+                    <m:sSub>
+                      <m:sSubPr>
+                        <m:ctrlPr>
+                          <a:rPr lang="en-US" b="0" i="1" dirty="0" smtClean="0">
+                            <a:latin typeface="Cambria Math" panose="02040503050406030204" pitchFamily="18" charset="0"/>
+                          </a:rPr>
+                        </m:ctrlPr>
+                      </m:sSubPr>
+                      <m:e>
+                        <m:r>
+                          <a:rPr lang="en-US" i="1" dirty="0" smtClean="0">
+                            <a:latin typeface="Cambria Math" panose="02040503050406030204" pitchFamily="18" charset="0"/>
+                          </a:rPr>
+                          <m:t>𝑉</m:t>
+                        </m:r>
+                      </m:e>
+                      <m:sub>
+                        <m:r>
+                          <a:rPr lang="en-US" i="1" dirty="0">
+                            <a:latin typeface="Cambria Math" panose="02040503050406030204" pitchFamily="18" charset="0"/>
+                          </a:rPr>
+                          <m:t>𝑜</m:t>
+                        </m:r>
+                        <m:r>
+                          <a:rPr lang="en-US" i="1" dirty="0">
+                            <a:latin typeface="Cambria Math" panose="02040503050406030204" pitchFamily="18" charset="0"/>
+                          </a:rPr>
+                          <m:t>, </m:t>
+                        </m:r>
+                        <m:r>
+                          <a:rPr lang="en-US" i="1" dirty="0">
+                            <a:latin typeface="Cambria Math" panose="02040503050406030204" pitchFamily="18" charset="0"/>
+                          </a:rPr>
+                          <m:t>𝑝</m:t>
+                        </m:r>
+                      </m:sub>
+                    </m:sSub>
+                    <m:r>
+                      <a:rPr lang="en-US" i="1" dirty="0" smtClean="0">
+                        <a:latin typeface="Cambria Math" panose="02040503050406030204" pitchFamily="18" charset="0"/>
+                      </a:rPr>
+                      <m:t> = </m:t>
+                    </m:r>
+                    <m:sSub>
+                      <m:sSubPr>
+                        <m:ctrlPr>
+                          <a:rPr lang="en-US" b="0" i="1" dirty="0" smtClean="0">
+                            <a:latin typeface="Cambria Math" panose="02040503050406030204" pitchFamily="18" charset="0"/>
+                          </a:rPr>
+                        </m:ctrlPr>
+                      </m:sSubPr>
+                      <m:e>
+                        <m:r>
+                          <a:rPr lang="en-US" i="1" dirty="0" smtClean="0">
+                            <a:latin typeface="Cambria Math" panose="02040503050406030204" pitchFamily="18" charset="0"/>
+                          </a:rPr>
+                          <m:t>𝑅</m:t>
+                        </m:r>
+                      </m:e>
+                      <m:sub>
+                        <m:r>
+                          <a:rPr lang="en-US" i="1" dirty="0" smtClean="0">
+                            <a:latin typeface="Cambria Math" panose="02040503050406030204" pitchFamily="18" charset="0"/>
+                          </a:rPr>
+                          <m:t>𝑎</m:t>
+                        </m:r>
+                      </m:sub>
+                    </m:sSub>
+                    <m:r>
+                      <a:rPr lang="en-US" i="1" dirty="0" smtClean="0">
+                        <a:latin typeface="Cambria Math" panose="02040503050406030204" pitchFamily="18" charset="0"/>
+                      </a:rPr>
+                      <m:t> </m:t>
+                    </m:r>
+                    <m:sSub>
+                      <m:sSubPr>
+                        <m:ctrlPr>
+                          <a:rPr lang="en-US" b="0" i="1" dirty="0" smtClean="0">
+                            <a:latin typeface="Cambria Math" panose="02040503050406030204" pitchFamily="18" charset="0"/>
+                          </a:rPr>
+                        </m:ctrlPr>
+                      </m:sSubPr>
+                      <m:e>
+                        <m:r>
+                          <a:rPr lang="en-US" i="1" dirty="0" smtClean="0">
+                            <a:latin typeface="Cambria Math" panose="02040503050406030204" pitchFamily="18" charset="0"/>
+                          </a:rPr>
+                          <m:t>𝑅</m:t>
+                        </m:r>
+                      </m:e>
+                      <m:sub>
+                        <m:r>
+                          <a:rPr lang="en-US" b="0" i="1" dirty="0" smtClean="0">
+                            <a:latin typeface="Cambria Math" panose="02040503050406030204" pitchFamily="18" charset="0"/>
+                          </a:rPr>
+                          <m:t>1</m:t>
+                        </m:r>
+                      </m:sub>
+                    </m:sSub>
+                    <m:r>
+                      <a:rPr lang="en-US" i="1" dirty="0" smtClean="0">
+                        <a:latin typeface="Cambria Math" panose="02040503050406030204" pitchFamily="18" charset="0"/>
+                      </a:rPr>
+                      <m:t> </m:t>
+                    </m:r>
+                    <m:sSub>
+                      <m:sSubPr>
+                        <m:ctrlPr>
+                          <a:rPr lang="en-US" b="0" i="1" dirty="0" smtClean="0">
+                            <a:latin typeface="Cambria Math" panose="02040503050406030204" pitchFamily="18" charset="0"/>
+                          </a:rPr>
+                        </m:ctrlPr>
+                      </m:sSubPr>
+                      <m:e>
+                        <m:r>
+                          <a:rPr lang="en-US" i="1" dirty="0" smtClean="0">
+                            <a:latin typeface="Cambria Math" panose="02040503050406030204" pitchFamily="18" charset="0"/>
+                          </a:rPr>
+                          <m:t>𝑅</m:t>
+                        </m:r>
+                      </m:e>
+                      <m:sub>
+                        <m:r>
+                          <a:rPr lang="en-US" i="1" dirty="0" smtClean="0">
+                            <a:latin typeface="Cambria Math" panose="02040503050406030204" pitchFamily="18" charset="0"/>
+                          </a:rPr>
+                          <m:t>0</m:t>
+                        </m:r>
+                      </m:sub>
+                    </m:sSub>
+                    <m:nary>
+                      <m:naryPr>
+                        <m:chr m:val="∑"/>
+                        <m:ctrlPr>
+                          <a:rPr lang="en-US" b="0" i="1" dirty="0" smtClean="0">
+                            <a:latin typeface="Cambria Math" panose="02040503050406030204" pitchFamily="18" charset="0"/>
+                          </a:rPr>
+                        </m:ctrlPr>
+                      </m:naryPr>
+                      <m:sub>
+                        <m:r>
+                          <m:rPr>
+                            <m:brk m:alnAt="23"/>
+                          </m:rPr>
+                          <a:rPr lang="en-US" b="0" i="1" dirty="0" smtClean="0">
+                            <a:latin typeface="Cambria Math" panose="02040503050406030204" pitchFamily="18" charset="0"/>
+                          </a:rPr>
+                          <m:t>𝑖</m:t>
+                        </m:r>
+                        <m:r>
+                          <a:rPr lang="en-US" b="0" i="1" dirty="0" smtClean="0">
+                            <a:latin typeface="Cambria Math" panose="02040503050406030204" pitchFamily="18" charset="0"/>
+                          </a:rPr>
+                          <m:t>=1</m:t>
+                        </m:r>
+                      </m:sub>
+                      <m:sup>
+                        <m:sSub>
+                          <m:sSubPr>
+                            <m:ctrlPr>
+                              <a:rPr lang="en-US" b="0" i="1" dirty="0" smtClean="0">
+                                <a:latin typeface="Cambria Math" panose="02040503050406030204" pitchFamily="18" charset="0"/>
+                              </a:rPr>
+                            </m:ctrlPr>
+                          </m:sSubPr>
+                          <m:e>
+                            <m:r>
+                              <a:rPr lang="en-US" b="0" i="1" dirty="0" smtClean="0">
+                                <a:latin typeface="Cambria Math" panose="02040503050406030204" pitchFamily="18" charset="0"/>
+                              </a:rPr>
+                              <m:t>𝐾</m:t>
+                            </m:r>
+                          </m:e>
+                          <m:sub>
+                            <m:r>
+                              <a:rPr lang="en-US" b="0" i="1" dirty="0" smtClean="0">
+                                <a:latin typeface="Cambria Math" panose="02040503050406030204" pitchFamily="18" charset="0"/>
+                              </a:rPr>
+                              <m:t>1</m:t>
+                            </m:r>
+                          </m:sub>
+                        </m:sSub>
+                        <m:r>
+                          <a:rPr lang="en-US" b="0" i="1" dirty="0" smtClean="0">
+                            <a:latin typeface="Cambria Math" panose="02040503050406030204" pitchFamily="18" charset="0"/>
+                          </a:rPr>
+                          <m:t>×</m:t>
+                        </m:r>
+                        <m:sSub>
+                          <m:sSubPr>
+                            <m:ctrlPr>
+                              <a:rPr lang="en-US" b="0" i="1" dirty="0" smtClean="0">
+                                <a:latin typeface="Cambria Math" panose="02040503050406030204" pitchFamily="18" charset="0"/>
+                              </a:rPr>
+                            </m:ctrlPr>
+                          </m:sSubPr>
+                          <m:e>
+                            <m:r>
+                              <a:rPr lang="en-US" b="0" i="1" dirty="0" smtClean="0">
+                                <a:latin typeface="Cambria Math" panose="02040503050406030204" pitchFamily="18" charset="0"/>
+                              </a:rPr>
+                              <m:t>𝐾</m:t>
+                            </m:r>
+                          </m:e>
+                          <m:sub>
+                            <m:r>
+                              <a:rPr lang="en-US" b="0" i="1" dirty="0" smtClean="0">
+                                <a:latin typeface="Cambria Math" panose="02040503050406030204" pitchFamily="18" charset="0"/>
+                              </a:rPr>
+                              <m:t>2</m:t>
+                            </m:r>
+                          </m:sub>
+                        </m:sSub>
+                      </m:sup>
+                      <m:e>
+                        <m:sSubSup>
+                          <m:sSubSupPr>
+                            <m:ctrlPr>
+                              <a:rPr lang="en-US" b="0" i="1" dirty="0" smtClean="0">
+                                <a:latin typeface="Cambria Math" panose="02040503050406030204" pitchFamily="18" charset="0"/>
+                              </a:rPr>
+                            </m:ctrlPr>
+                          </m:sSubSupPr>
+                          <m:e>
+                            <m:r>
+                              <a:rPr lang="en-US" i="1" dirty="0">
+                                <a:latin typeface="Cambria Math" panose="02040503050406030204" pitchFamily="18" charset="0"/>
+                              </a:rPr>
+                              <m:t>𝑉</m:t>
+                            </m:r>
+                          </m:e>
+                          <m:sub>
+                            <m:r>
+                              <a:rPr lang="en-US" b="0" i="1" dirty="0" smtClean="0">
+                                <a:latin typeface="Cambria Math" panose="02040503050406030204" pitchFamily="18" charset="0"/>
+                              </a:rPr>
+                              <m:t>𝑖</m:t>
+                            </m:r>
+                          </m:sub>
+                          <m:sup>
+                            <m:r>
+                              <a:rPr lang="en-US" i="1" dirty="0">
+                                <a:latin typeface="Cambria Math" panose="02040503050406030204" pitchFamily="18" charset="0"/>
+                              </a:rPr>
+                              <m:t>𝑝</m:t>
+                            </m:r>
+                          </m:sup>
+                        </m:sSubSup>
+                      </m:e>
+                    </m:nary>
+                    <m:r>
+                      <a:rPr lang="en-US" i="1" dirty="0" smtClean="0">
+                        <a:latin typeface="Cambria Math" panose="02040503050406030204" pitchFamily="18" charset="0"/>
+                      </a:rPr>
+                      <m:t> </m:t>
+                    </m:r>
+                  </m:oMath>
+                </a14:m>
+                <a:r>
+                  <a:rPr lang="en-US" dirty="0">
+                    <a:latin typeface="Gotham Narrow Book" pitchFamily="2" charset="0"/>
+                  </a:rPr>
+                  <a:t>, where </a:t>
+                </a:r>
+                <a14:m>
+                  <m:oMath xmlns:m="http://schemas.openxmlformats.org/officeDocument/2006/math">
+                    <m:r>
+                      <a:rPr lang="en-US" i="1" dirty="0" smtClean="0">
+                        <a:latin typeface="Cambria Math" panose="02040503050406030204" pitchFamily="18" charset="0"/>
+                      </a:rPr>
+                      <m:t>𝑝</m:t>
+                    </m:r>
+                    <m:r>
+                      <a:rPr lang="en-US" i="1" dirty="0" smtClean="0">
+                        <a:latin typeface="Cambria Math" panose="02040503050406030204" pitchFamily="18" charset="0"/>
+                      </a:rPr>
+                      <m:t> = 1, 2,…,</m:t>
+                    </m:r>
+                    <m:r>
+                      <a:rPr lang="en-US" i="1" dirty="0" smtClean="0">
+                        <a:latin typeface="Cambria Math" panose="02040503050406030204" pitchFamily="18" charset="0"/>
+                      </a:rPr>
+                      <m:t>𝑃</m:t>
+                    </m:r>
+                    <m:r>
+                      <a:rPr lang="en-US" i="1" dirty="0" smtClean="0">
+                        <a:latin typeface="Cambria Math" panose="02040503050406030204" pitchFamily="18" charset="0"/>
+                      </a:rPr>
+                      <m:t>.</m:t>
+                    </m:r>
+                  </m:oMath>
+                </a14:m>
+                <a:endParaRPr lang="en-US" dirty="0">
+                  <a:latin typeface="Gotham Narrow Book" pitchFamily="2" charset="0"/>
+                </a:endParaRPr>
+              </a:p>
+              <a:p>
+                <a:pPr marL="742950" lvl="1" indent="-285750">
+                  <a:lnSpc>
+                    <a:spcPct val="125000"/>
+                  </a:lnSpc>
+                  <a:buFont typeface="Wingdings" panose="05000000000000000000" pitchFamily="2" charset="2"/>
+                  <a:buChar char="§"/>
+                </a:pPr>
+                <a:endParaRPr lang="en-US" dirty="0">
+                  <a:latin typeface="Gotham Narrow Book" pitchFamily="2" charset="0"/>
+                </a:endParaRPr>
+              </a:p>
+            </p:txBody>
+          </p:sp>
+        </mc:Choice>
+        <mc:Fallback xmlns="">
+          <p:sp>
+            <p:nvSpPr>
+              <p:cNvPr id="4" name="TextBox 3">
+                <a:extLst>
+                  <a:ext uri="{FF2B5EF4-FFF2-40B4-BE49-F238E27FC236}">
+                    <a16:creationId xmlns:a16="http://schemas.microsoft.com/office/drawing/2014/main" id="{6CEFF733-E084-6853-F8C7-07BD3594FCDE}"/>
+                  </a:ext>
+                </a:extLst>
+              </p:cNvPr>
+              <p:cNvSpPr txBox="1">
+                <a:spLocks noRot="1" noChangeAspect="1" noMove="1" noResize="1" noEditPoints="1" noAdjustHandles="1" noChangeArrowheads="1" noChangeShapeType="1" noTextEdit="1"/>
+              </p:cNvSpPr>
+              <p:nvPr/>
+            </p:nvSpPr>
+            <p:spPr>
+              <a:xfrm>
+                <a:off x="876821" y="1115395"/>
+                <a:ext cx="6139929" cy="4256705"/>
+              </a:xfrm>
+              <a:prstGeom prst="rect">
+                <a:avLst/>
+              </a:prstGeom>
+              <a:blipFill>
+                <a:blip r:embed="rId2"/>
+                <a:stretch>
+                  <a:fillRect l="-695" t="-143" r="-1986"/>
+                </a:stretch>
+              </a:blipFill>
+            </p:spPr>
+            <p:txBody>
+              <a:bodyPr/>
+              <a:lstStyle/>
+              <a:p>
+                <a:r>
+                  <a:rPr lang="en-US">
+                    <a:noFill/>
+                  </a:rPr>
+                  <a:t> </a:t>
+                </a:r>
+              </a:p>
+            </p:txBody>
+          </p:sp>
+        </mc:Fallback>
+      </mc:AlternateContent>
+      <p:pic>
+        <p:nvPicPr>
+          <p:cNvPr id="3" name="Picture 2">
+            <a:extLst>
+              <a:ext uri="{FF2B5EF4-FFF2-40B4-BE49-F238E27FC236}">
+                <a16:creationId xmlns:a16="http://schemas.microsoft.com/office/drawing/2014/main" id="{134DFEC7-9455-E426-28B3-F4D77BC15E2D}"/>
+              </a:ext>
+            </a:extLst>
+          </p:cNvPr>
+          <p:cNvPicPr>
+            <a:picLocks noChangeAspect="1"/>
+          </p:cNvPicPr>
+          <p:nvPr/>
+        </p:nvPicPr>
+        <p:blipFill>
+          <a:blip r:embed="rId3"/>
+          <a:stretch>
+            <a:fillRect/>
+          </a:stretch>
+        </p:blipFill>
+        <p:spPr>
+          <a:xfrm>
+            <a:off x="7734301" y="1000284"/>
+            <a:ext cx="4405442" cy="4256705"/>
+          </a:xfrm>
+          <a:prstGeom prst="rect">
+            <a:avLst/>
+          </a:prstGeom>
+        </p:spPr>
+      </p:pic>
+      <p:sp>
+        <p:nvSpPr>
+          <p:cNvPr id="2" name="TextBox 1">
+            <a:extLst>
+              <a:ext uri="{FF2B5EF4-FFF2-40B4-BE49-F238E27FC236}">
+                <a16:creationId xmlns:a16="http://schemas.microsoft.com/office/drawing/2014/main" id="{5D7F7B4C-92EF-0315-3EDC-6AB833C5BA57}"/>
+              </a:ext>
+            </a:extLst>
+          </p:cNvPr>
+          <p:cNvSpPr txBox="1"/>
+          <p:nvPr/>
+        </p:nvSpPr>
+        <p:spPr>
+          <a:xfrm>
+            <a:off x="8482935" y="5372100"/>
+            <a:ext cx="3709065" cy="369332"/>
+          </a:xfrm>
+          <a:prstGeom prst="rect">
+            <a:avLst/>
+          </a:prstGeom>
+          <a:noFill/>
+        </p:spPr>
+        <p:txBody>
+          <a:bodyPr wrap="square" rtlCol="0">
+            <a:spAutoFit/>
+          </a:bodyPr>
+          <a:lstStyle/>
+          <a:p>
+            <a:r>
+              <a:rPr lang="en-US" dirty="0"/>
+              <a:t>Source: Liu &amp; Zeng (Springer 2021)</a:t>
+            </a:r>
+          </a:p>
+        </p:txBody>
+      </p:sp>
+    </p:spTree>
+    <p:extLst>
+      <p:ext uri="{BB962C8B-B14F-4D97-AF65-F5344CB8AC3E}">
+        <p14:creationId xmlns:p14="http://schemas.microsoft.com/office/powerpoint/2010/main" val="632676436"/>
       </p:ext>
     </p:extLst>
   </p:cSld>
